--- a/Brownbag-updated.pptx
+++ b/Brownbag-updated.pptx
@@ -5,16 +5,16 @@
     <p:sldMasterId id="2147483648" r:id="rId1"/>
   </p:sldMasterIdLst>
   <p:notesMasterIdLst>
-    <p:notesMasterId r:id="rId25"/>
+    <p:notesMasterId r:id="rId27"/>
   </p:notesMasterIdLst>
   <p:sldIdLst>
     <p:sldId id="256" r:id="rId2"/>
     <p:sldId id="260" r:id="rId3"/>
     <p:sldId id="261" r:id="rId4"/>
-    <p:sldId id="262" r:id="rId5"/>
-    <p:sldId id="263" r:id="rId6"/>
-    <p:sldId id="264" r:id="rId7"/>
-    <p:sldId id="274" r:id="rId8"/>
+    <p:sldId id="263" r:id="rId5"/>
+    <p:sldId id="264" r:id="rId6"/>
+    <p:sldId id="274" r:id="rId7"/>
+    <p:sldId id="262" r:id="rId8"/>
     <p:sldId id="269" r:id="rId9"/>
     <p:sldId id="270" r:id="rId10"/>
     <p:sldId id="272" r:id="rId11"/>
@@ -27,10 +27,12 @@
     <p:sldId id="277" r:id="rId18"/>
     <p:sldId id="279" r:id="rId19"/>
     <p:sldId id="280" r:id="rId20"/>
-    <p:sldId id="281" r:id="rId21"/>
-    <p:sldId id="282" r:id="rId22"/>
-    <p:sldId id="283" r:id="rId23"/>
+    <p:sldId id="282" r:id="rId21"/>
+    <p:sldId id="287" r:id="rId22"/>
+    <p:sldId id="281" r:id="rId23"/>
     <p:sldId id="284" r:id="rId24"/>
+    <p:sldId id="285" r:id="rId25"/>
+    <p:sldId id="286" r:id="rId26"/>
   </p:sldIdLst>
   <p:sldSz cx="12192000" cy="6858000"/>
   <p:notesSz cx="6858000" cy="9144000"/>
@@ -655,6 +657,196 @@
     <p:extLst>
       <p:ext uri="{BB962C8B-B14F-4D97-AF65-F5344CB8AC3E}">
         <p14:creationId xmlns:p14="http://schemas.microsoft.com/office/powerpoint/2010/main" val="2888739994"/>
+      </p:ext>
+    </p:extLst>
+  </p:cSld>
+  <p:clrMapOvr>
+    <a:masterClrMapping/>
+  </p:clrMapOvr>
+</p:notes>
+</file>
+
+<file path=ppt/notesSlides/notesSlide3.xml><?xml version="1.0" encoding="utf-8"?>
+<p:notes xmlns:a="http://schemas.openxmlformats.org/drawingml/2006/main" xmlns:r="http://schemas.openxmlformats.org/officeDocument/2006/relationships" xmlns:p="http://schemas.openxmlformats.org/presentationml/2006/main">
+  <p:cSld>
+    <p:spTree>
+      <p:nvGrpSpPr>
+        <p:cNvPr id="1" name=""/>
+        <p:cNvGrpSpPr/>
+        <p:nvPr/>
+      </p:nvGrpSpPr>
+      <p:grpSpPr>
+        <a:xfrm>
+          <a:off x="0" y="0"/>
+          <a:ext cx="0" cy="0"/>
+          <a:chOff x="0" y="0"/>
+          <a:chExt cx="0" cy="0"/>
+        </a:xfrm>
+      </p:grpSpPr>
+      <p:sp>
+        <p:nvSpPr>
+          <p:cNvPr id="2" name="Slide Image Placeholder 1"/>
+          <p:cNvSpPr>
+            <a:spLocks noGrp="1" noRot="1" noChangeAspect="1"/>
+          </p:cNvSpPr>
+          <p:nvPr>
+            <p:ph type="sldImg"/>
+          </p:nvPr>
+        </p:nvSpPr>
+        <p:spPr/>
+      </p:sp>
+      <p:sp>
+        <p:nvSpPr>
+          <p:cNvPr id="3" name="Notes Placeholder 2"/>
+          <p:cNvSpPr>
+            <a:spLocks noGrp="1"/>
+          </p:cNvSpPr>
+          <p:nvPr>
+            <p:ph type="body" idx="1"/>
+          </p:nvPr>
+        </p:nvSpPr>
+        <p:spPr/>
+        <p:txBody>
+          <a:bodyPr/>
+          <a:lstStyle/>
+          <a:p>
+            <a:r>
+              <a:rPr lang="en-US" dirty="0"/>
+              <a:t>Management literature is the </a:t>
+            </a:r>
+            <a:r>
+              <a:rPr lang="en-US" dirty="0" err="1"/>
+              <a:t>kitsugi</a:t>
+            </a:r>
+            <a:r>
+              <a:rPr lang="en-US" dirty="0"/>
+              <a:t> anti </a:t>
+            </a:r>
+            <a:r>
+              <a:rPr lang="en-US" dirty="0" err="1"/>
+              <a:t>thesis.with</a:t>
+            </a:r>
+            <a:r>
+              <a:rPr lang="en-US" dirty="0"/>
+              <a:t> 25 to 50 months for each retraction to be retracted.. There is lot of time to cause damage..</a:t>
+            </a:r>
+          </a:p>
+        </p:txBody>
+      </p:sp>
+      <p:sp>
+        <p:nvSpPr>
+          <p:cNvPr id="4" name="Slide Number Placeholder 3"/>
+          <p:cNvSpPr>
+            <a:spLocks noGrp="1"/>
+          </p:cNvSpPr>
+          <p:nvPr>
+            <p:ph type="sldNum" sz="quarter" idx="5"/>
+          </p:nvPr>
+        </p:nvSpPr>
+        <p:spPr/>
+        <p:txBody>
+          <a:bodyPr/>
+          <a:lstStyle/>
+          <a:p>
+            <a:fld id="{70C362AF-AF5A-7D40-83D6-DE9FBCAE79B7}" type="slidenum">
+              <a:rPr lang="en-US" smtClean="0"/>
+              <a:t>7</a:t>
+            </a:fld>
+            <a:endParaRPr lang="en-US"/>
+          </a:p>
+        </p:txBody>
+      </p:sp>
+    </p:spTree>
+    <p:extLst>
+      <p:ext uri="{BB962C8B-B14F-4D97-AF65-F5344CB8AC3E}">
+        <p14:creationId xmlns:p14="http://schemas.microsoft.com/office/powerpoint/2010/main" val="3317991199"/>
+      </p:ext>
+    </p:extLst>
+  </p:cSld>
+  <p:clrMapOvr>
+    <a:masterClrMapping/>
+  </p:clrMapOvr>
+</p:notes>
+</file>
+
+<file path=ppt/notesSlides/notesSlide4.xml><?xml version="1.0" encoding="utf-8"?>
+<p:notes xmlns:a="http://schemas.openxmlformats.org/drawingml/2006/main" xmlns:r="http://schemas.openxmlformats.org/officeDocument/2006/relationships" xmlns:p="http://schemas.openxmlformats.org/presentationml/2006/main">
+  <p:cSld>
+    <p:spTree>
+      <p:nvGrpSpPr>
+        <p:cNvPr id="1" name=""/>
+        <p:cNvGrpSpPr/>
+        <p:nvPr/>
+      </p:nvGrpSpPr>
+      <p:grpSpPr>
+        <a:xfrm>
+          <a:off x="0" y="0"/>
+          <a:ext cx="0" cy="0"/>
+          <a:chOff x="0" y="0"/>
+          <a:chExt cx="0" cy="0"/>
+        </a:xfrm>
+      </p:grpSpPr>
+      <p:sp>
+        <p:nvSpPr>
+          <p:cNvPr id="2" name="Slide Image Placeholder 1"/>
+          <p:cNvSpPr>
+            <a:spLocks noGrp="1" noRot="1" noChangeAspect="1"/>
+          </p:cNvSpPr>
+          <p:nvPr>
+            <p:ph type="sldImg"/>
+          </p:nvPr>
+        </p:nvSpPr>
+        <p:spPr/>
+      </p:sp>
+      <p:sp>
+        <p:nvSpPr>
+          <p:cNvPr id="3" name="Notes Placeholder 2"/>
+          <p:cNvSpPr>
+            <a:spLocks noGrp="1"/>
+          </p:cNvSpPr>
+          <p:nvPr>
+            <p:ph type="body" idx="1"/>
+          </p:nvPr>
+        </p:nvSpPr>
+        <p:spPr/>
+        <p:txBody>
+          <a:bodyPr/>
+          <a:lstStyle/>
+          <a:p>
+            <a:r>
+              <a:rPr lang="en-US" dirty="0"/>
+              <a:t>We originally had over 50 + reasons, these reasons were later clustered into these 6 categories based on authors’ inputs. </a:t>
+            </a:r>
+          </a:p>
+        </p:txBody>
+      </p:sp>
+      <p:sp>
+        <p:nvSpPr>
+          <p:cNvPr id="4" name="Slide Number Placeholder 3"/>
+          <p:cNvSpPr>
+            <a:spLocks noGrp="1"/>
+          </p:cNvSpPr>
+          <p:nvPr>
+            <p:ph type="sldNum" sz="quarter" idx="5"/>
+          </p:nvPr>
+        </p:nvSpPr>
+        <p:spPr/>
+        <p:txBody>
+          <a:bodyPr/>
+          <a:lstStyle/>
+          <a:p>
+            <a:fld id="{70C362AF-AF5A-7D40-83D6-DE9FBCAE79B7}" type="slidenum">
+              <a:rPr lang="en-US" smtClean="0"/>
+              <a:t>10</a:t>
+            </a:fld>
+            <a:endParaRPr lang="en-US"/>
+          </a:p>
+        </p:txBody>
+      </p:sp>
+    </p:spTree>
+    <p:extLst>
+      <p:ext uri="{BB962C8B-B14F-4D97-AF65-F5344CB8AC3E}">
+        <p14:creationId xmlns:p14="http://schemas.microsoft.com/office/powerpoint/2010/main" val="136253821"/>
       </p:ext>
     </p:extLst>
   </p:cSld>
@@ -4412,15 +4604,15 @@
           </p:nvPr>
         </p:nvPicPr>
         <p:blipFill>
-          <a:blip r:embed="rId2"/>
+          <a:blip r:embed="rId3"/>
           <a:stretch>
             <a:fillRect/>
           </a:stretch>
         </p:blipFill>
         <p:spPr>
           <a:xfrm>
-            <a:off x="1055388" y="1320005"/>
-            <a:ext cx="10146011" cy="4690269"/>
+            <a:off x="1993024" y="1320005"/>
+            <a:ext cx="8205951" cy="4690269"/>
           </a:xfrm>
           <a:prstGeom prst="rect">
             <a:avLst/>
@@ -4595,16 +4787,15 @@
             <p:ph idx="1"/>
           </p:nvPr>
         </p:nvPicPr>
-        <p:blipFill>
+        <p:blipFill rotWithShape="1">
           <a:blip r:embed="rId2"/>
-          <a:stretch>
-            <a:fillRect/>
-          </a:stretch>
+          <a:srcRect t="10923"/>
+          <a:stretch/>
         </p:blipFill>
         <p:spPr>
           <a:xfrm>
-            <a:off x="985836" y="1610639"/>
-            <a:ext cx="10220325" cy="4459634"/>
+            <a:off x="985837" y="1506539"/>
+            <a:ext cx="10220325" cy="4608185"/>
           </a:xfrm>
           <a:prstGeom prst="rect">
             <a:avLst/>
@@ -4613,11 +4804,7 @@
             <a:noFill/>
           </a:ln>
           <a:effectLst>
-            <a:outerShdw blurRad="292100" dist="139700" dir="2700000" algn="tl" rotWithShape="0">
-              <a:srgbClr val="333333">
-                <a:alpha val="65000"/>
-              </a:srgbClr>
-            </a:outerShdw>
+            <a:softEdge rad="112500"/>
           </a:effectLst>
         </p:spPr>
       </p:pic>
@@ -4802,7 +4989,7 @@
         </p:blipFill>
         <p:spPr>
           <a:xfrm>
-            <a:off x="458307" y="1266505"/>
+            <a:off x="391632" y="1165952"/>
             <a:ext cx="10962168" cy="4045270"/>
           </a:xfrm>
           <a:prstGeom prst="rect">
@@ -4834,13 +5021,13 @@
         </p:spPr>
         <p:txBody>
           <a:bodyPr>
-            <a:normAutofit/>
+            <a:normAutofit fontScale="92500"/>
           </a:bodyPr>
           <a:lstStyle/>
           <a:p>
             <a:r>
               <a:rPr lang="en-US" dirty="0"/>
-              <a:t>Correlation between relationship matrices</a:t>
+              <a:t>Generation of Correlation between relationship matrices</a:t>
             </a:r>
           </a:p>
           <a:p>
@@ -10828,8 +11015,8 @@
         </p:blipFill>
         <p:spPr bwMode="auto">
           <a:xfrm>
-            <a:off x="839788" y="2133600"/>
-            <a:ext cx="5157787" cy="3794262"/>
+            <a:off x="836611" y="2305051"/>
+            <a:ext cx="5157787" cy="3312318"/>
           </a:xfrm>
           <a:prstGeom prst="rect">
             <a:avLst/>
@@ -10875,7 +11062,7 @@
             <a:pPr algn="ctr"/>
             <a:r>
               <a:rPr lang="en-US" dirty="0"/>
-              <a:t>Standing on weak shoulders</a:t>
+              <a:t>Standing on Weak Shoulders</a:t>
             </a:r>
           </a:p>
         </p:txBody>
@@ -10896,16 +11083,15 @@
             <p:ph sz="quarter" idx="4"/>
           </p:nvPr>
         </p:nvPicPr>
-        <p:blipFill>
+        <p:blipFill rotWithShape="1">
           <a:blip r:embed="rId4"/>
-          <a:stretch>
-            <a:fillRect/>
-          </a:stretch>
+          <a:srcRect l="15825" t="10381" r="17104" b="16846"/>
+          <a:stretch/>
         </p:blipFill>
         <p:spPr>
           <a:xfrm>
-            <a:off x="6172200" y="2133600"/>
-            <a:ext cx="5183188" cy="3737557"/>
+            <a:off x="6741460" y="2525574"/>
+            <a:ext cx="4473388" cy="2803148"/>
           </a:xfrm>
           <a:prstGeom prst="rect">
             <a:avLst/>
@@ -11033,7 +11219,7 @@
           <p:cNvPr id="2" name="Title 1">
             <a:extLst>
               <a:ext uri="{FF2B5EF4-FFF2-40B4-BE49-F238E27FC236}">
-                <a16:creationId xmlns:a16="http://schemas.microsoft.com/office/drawing/2014/main" id="{211B7C2C-EE81-AB44-2F7A-5AF5418224AD}"/>
+                <a16:creationId xmlns:a16="http://schemas.microsoft.com/office/drawing/2014/main" id="{B12C9296-A8EE-2A92-935D-A3C8445F1E4C}"/>
               </a:ext>
             </a:extLst>
           </p:cNvPr>
@@ -11052,8 +11238,33 @@
             <a:pPr algn="ctr"/>
             <a:r>
               <a:rPr lang="en-IN" dirty="0"/>
-              <a:t>SPEECH ACT THEORY</a:t>
-            </a:r>
+              <a:t>NORMATIVE POWER</a:t>
+            </a:r>
+          </a:p>
+        </p:txBody>
+      </p:sp>
+      <p:sp>
+        <p:nvSpPr>
+          <p:cNvPr id="3" name="Content Placeholder 2">
+            <a:extLst>
+              <a:ext uri="{FF2B5EF4-FFF2-40B4-BE49-F238E27FC236}">
+                <a16:creationId xmlns:a16="http://schemas.microsoft.com/office/drawing/2014/main" id="{DF8A595B-523E-5EDE-C939-F745441D2A9E}"/>
+              </a:ext>
+            </a:extLst>
+          </p:cNvPr>
+          <p:cNvSpPr>
+            <a:spLocks noGrp="1"/>
+          </p:cNvSpPr>
+          <p:nvPr>
+            <p:ph idx="1"/>
+          </p:nvPr>
+        </p:nvSpPr>
+        <p:spPr/>
+        <p:txBody>
+          <a:bodyPr/>
+          <a:lstStyle/>
+          <a:p>
+            <a:endParaRPr lang="en-IN" dirty="0"/>
           </a:p>
         </p:txBody>
       </p:sp>
@@ -11062,7 +11273,7 @@
           <p:cNvPr id="4" name="Date Placeholder 3">
             <a:extLst>
               <a:ext uri="{FF2B5EF4-FFF2-40B4-BE49-F238E27FC236}">
-                <a16:creationId xmlns:a16="http://schemas.microsoft.com/office/drawing/2014/main" id="{9724878C-FB9A-5758-0271-D29925F65B31}"/>
+                <a16:creationId xmlns:a16="http://schemas.microsoft.com/office/drawing/2014/main" id="{ED9BE520-3E90-F433-D172-54BAEC9EC2D8}"/>
               </a:ext>
             </a:extLst>
           </p:cNvPr>
@@ -11091,7 +11302,7 @@
           <p:cNvPr id="5" name="Footer Placeholder 4">
             <a:extLst>
               <a:ext uri="{FF2B5EF4-FFF2-40B4-BE49-F238E27FC236}">
-                <a16:creationId xmlns:a16="http://schemas.microsoft.com/office/drawing/2014/main" id="{0F1CED05-EF98-A119-209E-CE46431F189D}"/>
+                <a16:creationId xmlns:a16="http://schemas.microsoft.com/office/drawing/2014/main" id="{14C24175-D68B-0F72-F814-AD77467810B7}"/>
               </a:ext>
             </a:extLst>
           </p:cNvPr>
@@ -11119,7 +11330,7 @@
           <p:cNvPr id="6" name="Slide Number Placeholder 5">
             <a:extLst>
               <a:ext uri="{FF2B5EF4-FFF2-40B4-BE49-F238E27FC236}">
-                <a16:creationId xmlns:a16="http://schemas.microsoft.com/office/drawing/2014/main" id="{B114B447-8A4C-DE8A-0513-A6DBD3B52A95}"/>
+                <a16:creationId xmlns:a16="http://schemas.microsoft.com/office/drawing/2014/main" id="{211BFDC6-4D9B-D0F1-4B33-F1634E2C2FD3}"/>
               </a:ext>
             </a:extLst>
           </p:cNvPr>
@@ -11143,35 +11354,10 @@
           </a:p>
         </p:txBody>
       </p:sp>
-      <p:sp>
-        <p:nvSpPr>
-          <p:cNvPr id="8" name="Content Placeholder 7">
-            <a:extLst>
-              <a:ext uri="{FF2B5EF4-FFF2-40B4-BE49-F238E27FC236}">
-                <a16:creationId xmlns:a16="http://schemas.microsoft.com/office/drawing/2014/main" id="{DCE8C17B-D5D0-9D0E-F914-A0B04DFD407B}"/>
-              </a:ext>
-            </a:extLst>
-          </p:cNvPr>
-          <p:cNvSpPr>
-            <a:spLocks noGrp="1"/>
-          </p:cNvSpPr>
-          <p:nvPr>
-            <p:ph idx="1"/>
-          </p:nvPr>
-        </p:nvSpPr>
-        <p:spPr/>
-        <p:txBody>
-          <a:bodyPr/>
-          <a:lstStyle/>
-          <a:p>
-            <a:endParaRPr lang="en-IN" dirty="0"/>
-          </a:p>
-        </p:txBody>
-      </p:sp>
     </p:spTree>
     <p:extLst>
       <p:ext uri="{BB962C8B-B14F-4D97-AF65-F5344CB8AC3E}">
-        <p14:creationId xmlns:p14="http://schemas.microsoft.com/office/powerpoint/2010/main" val="4226975248"/>
+        <p14:creationId xmlns:p14="http://schemas.microsoft.com/office/powerpoint/2010/main" val="3863225025"/>
       </p:ext>
     </p:extLst>
   </p:cSld>
@@ -11186,7 +11372,13 @@
   <p:cSld>
     <p:spTree>
       <p:nvGrpSpPr>
-        <p:cNvPr id="1" name=""/>
+        <p:cNvPr id="1" name="">
+          <a:extLst>
+            <a:ext uri="{FF2B5EF4-FFF2-40B4-BE49-F238E27FC236}">
+              <a16:creationId xmlns:a16="http://schemas.microsoft.com/office/drawing/2014/main" id="{5B91B75E-8F85-7D59-4760-FDA40CB6E745}"/>
+            </a:ext>
+          </a:extLst>
+        </p:cNvPr>
         <p:cNvGrpSpPr/>
         <p:nvPr/>
       </p:nvGrpSpPr>
@@ -11203,7 +11395,7 @@
           <p:cNvPr id="2" name="Title 1">
             <a:extLst>
               <a:ext uri="{FF2B5EF4-FFF2-40B4-BE49-F238E27FC236}">
-                <a16:creationId xmlns:a16="http://schemas.microsoft.com/office/drawing/2014/main" id="{B12C9296-A8EE-2A92-935D-A3C8445F1E4C}"/>
+                <a16:creationId xmlns:a16="http://schemas.microsoft.com/office/drawing/2014/main" id="{4D63A875-C94E-F370-130D-9E643E3C79F9}"/>
               </a:ext>
             </a:extLst>
           </p:cNvPr>
@@ -11222,33 +11414,8 @@
             <a:pPr algn="ctr"/>
             <a:r>
               <a:rPr lang="en-IN" dirty="0"/>
-              <a:t>NORMATIVE POWER</a:t>
-            </a:r>
-          </a:p>
-        </p:txBody>
-      </p:sp>
-      <p:sp>
-        <p:nvSpPr>
-          <p:cNvPr id="3" name="Content Placeholder 2">
-            <a:extLst>
-              <a:ext uri="{FF2B5EF4-FFF2-40B4-BE49-F238E27FC236}">
-                <a16:creationId xmlns:a16="http://schemas.microsoft.com/office/drawing/2014/main" id="{DF8A595B-523E-5EDE-C939-F745441D2A9E}"/>
-              </a:ext>
-            </a:extLst>
-          </p:cNvPr>
-          <p:cNvSpPr>
-            <a:spLocks noGrp="1"/>
-          </p:cNvSpPr>
-          <p:nvPr>
-            <p:ph idx="1"/>
-          </p:nvPr>
-        </p:nvSpPr>
-        <p:spPr/>
-        <p:txBody>
-          <a:bodyPr/>
-          <a:lstStyle/>
-          <a:p>
-            <a:endParaRPr lang="en-IN" dirty="0"/>
+              <a:t>SPEECH ACT THEORY (SAT)</a:t>
+            </a:r>
           </a:p>
         </p:txBody>
       </p:sp>
@@ -11257,7 +11424,7 @@
           <p:cNvPr id="4" name="Date Placeholder 3">
             <a:extLst>
               <a:ext uri="{FF2B5EF4-FFF2-40B4-BE49-F238E27FC236}">
-                <a16:creationId xmlns:a16="http://schemas.microsoft.com/office/drawing/2014/main" id="{ED9BE520-3E90-F433-D172-54BAEC9EC2D8}"/>
+                <a16:creationId xmlns:a16="http://schemas.microsoft.com/office/drawing/2014/main" id="{D543F3C4-9C95-8434-5C15-B581BFDA58D2}"/>
               </a:ext>
             </a:extLst>
           </p:cNvPr>
@@ -11286,7 +11453,7 @@
           <p:cNvPr id="5" name="Footer Placeholder 4">
             <a:extLst>
               <a:ext uri="{FF2B5EF4-FFF2-40B4-BE49-F238E27FC236}">
-                <a16:creationId xmlns:a16="http://schemas.microsoft.com/office/drawing/2014/main" id="{14C24175-D68B-0F72-F814-AD77467810B7}"/>
+                <a16:creationId xmlns:a16="http://schemas.microsoft.com/office/drawing/2014/main" id="{93DE7F1B-EE51-71FB-9F93-A2597EA62846}"/>
               </a:ext>
             </a:extLst>
           </p:cNvPr>
@@ -11314,7 +11481,7 @@
           <p:cNvPr id="6" name="Slide Number Placeholder 5">
             <a:extLst>
               <a:ext uri="{FF2B5EF4-FFF2-40B4-BE49-F238E27FC236}">
-                <a16:creationId xmlns:a16="http://schemas.microsoft.com/office/drawing/2014/main" id="{211BFDC6-4D9B-D0F1-4B33-F1634E2C2FD3}"/>
+                <a16:creationId xmlns:a16="http://schemas.microsoft.com/office/drawing/2014/main" id="{6F343F1E-B149-BA90-86D7-FED320CC9712}"/>
               </a:ext>
             </a:extLst>
           </p:cNvPr>
@@ -11338,10 +11505,277 @@
           </a:p>
         </p:txBody>
       </p:sp>
+      <p:sp>
+        <p:nvSpPr>
+          <p:cNvPr id="8" name="Content Placeholder 7">
+            <a:extLst>
+              <a:ext uri="{FF2B5EF4-FFF2-40B4-BE49-F238E27FC236}">
+                <a16:creationId xmlns:a16="http://schemas.microsoft.com/office/drawing/2014/main" id="{59B3FE7F-E403-2472-8485-2B89305FC1AE}"/>
+              </a:ext>
+            </a:extLst>
+          </p:cNvPr>
+          <p:cNvSpPr>
+            <a:spLocks noGrp="1"/>
+          </p:cNvSpPr>
+          <p:nvPr>
+            <p:ph idx="1"/>
+          </p:nvPr>
+        </p:nvSpPr>
+        <p:spPr/>
+        <p:txBody>
+          <a:bodyPr numCol="1">
+            <a:normAutofit fontScale="77500" lnSpcReduction="20000"/>
+          </a:bodyPr>
+          <a:lstStyle/>
+          <a:p>
+            <a:r>
+              <a:rPr lang="en-IN" b="0" i="0" dirty="0">
+                <a:solidFill>
+                  <a:srgbClr val="374151"/>
+                </a:solidFill>
+                <a:effectLst/>
+                <a:latin typeface="Calibri" panose="020F0502020204030204" pitchFamily="34" charset="0"/>
+                <a:cs typeface="Calibri" panose="020F0502020204030204" pitchFamily="34" charset="0"/>
+              </a:rPr>
+              <a:t>A concept that emphasizes not just what is said, but what is done through speaking.</a:t>
+            </a:r>
+          </a:p>
+          <a:p>
+            <a:r>
+              <a:rPr lang="en-IN" b="0" i="0" dirty="0">
+                <a:solidFill>
+                  <a:srgbClr val="374151"/>
+                </a:solidFill>
+                <a:effectLst/>
+                <a:latin typeface="Calibri" panose="020F0502020204030204" pitchFamily="34" charset="0"/>
+                <a:cs typeface="Calibri" panose="020F0502020204030204" pitchFamily="34" charset="0"/>
+              </a:rPr>
+              <a:t>Developed by J.L. Austin and furthered by John Searle.</a:t>
+            </a:r>
+          </a:p>
+          <a:p>
+            <a:pPr algn="l"/>
+            <a:r>
+              <a:rPr lang="en-IN" b="1" i="0" dirty="0">
+                <a:solidFill>
+                  <a:srgbClr val="374151"/>
+                </a:solidFill>
+                <a:effectLst/>
+                <a:latin typeface="Calibri" panose="020F0502020204030204" pitchFamily="34" charset="0"/>
+                <a:cs typeface="Calibri" panose="020F0502020204030204" pitchFamily="34" charset="0"/>
+              </a:rPr>
+              <a:t>Key Components of Speech</a:t>
+            </a:r>
+            <a:endParaRPr lang="en-IN" b="0" i="0" dirty="0">
+              <a:solidFill>
+                <a:srgbClr val="374151"/>
+              </a:solidFill>
+              <a:effectLst/>
+              <a:latin typeface="Calibri" panose="020F0502020204030204" pitchFamily="34" charset="0"/>
+              <a:cs typeface="Calibri" panose="020F0502020204030204" pitchFamily="34" charset="0"/>
+            </a:endParaRPr>
+          </a:p>
+          <a:p>
+            <a:pPr lvl="1"/>
+            <a:r>
+              <a:rPr lang="en-IN" b="1" i="0" dirty="0">
+                <a:solidFill>
+                  <a:srgbClr val="374151"/>
+                </a:solidFill>
+                <a:effectLst/>
+                <a:latin typeface="Calibri" panose="020F0502020204030204" pitchFamily="34" charset="0"/>
+                <a:cs typeface="Calibri" panose="020F0502020204030204" pitchFamily="34" charset="0"/>
+              </a:rPr>
+              <a:t>Locutionary Act</a:t>
+            </a:r>
+            <a:r>
+              <a:rPr lang="en-IN" b="0" i="0" dirty="0">
+                <a:solidFill>
+                  <a:srgbClr val="374151"/>
+                </a:solidFill>
+                <a:effectLst/>
+                <a:latin typeface="Calibri" panose="020F0502020204030204" pitchFamily="34" charset="0"/>
+                <a:cs typeface="Calibri" panose="020F0502020204030204" pitchFamily="34" charset="0"/>
+              </a:rPr>
+              <a:t>: The actual utterance and its meaning.</a:t>
+            </a:r>
+          </a:p>
+          <a:p>
+            <a:pPr lvl="1"/>
+            <a:r>
+              <a:rPr lang="en-IN" b="1" i="0" dirty="0">
+                <a:solidFill>
+                  <a:srgbClr val="374151"/>
+                </a:solidFill>
+                <a:effectLst/>
+                <a:latin typeface="Calibri" panose="020F0502020204030204" pitchFamily="34" charset="0"/>
+                <a:cs typeface="Calibri" panose="020F0502020204030204" pitchFamily="34" charset="0"/>
+              </a:rPr>
+              <a:t>Illocutionary Act</a:t>
+            </a:r>
+            <a:r>
+              <a:rPr lang="en-IN" b="0" i="0" dirty="0">
+                <a:solidFill>
+                  <a:srgbClr val="374151"/>
+                </a:solidFill>
+                <a:effectLst/>
+                <a:latin typeface="Calibri" panose="020F0502020204030204" pitchFamily="34" charset="0"/>
+                <a:cs typeface="Calibri" panose="020F0502020204030204" pitchFamily="34" charset="0"/>
+              </a:rPr>
+              <a:t>: The intention behind the utterance.</a:t>
+            </a:r>
+          </a:p>
+          <a:p>
+            <a:pPr lvl="1"/>
+            <a:r>
+              <a:rPr lang="en-IN" b="1" i="0" dirty="0">
+                <a:solidFill>
+                  <a:srgbClr val="374151"/>
+                </a:solidFill>
+                <a:effectLst/>
+                <a:latin typeface="Calibri" panose="020F0502020204030204" pitchFamily="34" charset="0"/>
+                <a:cs typeface="Calibri" panose="020F0502020204030204" pitchFamily="34" charset="0"/>
+              </a:rPr>
+              <a:t>Perlocutionary Act</a:t>
+            </a:r>
+            <a:r>
+              <a:rPr lang="en-IN" b="0" i="0" dirty="0">
+                <a:solidFill>
+                  <a:srgbClr val="374151"/>
+                </a:solidFill>
+                <a:effectLst/>
+                <a:latin typeface="Calibri" panose="020F0502020204030204" pitchFamily="34" charset="0"/>
+                <a:cs typeface="Calibri" panose="020F0502020204030204" pitchFamily="34" charset="0"/>
+              </a:rPr>
+              <a:t>: The effect the utterance has on the listener.</a:t>
+            </a:r>
+          </a:p>
+          <a:p>
+            <a:pPr lvl="1"/>
+            <a:r>
+              <a:rPr lang="en-IN" dirty="0">
+                <a:solidFill>
+                  <a:srgbClr val="374151"/>
+                </a:solidFill>
+                <a:latin typeface="Calibri" panose="020F0502020204030204" pitchFamily="34" charset="0"/>
+                <a:cs typeface="Calibri" panose="020F0502020204030204" pitchFamily="34" charset="0"/>
+              </a:rPr>
+              <a:t>Context</a:t>
+            </a:r>
+            <a:endParaRPr lang="en-IN" b="0" i="0" dirty="0">
+              <a:solidFill>
+                <a:srgbClr val="374151"/>
+              </a:solidFill>
+              <a:effectLst/>
+              <a:latin typeface="Calibri" panose="020F0502020204030204" pitchFamily="34" charset="0"/>
+              <a:cs typeface="Calibri" panose="020F0502020204030204" pitchFamily="34" charset="0"/>
+            </a:endParaRPr>
+          </a:p>
+          <a:p>
+            <a:pPr algn="l"/>
+            <a:r>
+              <a:rPr lang="en-IN" b="1" i="0" dirty="0">
+                <a:solidFill>
+                  <a:srgbClr val="374151"/>
+                </a:solidFill>
+                <a:effectLst/>
+                <a:latin typeface="Calibri" panose="020F0502020204030204" pitchFamily="34" charset="0"/>
+                <a:cs typeface="Calibri" panose="020F0502020204030204" pitchFamily="34" charset="0"/>
+              </a:rPr>
+              <a:t>Why It Matters</a:t>
+            </a:r>
+            <a:endParaRPr lang="en-IN" b="0" i="0" dirty="0">
+              <a:solidFill>
+                <a:srgbClr val="374151"/>
+              </a:solidFill>
+              <a:effectLst/>
+              <a:latin typeface="Calibri" panose="020F0502020204030204" pitchFamily="34" charset="0"/>
+              <a:cs typeface="Calibri" panose="020F0502020204030204" pitchFamily="34" charset="0"/>
+            </a:endParaRPr>
+          </a:p>
+          <a:p>
+            <a:pPr lvl="1"/>
+            <a:r>
+              <a:rPr lang="en-IN" b="0" i="0" dirty="0">
+                <a:solidFill>
+                  <a:srgbClr val="374151"/>
+                </a:solidFill>
+                <a:effectLst/>
+                <a:latin typeface="Calibri" panose="020F0502020204030204" pitchFamily="34" charset="0"/>
+                <a:cs typeface="Calibri" panose="020F0502020204030204" pitchFamily="34" charset="0"/>
+              </a:rPr>
+              <a:t>Reveals the complex ways in which language functions in communication.</a:t>
+            </a:r>
+          </a:p>
+          <a:p>
+            <a:pPr lvl="1"/>
+            <a:r>
+              <a:rPr lang="en-IN" b="0" i="0" dirty="0">
+                <a:solidFill>
+                  <a:srgbClr val="374151"/>
+                </a:solidFill>
+                <a:effectLst/>
+                <a:latin typeface="Calibri" panose="020F0502020204030204" pitchFamily="34" charset="0"/>
+                <a:cs typeface="Calibri" panose="020F0502020204030204" pitchFamily="34" charset="0"/>
+              </a:rPr>
+              <a:t>Shows how utterances perform actions and carry intentions beyond mere words.</a:t>
+            </a:r>
+          </a:p>
+          <a:p>
+            <a:pPr algn="l"/>
+            <a:r>
+              <a:rPr lang="en-IN" b="1" i="0" dirty="0">
+                <a:solidFill>
+                  <a:srgbClr val="374151"/>
+                </a:solidFill>
+                <a:effectLst/>
+                <a:latin typeface="Calibri" panose="020F0502020204030204" pitchFamily="34" charset="0"/>
+                <a:cs typeface="Calibri" panose="020F0502020204030204" pitchFamily="34" charset="0"/>
+              </a:rPr>
+              <a:t>Examples</a:t>
+            </a:r>
+            <a:endParaRPr lang="en-IN" b="0" i="0" dirty="0">
+              <a:solidFill>
+                <a:srgbClr val="374151"/>
+              </a:solidFill>
+              <a:effectLst/>
+              <a:latin typeface="Calibri" panose="020F0502020204030204" pitchFamily="34" charset="0"/>
+              <a:cs typeface="Calibri" panose="020F0502020204030204" pitchFamily="34" charset="0"/>
+            </a:endParaRPr>
+          </a:p>
+          <a:p>
+            <a:pPr algn="l">
+              <a:buFont typeface="Arial" panose="020B0604020202020204" pitchFamily="34" charset="0"/>
+              <a:buChar char="•"/>
+            </a:pPr>
+            <a:r>
+              <a:rPr lang="en-IN" b="0" i="0" dirty="0">
+                <a:solidFill>
+                  <a:srgbClr val="374151"/>
+                </a:solidFill>
+                <a:effectLst/>
+                <a:latin typeface="Calibri" panose="020F0502020204030204" pitchFamily="34" charset="0"/>
+                <a:cs typeface="Calibri" panose="020F0502020204030204" pitchFamily="34" charset="0"/>
+              </a:rPr>
+              <a:t>From promising and apologizing to ordering and requesting, our words have the power to act.</a:t>
+            </a:r>
+          </a:p>
+          <a:p>
+            <a:endParaRPr lang="en-IN" b="0" i="0" dirty="0">
+              <a:solidFill>
+                <a:srgbClr val="374151"/>
+              </a:solidFill>
+              <a:effectLst/>
+              <a:latin typeface="Calibri" panose="020F0502020204030204" pitchFamily="34" charset="0"/>
+              <a:cs typeface="Calibri" panose="020F0502020204030204" pitchFamily="34" charset="0"/>
+            </a:endParaRPr>
+          </a:p>
+        </p:txBody>
+      </p:sp>
     </p:spTree>
     <p:extLst>
       <p:ext uri="{BB962C8B-B14F-4D97-AF65-F5344CB8AC3E}">
-        <p14:creationId xmlns:p14="http://schemas.microsoft.com/office/powerpoint/2010/main" val="3863225025"/>
+        <p14:creationId xmlns:p14="http://schemas.microsoft.com/office/powerpoint/2010/main" val="3542911873"/>
       </p:ext>
     </p:extLst>
   </p:cSld>
@@ -11373,7 +11807,7 @@
           <p:cNvPr id="2" name="Title 1">
             <a:extLst>
               <a:ext uri="{FF2B5EF4-FFF2-40B4-BE49-F238E27FC236}">
-                <a16:creationId xmlns:a16="http://schemas.microsoft.com/office/drawing/2014/main" id="{1058297C-01D7-0AB6-2254-30CE18BA3761}"/>
+                <a16:creationId xmlns:a16="http://schemas.microsoft.com/office/drawing/2014/main" id="{211B7C2C-EE81-AB44-2F7A-5AF5418224AD}"/>
               </a:ext>
             </a:extLst>
           </p:cNvPr>
@@ -11389,32 +11823,11 @@
           <a:bodyPr/>
           <a:lstStyle/>
           <a:p>
-            <a:endParaRPr lang="en-IN"/>
-          </a:p>
-        </p:txBody>
-      </p:sp>
-      <p:sp>
-        <p:nvSpPr>
-          <p:cNvPr id="3" name="Content Placeholder 2">
-            <a:extLst>
-              <a:ext uri="{FF2B5EF4-FFF2-40B4-BE49-F238E27FC236}">
-                <a16:creationId xmlns:a16="http://schemas.microsoft.com/office/drawing/2014/main" id="{572BBB5A-4048-D9D5-5C7D-96BC9CF3C587}"/>
-              </a:ext>
-            </a:extLst>
-          </p:cNvPr>
-          <p:cNvSpPr>
-            <a:spLocks noGrp="1"/>
-          </p:cNvSpPr>
-          <p:nvPr>
-            <p:ph idx="1"/>
-          </p:nvPr>
-        </p:nvSpPr>
-        <p:spPr/>
-        <p:txBody>
-          <a:bodyPr/>
-          <a:lstStyle/>
-          <a:p>
-            <a:endParaRPr lang="en-IN"/>
+            <a:pPr algn="ctr"/>
+            <a:r>
+              <a:rPr lang="en-IN" dirty="0"/>
+              <a:t>RETRACTIONS THROUGH SAT</a:t>
+            </a:r>
           </a:p>
         </p:txBody>
       </p:sp>
@@ -11423,7 +11836,7 @@
           <p:cNvPr id="4" name="Date Placeholder 3">
             <a:extLst>
               <a:ext uri="{FF2B5EF4-FFF2-40B4-BE49-F238E27FC236}">
-                <a16:creationId xmlns:a16="http://schemas.microsoft.com/office/drawing/2014/main" id="{6EC067D5-EB1E-3DA5-F6F7-FFA9263E2FCC}"/>
+                <a16:creationId xmlns:a16="http://schemas.microsoft.com/office/drawing/2014/main" id="{9724878C-FB9A-5758-0271-D29925F65B31}"/>
               </a:ext>
             </a:extLst>
           </p:cNvPr>
@@ -11452,7 +11865,7 @@
           <p:cNvPr id="5" name="Footer Placeholder 4">
             <a:extLst>
               <a:ext uri="{FF2B5EF4-FFF2-40B4-BE49-F238E27FC236}">
-                <a16:creationId xmlns:a16="http://schemas.microsoft.com/office/drawing/2014/main" id="{8C177969-D640-4910-F44E-D3FAAE351F58}"/>
+                <a16:creationId xmlns:a16="http://schemas.microsoft.com/office/drawing/2014/main" id="{0F1CED05-EF98-A119-209E-CE46431F189D}"/>
               </a:ext>
             </a:extLst>
           </p:cNvPr>
@@ -11480,7 +11893,7 @@
           <p:cNvPr id="6" name="Slide Number Placeholder 5">
             <a:extLst>
               <a:ext uri="{FF2B5EF4-FFF2-40B4-BE49-F238E27FC236}">
-                <a16:creationId xmlns:a16="http://schemas.microsoft.com/office/drawing/2014/main" id="{BAB44584-EA8E-002D-FAA9-0BFA0151FE68}"/>
+                <a16:creationId xmlns:a16="http://schemas.microsoft.com/office/drawing/2014/main" id="{B114B447-8A4C-DE8A-0513-A6DBD3B52A95}"/>
               </a:ext>
             </a:extLst>
           </p:cNvPr>
@@ -11504,10 +11917,146 @@
           </a:p>
         </p:txBody>
       </p:sp>
+      <p:sp>
+        <p:nvSpPr>
+          <p:cNvPr id="8" name="Content Placeholder 7">
+            <a:extLst>
+              <a:ext uri="{FF2B5EF4-FFF2-40B4-BE49-F238E27FC236}">
+                <a16:creationId xmlns:a16="http://schemas.microsoft.com/office/drawing/2014/main" id="{DCE8C17B-D5D0-9D0E-F914-A0B04DFD407B}"/>
+              </a:ext>
+            </a:extLst>
+          </p:cNvPr>
+          <p:cNvSpPr>
+            <a:spLocks noGrp="1"/>
+          </p:cNvSpPr>
+          <p:nvPr>
+            <p:ph idx="1"/>
+          </p:nvPr>
+        </p:nvSpPr>
+        <p:spPr/>
+        <p:txBody>
+          <a:bodyPr numCol="2">
+            <a:normAutofit fontScale="85000" lnSpcReduction="20000"/>
+          </a:bodyPr>
+          <a:lstStyle/>
+          <a:p>
+            <a:r>
+              <a:rPr lang="en-IN" dirty="0"/>
+              <a:t>Locutionary Act</a:t>
+            </a:r>
+          </a:p>
+          <a:p>
+            <a:pPr lvl="1"/>
+            <a:r>
+              <a:rPr lang="en-IN" dirty="0"/>
+              <a:t>Announcing the retraction of a scientific paper.</a:t>
+            </a:r>
+          </a:p>
+          <a:p>
+            <a:pPr lvl="1"/>
+            <a:r>
+              <a:rPr lang="en-IN" dirty="0"/>
+              <a:t>The notice includes reasons for retraction, such as research errors or issues with data integrity.</a:t>
+            </a:r>
+          </a:p>
+          <a:p>
+            <a:pPr lvl="1"/>
+            <a:endParaRPr lang="en-IN" dirty="0"/>
+          </a:p>
+          <a:p>
+            <a:r>
+              <a:rPr lang="en-IN" dirty="0"/>
+              <a:t>Illocutionary Act</a:t>
+            </a:r>
+          </a:p>
+          <a:p>
+            <a:pPr lvl="1"/>
+            <a:r>
+              <a:rPr lang="en-IN" dirty="0"/>
+              <a:t>Intentionally informs the community that results are unreliable.</a:t>
+            </a:r>
+          </a:p>
+          <a:p>
+            <a:pPr lvl="1"/>
+            <a:r>
+              <a:rPr lang="en-IN" dirty="0"/>
+              <a:t>Maintains the integrity of the scientific record.</a:t>
+            </a:r>
+          </a:p>
+          <a:p>
+            <a:pPr lvl="1"/>
+            <a:r>
+              <a:rPr lang="en-IN" dirty="0"/>
+              <a:t>Corrects the literature and may acknowledge mistakes or misconduct.</a:t>
+            </a:r>
+          </a:p>
+          <a:p>
+            <a:endParaRPr lang="en-IN" dirty="0"/>
+          </a:p>
+          <a:p>
+            <a:r>
+              <a:rPr lang="en-IN" dirty="0"/>
+              <a:t>Perlocutionary Act</a:t>
+            </a:r>
+          </a:p>
+          <a:p>
+            <a:pPr lvl="1"/>
+            <a:r>
+              <a:rPr lang="en-IN" dirty="0"/>
+              <a:t>Impacts the reputation of authors, journals, and the field.</a:t>
+            </a:r>
+          </a:p>
+          <a:p>
+            <a:pPr lvl="1"/>
+            <a:r>
+              <a:rPr lang="en-IN" dirty="0"/>
+              <a:t>Influences how other researchers view and cite the work.</a:t>
+            </a:r>
+          </a:p>
+          <a:p>
+            <a:pPr lvl="1"/>
+            <a:r>
+              <a:rPr lang="en-IN" dirty="0"/>
+              <a:t>May prompt further investigation or </a:t>
+            </a:r>
+            <a:r>
+              <a:rPr lang="en-IN" dirty="0" err="1"/>
+              <a:t>skepticism</a:t>
+            </a:r>
+            <a:r>
+              <a:rPr lang="en-IN" dirty="0"/>
+              <a:t>.</a:t>
+            </a:r>
+          </a:p>
+          <a:p>
+            <a:endParaRPr lang="en-IN" dirty="0"/>
+          </a:p>
+          <a:p>
+            <a:r>
+              <a:rPr lang="en-IN" dirty="0"/>
+              <a:t>Context and Interpretation</a:t>
+            </a:r>
+          </a:p>
+          <a:p>
+            <a:pPr lvl="1"/>
+            <a:r>
+              <a:rPr lang="en-IN" dirty="0"/>
+              <a:t>Context determines the significance of a retraction.</a:t>
+            </a:r>
+          </a:p>
+          <a:p>
+            <a:pPr lvl="1"/>
+            <a:r>
+              <a:rPr lang="en-IN" dirty="0"/>
+              <a:t>Differentiates between honest errors and intentional misconduct.</a:t>
+            </a:r>
+          </a:p>
+        </p:txBody>
+      </p:sp>
     </p:spTree>
     <p:extLst>
       <p:ext uri="{BB962C8B-B14F-4D97-AF65-F5344CB8AC3E}">
-        <p14:creationId xmlns:p14="http://schemas.microsoft.com/office/powerpoint/2010/main" val="98545489"/>
+        <p14:creationId xmlns:p14="http://schemas.microsoft.com/office/powerpoint/2010/main" val="4226975248"/>
       </p:ext>
     </p:extLst>
   </p:cSld>
@@ -11556,10 +12105,9 @@
           <a:lstStyle/>
           <a:p>
             <a:r>
-              <a:rPr lang="en-US"/>
+              <a:rPr lang="en-US" dirty="0"/>
               <a:t>Open Floor</a:t>
             </a:r>
-            <a:endParaRPr lang="en-US" dirty="0"/>
           </a:p>
         </p:txBody>
       </p:sp>
@@ -11678,6 +12226,1808 @@
     <p:extLst>
       <p:ext uri="{BB962C8B-B14F-4D97-AF65-F5344CB8AC3E}">
         <p14:creationId xmlns:p14="http://schemas.microsoft.com/office/powerpoint/2010/main" val="3682358387"/>
+      </p:ext>
+    </p:extLst>
+  </p:cSld>
+  <p:clrMapOvr>
+    <a:masterClrMapping/>
+  </p:clrMapOvr>
+</p:sld>
+</file>
+
+<file path=ppt/slides/slide24.xml><?xml version="1.0" encoding="utf-8"?>
+<p:sld xmlns:a="http://schemas.openxmlformats.org/drawingml/2006/main" xmlns:r="http://schemas.openxmlformats.org/officeDocument/2006/relationships" xmlns:p="http://schemas.openxmlformats.org/presentationml/2006/main">
+  <p:cSld>
+    <p:spTree>
+      <p:nvGrpSpPr>
+        <p:cNvPr id="1" name=""/>
+        <p:cNvGrpSpPr/>
+        <p:nvPr/>
+      </p:nvGrpSpPr>
+      <p:grpSpPr>
+        <a:xfrm>
+          <a:off x="0" y="0"/>
+          <a:ext cx="0" cy="0"/>
+          <a:chOff x="0" y="0"/>
+          <a:chExt cx="0" cy="0"/>
+        </a:xfrm>
+      </p:grpSpPr>
+      <p:sp>
+        <p:nvSpPr>
+          <p:cNvPr id="7" name="Title 6">
+            <a:extLst>
+              <a:ext uri="{FF2B5EF4-FFF2-40B4-BE49-F238E27FC236}">
+                <a16:creationId xmlns:a16="http://schemas.microsoft.com/office/drawing/2014/main" id="{19B47492-6C45-B899-640C-BF33B0852435}"/>
+              </a:ext>
+            </a:extLst>
+          </p:cNvPr>
+          <p:cNvSpPr>
+            <a:spLocks noGrp="1"/>
+          </p:cNvSpPr>
+          <p:nvPr>
+            <p:ph type="ctrTitle"/>
+          </p:nvPr>
+        </p:nvSpPr>
+        <p:spPr/>
+        <p:txBody>
+          <a:bodyPr/>
+          <a:lstStyle/>
+          <a:p>
+            <a:r>
+              <a:rPr lang="en-US" dirty="0"/>
+              <a:t>Out Takes</a:t>
+            </a:r>
+          </a:p>
+        </p:txBody>
+      </p:sp>
+      <p:sp>
+        <p:nvSpPr>
+          <p:cNvPr id="8" name="Subtitle 7">
+            <a:extLst>
+              <a:ext uri="{FF2B5EF4-FFF2-40B4-BE49-F238E27FC236}">
+                <a16:creationId xmlns:a16="http://schemas.microsoft.com/office/drawing/2014/main" id="{BB57F8BD-0BEA-60E9-DAA7-DE6B0AB372F8}"/>
+              </a:ext>
+            </a:extLst>
+          </p:cNvPr>
+          <p:cNvSpPr>
+            <a:spLocks noGrp="1"/>
+          </p:cNvSpPr>
+          <p:nvPr>
+            <p:ph type="subTitle" idx="1"/>
+          </p:nvPr>
+        </p:nvSpPr>
+        <p:spPr/>
+        <p:txBody>
+          <a:bodyPr/>
+          <a:lstStyle/>
+          <a:p>
+            <a:endParaRPr lang="en-US"/>
+          </a:p>
+        </p:txBody>
+      </p:sp>
+      <p:sp>
+        <p:nvSpPr>
+          <p:cNvPr id="4" name="Date Placeholder 3">
+            <a:extLst>
+              <a:ext uri="{FF2B5EF4-FFF2-40B4-BE49-F238E27FC236}">
+                <a16:creationId xmlns:a16="http://schemas.microsoft.com/office/drawing/2014/main" id="{1E9E57A4-CB4A-1173-DD59-2692359141B5}"/>
+              </a:ext>
+            </a:extLst>
+          </p:cNvPr>
+          <p:cNvSpPr>
+            <a:spLocks noGrp="1"/>
+          </p:cNvSpPr>
+          <p:nvPr>
+            <p:ph type="dt" sz="half" idx="10"/>
+          </p:nvPr>
+        </p:nvSpPr>
+        <p:spPr/>
+        <p:txBody>
+          <a:bodyPr/>
+          <a:lstStyle/>
+          <a:p>
+            <a:fld id="{4DD0CBD0-F225-48F0-AD48-2AC179EF640E}" type="datetime1">
+              <a:rPr lang="en-US" smtClean="0"/>
+              <a:t>1/23/24</a:t>
+            </a:fld>
+            <a:endParaRPr lang="en-US"/>
+          </a:p>
+        </p:txBody>
+      </p:sp>
+      <p:sp>
+        <p:nvSpPr>
+          <p:cNvPr id="5" name="Footer Placeholder 4">
+            <a:extLst>
+              <a:ext uri="{FF2B5EF4-FFF2-40B4-BE49-F238E27FC236}">
+                <a16:creationId xmlns:a16="http://schemas.microsoft.com/office/drawing/2014/main" id="{5939314D-7703-5351-7397-5400B0ECEECD}"/>
+              </a:ext>
+            </a:extLst>
+          </p:cNvPr>
+          <p:cNvSpPr>
+            <a:spLocks noGrp="1"/>
+          </p:cNvSpPr>
+          <p:nvPr>
+            <p:ph type="ftr" sz="quarter" idx="11"/>
+          </p:nvPr>
+        </p:nvSpPr>
+        <p:spPr/>
+        <p:txBody>
+          <a:bodyPr/>
+          <a:lstStyle/>
+          <a:p>
+            <a:r>
+              <a:rPr lang="en-US"/>
+              <a:t>BROWN BAG|IIMS</a:t>
+            </a:r>
+          </a:p>
+        </p:txBody>
+      </p:sp>
+      <p:sp>
+        <p:nvSpPr>
+          <p:cNvPr id="6" name="Slide Number Placeholder 5">
+            <a:extLst>
+              <a:ext uri="{FF2B5EF4-FFF2-40B4-BE49-F238E27FC236}">
+                <a16:creationId xmlns:a16="http://schemas.microsoft.com/office/drawing/2014/main" id="{AB60370C-D3BF-01BF-48E3-558806A9C397}"/>
+              </a:ext>
+            </a:extLst>
+          </p:cNvPr>
+          <p:cNvSpPr>
+            <a:spLocks noGrp="1"/>
+          </p:cNvSpPr>
+          <p:nvPr>
+            <p:ph type="sldNum" sz="quarter" idx="12"/>
+          </p:nvPr>
+        </p:nvSpPr>
+        <p:spPr/>
+        <p:txBody>
+          <a:bodyPr/>
+          <a:lstStyle/>
+          <a:p>
+            <a:fld id="{62FDF4A2-3B16-5247-BC69-FC3C09D83126}" type="slidenum">
+              <a:rPr lang="en-US" smtClean="0"/>
+              <a:t>24</a:t>
+            </a:fld>
+            <a:endParaRPr lang="en-US"/>
+          </a:p>
+        </p:txBody>
+      </p:sp>
+    </p:spTree>
+    <p:extLst>
+      <p:ext uri="{BB962C8B-B14F-4D97-AF65-F5344CB8AC3E}">
+        <p14:creationId xmlns:p14="http://schemas.microsoft.com/office/powerpoint/2010/main" val="1921127298"/>
+      </p:ext>
+    </p:extLst>
+  </p:cSld>
+  <p:clrMapOvr>
+    <a:masterClrMapping/>
+  </p:clrMapOvr>
+</p:sld>
+</file>
+
+<file path=ppt/slides/slide25.xml><?xml version="1.0" encoding="utf-8"?>
+<p:sld xmlns:a="http://schemas.openxmlformats.org/drawingml/2006/main" xmlns:r="http://schemas.openxmlformats.org/officeDocument/2006/relationships" xmlns:p="http://schemas.openxmlformats.org/presentationml/2006/main">
+  <p:cSld>
+    <p:spTree>
+      <p:nvGrpSpPr>
+        <p:cNvPr id="1" name=""/>
+        <p:cNvGrpSpPr/>
+        <p:nvPr/>
+      </p:nvGrpSpPr>
+      <p:grpSpPr>
+        <a:xfrm>
+          <a:off x="0" y="0"/>
+          <a:ext cx="0" cy="0"/>
+          <a:chOff x="0" y="0"/>
+          <a:chExt cx="0" cy="0"/>
+        </a:xfrm>
+      </p:grpSpPr>
+      <p:sp>
+        <p:nvSpPr>
+          <p:cNvPr id="2" name="Title 1">
+            <a:extLst>
+              <a:ext uri="{FF2B5EF4-FFF2-40B4-BE49-F238E27FC236}">
+                <a16:creationId xmlns:a16="http://schemas.microsoft.com/office/drawing/2014/main" id="{D04E04C3-F41C-72E2-EB7A-0A7FEB80D64E}"/>
+              </a:ext>
+            </a:extLst>
+          </p:cNvPr>
+          <p:cNvSpPr>
+            <a:spLocks noGrp="1"/>
+          </p:cNvSpPr>
+          <p:nvPr>
+            <p:ph type="title"/>
+          </p:nvPr>
+        </p:nvSpPr>
+        <p:spPr/>
+        <p:txBody>
+          <a:bodyPr/>
+          <a:lstStyle/>
+          <a:p>
+            <a:pPr algn="ctr"/>
+            <a:r>
+              <a:rPr lang="en-US" dirty="0"/>
+              <a:t>Categories List</a:t>
+            </a:r>
+          </a:p>
+        </p:txBody>
+      </p:sp>
+      <p:graphicFrame>
+        <p:nvGraphicFramePr>
+          <p:cNvPr id="7" name="Content Placeholder 6">
+            <a:extLst>
+              <a:ext uri="{FF2B5EF4-FFF2-40B4-BE49-F238E27FC236}">
+                <a16:creationId xmlns:a16="http://schemas.microsoft.com/office/drawing/2014/main" id="{8CC45A29-9FE8-8796-A1C6-CF1BECE2B07E}"/>
+              </a:ext>
+            </a:extLst>
+          </p:cNvPr>
+          <p:cNvGraphicFramePr>
+            <a:graphicFrameLocks noGrp="1"/>
+          </p:cNvGraphicFramePr>
+          <p:nvPr>
+            <p:ph idx="1"/>
+            <p:extLst>
+              <p:ext uri="{D42A27DB-BD31-4B8C-83A1-F6EECF244321}">
+                <p14:modId xmlns:p14="http://schemas.microsoft.com/office/powerpoint/2010/main" val="2744224926"/>
+              </p:ext>
+            </p:extLst>
+          </p:nvPr>
+        </p:nvGraphicFramePr>
+        <p:xfrm>
+          <a:off x="838198" y="1606001"/>
+          <a:ext cx="10439401" cy="4362266"/>
+        </p:xfrm>
+        <a:graphic>
+          <a:graphicData uri="http://schemas.openxmlformats.org/drawingml/2006/table">
+            <a:tbl>
+              <a:tblPr>
+                <a:tableStyleId>{5940675A-B579-460E-94D1-54222C63F5DA}</a:tableStyleId>
+              </a:tblPr>
+              <a:tblGrid>
+                <a:gridCol w="1491343">
+                  <a:extLst>
+                    <a:ext uri="{9D8B030D-6E8A-4147-A177-3AD203B41FA5}">
+                      <a16:colId xmlns:a16="http://schemas.microsoft.com/office/drawing/2014/main" val="540188383"/>
+                    </a:ext>
+                  </a:extLst>
+                </a:gridCol>
+                <a:gridCol w="1491343">
+                  <a:extLst>
+                    <a:ext uri="{9D8B030D-6E8A-4147-A177-3AD203B41FA5}">
+                      <a16:colId xmlns:a16="http://schemas.microsoft.com/office/drawing/2014/main" val="2196844583"/>
+                    </a:ext>
+                  </a:extLst>
+                </a:gridCol>
+                <a:gridCol w="1491343">
+                  <a:extLst>
+                    <a:ext uri="{9D8B030D-6E8A-4147-A177-3AD203B41FA5}">
+                      <a16:colId xmlns:a16="http://schemas.microsoft.com/office/drawing/2014/main" val="4135694183"/>
+                    </a:ext>
+                  </a:extLst>
+                </a:gridCol>
+                <a:gridCol w="1491343">
+                  <a:extLst>
+                    <a:ext uri="{9D8B030D-6E8A-4147-A177-3AD203B41FA5}">
+                      <a16:colId xmlns:a16="http://schemas.microsoft.com/office/drawing/2014/main" val="792456398"/>
+                    </a:ext>
+                  </a:extLst>
+                </a:gridCol>
+                <a:gridCol w="1491343">
+                  <a:extLst>
+                    <a:ext uri="{9D8B030D-6E8A-4147-A177-3AD203B41FA5}">
+                      <a16:colId xmlns:a16="http://schemas.microsoft.com/office/drawing/2014/main" val="4023928406"/>
+                    </a:ext>
+                  </a:extLst>
+                </a:gridCol>
+                <a:gridCol w="1491343">
+                  <a:extLst>
+                    <a:ext uri="{9D8B030D-6E8A-4147-A177-3AD203B41FA5}">
+                      <a16:colId xmlns:a16="http://schemas.microsoft.com/office/drawing/2014/main" val="1246303948"/>
+                    </a:ext>
+                  </a:extLst>
+                </a:gridCol>
+                <a:gridCol w="1491343">
+                  <a:extLst>
+                    <a:ext uri="{9D8B030D-6E8A-4147-A177-3AD203B41FA5}">
+                      <a16:colId xmlns:a16="http://schemas.microsoft.com/office/drawing/2014/main" val="1374738046"/>
+                    </a:ext>
+                  </a:extLst>
+                </a:gridCol>
+              </a:tblGrid>
+              <a:tr h="527605">
+                <a:tc>
+                  <a:txBody>
+                    <a:bodyPr/>
+                    <a:lstStyle/>
+                    <a:p>
+                      <a:pPr algn="ctr" fontAlgn="b"/>
+                      <a:r>
+                        <a:rPr lang="en-IN" sz="1300" b="1">
+                          <a:effectLst/>
+                        </a:rPr>
+                        <a:t>Intellectual Property Violations</a:t>
+                      </a:r>
+                    </a:p>
+                  </a:txBody>
+                  <a:tcPr marL="33472" marR="33472" marT="16736" marB="16736" anchor="b"/>
+                </a:tc>
+                <a:tc>
+                  <a:txBody>
+                    <a:bodyPr/>
+                    <a:lstStyle/>
+                    <a:p>
+                      <a:pPr algn="ctr" fontAlgn="b"/>
+                      <a:r>
+                        <a:rPr lang="en-IN" sz="1300" b="1" dirty="0">
+                          <a:effectLst/>
+                        </a:rPr>
+                        <a:t>Research Integrity and Quality Issues</a:t>
+                      </a:r>
+                    </a:p>
+                  </a:txBody>
+                  <a:tcPr marL="33472" marR="33472" marT="16736" marB="16736" anchor="b"/>
+                </a:tc>
+                <a:tc>
+                  <a:txBody>
+                    <a:bodyPr/>
+                    <a:lstStyle/>
+                    <a:p>
+                      <a:pPr algn="ctr" fontAlgn="b"/>
+                      <a:r>
+                        <a:rPr lang="en-IN" sz="1300" b="1">
+                          <a:effectLst/>
+                        </a:rPr>
+                        <a:t>Peer Review and Editorial Concerns</a:t>
+                      </a:r>
+                    </a:p>
+                  </a:txBody>
+                  <a:tcPr marL="33472" marR="33472" marT="16736" marB="16736" anchor="b"/>
+                </a:tc>
+                <a:tc>
+                  <a:txBody>
+                    <a:bodyPr/>
+                    <a:lstStyle/>
+                    <a:p>
+                      <a:pPr algn="ctr" fontAlgn="b"/>
+                      <a:r>
+                        <a:rPr lang="en-IN" sz="1300" b="1">
+                          <a:effectLst/>
+                        </a:rPr>
+                        <a:t>Policy and Legal Concerns</a:t>
+                      </a:r>
+                    </a:p>
+                  </a:txBody>
+                  <a:tcPr marL="33472" marR="33472" marT="16736" marB="16736" anchor="b"/>
+                </a:tc>
+                <a:tc>
+                  <a:txBody>
+                    <a:bodyPr/>
+                    <a:lstStyle/>
+                    <a:p>
+                      <a:pPr algn="ctr" fontAlgn="b"/>
+                      <a:r>
+                        <a:rPr lang="en-IN" sz="1300" b="1">
+                          <a:effectLst/>
+                        </a:rPr>
+                        <a:t>Publication and Communication Issues</a:t>
+                      </a:r>
+                    </a:p>
+                  </a:txBody>
+                  <a:tcPr marL="33472" marR="33472" marT="16736" marB="16736" anchor="b"/>
+                </a:tc>
+                <a:tc>
+                  <a:txBody>
+                    <a:bodyPr/>
+                    <a:lstStyle/>
+                    <a:p>
+                      <a:pPr algn="ctr" fontAlgn="b"/>
+                      <a:r>
+                        <a:rPr lang="en-IN" sz="1300" b="1">
+                          <a:effectLst/>
+                        </a:rPr>
+                        <a:t>Investigations and Actions</a:t>
+                      </a:r>
+                    </a:p>
+                  </a:txBody>
+                  <a:tcPr marL="33472" marR="33472" marT="16736" marB="16736" anchor="b"/>
+                </a:tc>
+                <a:tc>
+                  <a:txBody>
+                    <a:bodyPr/>
+                    <a:lstStyle/>
+                    <a:p>
+                      <a:pPr algn="ctr" fontAlgn="b"/>
+                      <a:r>
+                        <a:rPr lang="en-IN" sz="1300" b="1" dirty="0">
+                          <a:effectLst/>
+                        </a:rPr>
+                        <a:t>Miscellaneous Issues</a:t>
+                      </a:r>
+                    </a:p>
+                  </a:txBody>
+                  <a:tcPr marL="33472" marR="33472" marT="16736" marB="16736" anchor="b"/>
+                </a:tc>
+                <a:extLst>
+                  <a:ext uri="{0D108BD9-81ED-4DB2-BD59-A6C34878D82A}">
+                    <a16:rowId xmlns:a16="http://schemas.microsoft.com/office/drawing/2014/main" val="563294802"/>
+                  </a:ext>
+                </a:extLst>
+              </a:tr>
+              <a:tr h="428680">
+                <a:tc>
+                  <a:txBody>
+                    <a:bodyPr/>
+                    <a:lstStyle/>
+                    <a:p>
+                      <a:pPr algn="ctr" fontAlgn="base"/>
+                      <a:r>
+                        <a:rPr lang="en-IN" sz="1300" dirty="0">
+                          <a:effectLst/>
+                        </a:rPr>
+                        <a:t>Plagiarism</a:t>
+                      </a:r>
+                    </a:p>
+                  </a:txBody>
+                  <a:tcPr marL="33472" marR="33472" marT="16736" marB="16736" anchor="ctr"/>
+                </a:tc>
+                <a:tc>
+                  <a:txBody>
+                    <a:bodyPr/>
+                    <a:lstStyle/>
+                    <a:p>
+                      <a:pPr algn="ctr" fontAlgn="base"/>
+                      <a:r>
+                        <a:rPr lang="en-IN" sz="1300">
+                          <a:effectLst/>
+                        </a:rPr>
+                        <a:t>Not Reproducible</a:t>
+                      </a:r>
+                    </a:p>
+                  </a:txBody>
+                  <a:tcPr marL="33472" marR="33472" marT="16736" marB="16736" anchor="ctr"/>
+                </a:tc>
+                <a:tc>
+                  <a:txBody>
+                    <a:bodyPr/>
+                    <a:lstStyle/>
+                    <a:p>
+                      <a:pPr algn="ctr" fontAlgn="base"/>
+                      <a:r>
+                        <a:rPr lang="en-IN" sz="1300">
+                          <a:effectLst/>
+                        </a:rPr>
+                        <a:t>Fake Peer Review</a:t>
+                      </a:r>
+                    </a:p>
+                  </a:txBody>
+                  <a:tcPr marL="33472" marR="33472" marT="16736" marB="16736" anchor="ctr"/>
+                </a:tc>
+                <a:tc>
+                  <a:txBody>
+                    <a:bodyPr/>
+                    <a:lstStyle/>
+                    <a:p>
+                      <a:pPr algn="ctr" fontAlgn="base"/>
+                      <a:r>
+                        <a:rPr lang="en-IN" sz="1300">
+                          <a:effectLst/>
+                        </a:rPr>
+                        <a:t>Breach of Policy</a:t>
+                      </a:r>
+                    </a:p>
+                  </a:txBody>
+                  <a:tcPr marL="33472" marR="33472" marT="16736" marB="16736" anchor="ctr"/>
+                </a:tc>
+                <a:tc>
+                  <a:txBody>
+                    <a:bodyPr/>
+                    <a:lstStyle/>
+                    <a:p>
+                      <a:pPr algn="ctr" fontAlgn="base"/>
+                      <a:r>
+                        <a:rPr lang="en-IN" sz="1300">
+                          <a:effectLst/>
+                        </a:rPr>
+                        <a:t>Withdrawal</a:t>
+                      </a:r>
+                    </a:p>
+                  </a:txBody>
+                  <a:tcPr marL="33472" marR="33472" marT="16736" marB="16736" anchor="ctr"/>
+                </a:tc>
+                <a:tc>
+                  <a:txBody>
+                    <a:bodyPr/>
+                    <a:lstStyle/>
+                    <a:p>
+                      <a:pPr algn="ctr" fontAlgn="base"/>
+                      <a:r>
+                        <a:rPr lang="en-IN" sz="1300">
+                          <a:effectLst/>
+                        </a:rPr>
+                        <a:t>Investigation by Third Party</a:t>
+                      </a:r>
+                    </a:p>
+                  </a:txBody>
+                  <a:tcPr marL="33472" marR="33472" marT="16736" marB="16736" anchor="ctr"/>
+                </a:tc>
+                <a:tc>
+                  <a:txBody>
+                    <a:bodyPr/>
+                    <a:lstStyle/>
+                    <a:p>
+                      <a:pPr algn="ctr" fontAlgn="base"/>
+                      <a:r>
+                        <a:rPr lang="en-IN" sz="1300">
+                          <a:effectLst/>
+                        </a:rPr>
+                        <a:t>Date of Retraction</a:t>
+                      </a:r>
+                    </a:p>
+                  </a:txBody>
+                  <a:tcPr marL="33472" marR="33472" marT="16736" marB="16736" anchor="ctr"/>
+                </a:tc>
+                <a:extLst>
+                  <a:ext uri="{0D108BD9-81ED-4DB2-BD59-A6C34878D82A}">
+                    <a16:rowId xmlns:a16="http://schemas.microsoft.com/office/drawing/2014/main" val="728775674"/>
+                  </a:ext>
+                </a:extLst>
+              </a:tr>
+              <a:tr h="428680">
+                <a:tc>
+                  <a:txBody>
+                    <a:bodyPr/>
+                    <a:lstStyle/>
+                    <a:p>
+                      <a:pPr algn="ctr" fontAlgn="base"/>
+                      <a:r>
+                        <a:rPr lang="en-IN" sz="1300">
+                          <a:effectLst/>
+                        </a:rPr>
+                        <a:t>Duplication</a:t>
+                      </a:r>
+                    </a:p>
+                  </a:txBody>
+                  <a:tcPr marL="33472" marR="33472" marT="16736" marB="16736" anchor="ctr"/>
+                </a:tc>
+                <a:tc>
+                  <a:txBody>
+                    <a:bodyPr/>
+                    <a:lstStyle/>
+                    <a:p>
+                      <a:pPr algn="ctr" fontAlgn="base"/>
+                      <a:r>
+                        <a:rPr lang="en-IN" sz="1300">
+                          <a:effectLst/>
+                        </a:rPr>
+                        <a:t>Unreliable Results</a:t>
+                      </a:r>
+                    </a:p>
+                  </a:txBody>
+                  <a:tcPr marL="33472" marR="33472" marT="16736" marB="16736" anchor="ctr"/>
+                </a:tc>
+                <a:tc>
+                  <a:txBody>
+                    <a:bodyPr/>
+                    <a:lstStyle/>
+                    <a:p>
+                      <a:pPr algn="ctr" fontAlgn="base"/>
+                      <a:r>
+                        <a:rPr lang="en-IN" sz="1300">
+                          <a:effectLst/>
+                        </a:rPr>
+                        <a:t>Rogue Editor</a:t>
+                      </a:r>
+                    </a:p>
+                  </a:txBody>
+                  <a:tcPr marL="33472" marR="33472" marT="16736" marB="16736" anchor="ctr"/>
+                </a:tc>
+                <a:tc>
+                  <a:txBody>
+                    <a:bodyPr/>
+                    <a:lstStyle/>
+                    <a:p>
+                      <a:pPr algn="ctr" fontAlgn="base"/>
+                      <a:r>
+                        <a:rPr lang="en-IN" sz="1300">
+                          <a:effectLst/>
+                        </a:rPr>
+                        <a:t>Issues about Referencing</a:t>
+                      </a:r>
+                    </a:p>
+                  </a:txBody>
+                  <a:tcPr marL="33472" marR="33472" marT="16736" marB="16736" anchor="ctr"/>
+                </a:tc>
+                <a:tc>
+                  <a:txBody>
+                    <a:bodyPr/>
+                    <a:lstStyle/>
+                    <a:p>
+                      <a:pPr algn="ctr" fontAlgn="base"/>
+                      <a:r>
+                        <a:rPr lang="en-IN" sz="1300">
+                          <a:effectLst/>
+                        </a:rPr>
+                        <a:t>Limited or No Information</a:t>
+                      </a:r>
+                    </a:p>
+                  </a:txBody>
+                  <a:tcPr marL="33472" marR="33472" marT="16736" marB="16736" anchor="ctr"/>
+                </a:tc>
+                <a:tc>
+                  <a:txBody>
+                    <a:bodyPr/>
+                    <a:lstStyle/>
+                    <a:p>
+                      <a:pPr algn="ctr" fontAlgn="base"/>
+                      <a:r>
+                        <a:rPr lang="en-IN" sz="1300">
+                          <a:effectLst/>
+                        </a:rPr>
+                        <a:t>Doing the Right Thing</a:t>
+                      </a:r>
+                    </a:p>
+                  </a:txBody>
+                  <a:tcPr marL="33472" marR="33472" marT="16736" marB="16736" anchor="ctr"/>
+                </a:tc>
+                <a:tc>
+                  <a:txBody>
+                    <a:bodyPr/>
+                    <a:lstStyle/>
+                    <a:p>
+                      <a:pPr algn="ctr" fontAlgn="base"/>
+                      <a:r>
+                        <a:rPr lang="en-IN" sz="1300">
+                          <a:effectLst/>
+                        </a:rPr>
+                        <a:t>Randomly Generated Content</a:t>
+                      </a:r>
+                    </a:p>
+                  </a:txBody>
+                  <a:tcPr marL="33472" marR="33472" marT="16736" marB="16736" anchor="ctr"/>
+                </a:tc>
+                <a:extLst>
+                  <a:ext uri="{0D108BD9-81ED-4DB2-BD59-A6C34878D82A}">
+                    <a16:rowId xmlns:a16="http://schemas.microsoft.com/office/drawing/2014/main" val="1956758431"/>
+                  </a:ext>
+                </a:extLst>
+              </a:tr>
+              <a:tr h="428680">
+                <a:tc>
+                  <a:txBody>
+                    <a:bodyPr/>
+                    <a:lstStyle/>
+                    <a:p>
+                      <a:pPr algn="ctr" fontAlgn="base"/>
+                      <a:r>
+                        <a:rPr lang="en-IN" sz="1300">
+                          <a:effectLst/>
+                        </a:rPr>
+                        <a:t>Euphemisms for Plagiarism</a:t>
+                      </a:r>
+                    </a:p>
+                  </a:txBody>
+                  <a:tcPr marL="33472" marR="33472" marT="16736" marB="16736" anchor="ctr"/>
+                </a:tc>
+                <a:tc>
+                  <a:txBody>
+                    <a:bodyPr/>
+                    <a:lstStyle/>
+                    <a:p>
+                      <a:pPr algn="ctr" fontAlgn="base"/>
+                      <a:r>
+                        <a:rPr lang="en-IN" sz="1300">
+                          <a:effectLst/>
+                        </a:rPr>
+                        <a:t>Error in Text</a:t>
+                      </a:r>
+                    </a:p>
+                  </a:txBody>
+                  <a:tcPr marL="33472" marR="33472" marT="16736" marB="16736" anchor="ctr"/>
+                </a:tc>
+                <a:tc>
+                  <a:txBody>
+                    <a:bodyPr/>
+                    <a:lstStyle/>
+                    <a:p>
+                      <a:pPr algn="ctr" fontAlgn="base"/>
+                      <a:r>
+                        <a:rPr lang="en-IN" sz="1300" dirty="0">
+                          <a:effectLst/>
+                        </a:rPr>
+                        <a:t>Investigation by Journal/Publisher</a:t>
+                      </a:r>
+                    </a:p>
+                  </a:txBody>
+                  <a:tcPr marL="33472" marR="33472" marT="16736" marB="16736" anchor="ctr"/>
+                </a:tc>
+                <a:tc>
+                  <a:txBody>
+                    <a:bodyPr/>
+                    <a:lstStyle/>
+                    <a:p>
+                      <a:pPr algn="ctr" fontAlgn="base"/>
+                      <a:r>
+                        <a:rPr lang="en-IN" sz="1300">
+                          <a:effectLst/>
+                        </a:rPr>
+                        <a:t>Legal Reasons</a:t>
+                      </a:r>
+                    </a:p>
+                  </a:txBody>
+                  <a:tcPr marL="33472" marR="33472" marT="16736" marB="16736" anchor="ctr"/>
+                </a:tc>
+                <a:tc>
+                  <a:txBody>
+                    <a:bodyPr/>
+                    <a:lstStyle/>
+                    <a:p>
+                      <a:pPr algn="ctr" fontAlgn="base"/>
+                      <a:r>
+                        <a:rPr lang="en-IN" sz="1300">
+                          <a:effectLst/>
+                        </a:rPr>
+                        <a:t>Notice - Lack of</a:t>
+                      </a:r>
+                    </a:p>
+                  </a:txBody>
+                  <a:tcPr marL="33472" marR="33472" marT="16736" marB="16736" anchor="ctr"/>
+                </a:tc>
+                <a:tc>
+                  <a:txBody>
+                    <a:bodyPr/>
+                    <a:lstStyle/>
+                    <a:p>
+                      <a:pPr algn="ctr" fontAlgn="base"/>
+                      <a:endParaRPr lang="en-IN" sz="1300">
+                        <a:effectLst/>
+                      </a:endParaRPr>
+                    </a:p>
+                  </a:txBody>
+                  <a:tcPr marL="33472" marR="33472" marT="16736" marB="16736" anchor="ctr"/>
+                </a:tc>
+                <a:tc>
+                  <a:txBody>
+                    <a:bodyPr/>
+                    <a:lstStyle/>
+                    <a:p>
+                      <a:pPr algn="ctr" fontAlgn="base"/>
+                      <a:r>
+                        <a:rPr lang="en-IN" sz="1300">
+                          <a:effectLst/>
+                        </a:rPr>
+                        <a:t>Original Data not Provided</a:t>
+                      </a:r>
+                    </a:p>
+                  </a:txBody>
+                  <a:tcPr marL="33472" marR="33472" marT="16736" marB="16736" anchor="ctr"/>
+                </a:tc>
+                <a:extLst>
+                  <a:ext uri="{0D108BD9-81ED-4DB2-BD59-A6C34878D82A}">
+                    <a16:rowId xmlns:a16="http://schemas.microsoft.com/office/drawing/2014/main" val="1623892870"/>
+                  </a:ext>
+                </a:extLst>
+              </a:tr>
+              <a:tr h="428680">
+                <a:tc>
+                  <a:txBody>
+                    <a:bodyPr/>
+                    <a:lstStyle/>
+                    <a:p>
+                      <a:pPr algn="ctr" fontAlgn="base"/>
+                      <a:r>
+                        <a:rPr lang="en-IN" sz="1300">
+                          <a:effectLst/>
+                        </a:rPr>
+                        <a:t>False/Forged Authorship</a:t>
+                      </a:r>
+                    </a:p>
+                  </a:txBody>
+                  <a:tcPr marL="33472" marR="33472" marT="16736" marB="16736" anchor="ctr"/>
+                </a:tc>
+                <a:tc>
+                  <a:txBody>
+                    <a:bodyPr/>
+                    <a:lstStyle/>
+                    <a:p>
+                      <a:pPr algn="ctr" fontAlgn="base"/>
+                      <a:r>
+                        <a:rPr lang="en-IN" sz="1300">
+                          <a:effectLst/>
+                        </a:rPr>
+                        <a:t>Error in Analyses</a:t>
+                      </a:r>
+                    </a:p>
+                  </a:txBody>
+                  <a:tcPr marL="33472" marR="33472" marT="16736" marB="16736" anchor="ctr"/>
+                </a:tc>
+                <a:tc>
+                  <a:txBody>
+                    <a:bodyPr/>
+                    <a:lstStyle/>
+                    <a:p>
+                      <a:pPr algn="ctr" fontAlgn="base"/>
+                      <a:r>
+                        <a:rPr lang="en-IN" sz="1300">
+                          <a:effectLst/>
+                        </a:rPr>
+                        <a:t>Error by Journal/Publisher</a:t>
+                      </a:r>
+                    </a:p>
+                  </a:txBody>
+                  <a:tcPr marL="33472" marR="33472" marT="16736" marB="16736" anchor="ctr"/>
+                </a:tc>
+                <a:tc>
+                  <a:txBody>
+                    <a:bodyPr/>
+                    <a:lstStyle/>
+                    <a:p>
+                      <a:pPr algn="ctr" fontAlgn="base"/>
+                      <a:r>
+                        <a:rPr lang="en-IN" sz="1300">
+                          <a:effectLst/>
+                        </a:rPr>
+                        <a:t>Lack of Approval</a:t>
+                      </a:r>
+                    </a:p>
+                  </a:txBody>
+                  <a:tcPr marL="33472" marR="33472" marT="16736" marB="16736" anchor="ctr"/>
+                </a:tc>
+                <a:tc>
+                  <a:txBody>
+                    <a:bodyPr/>
+                    <a:lstStyle/>
+                    <a:p>
+                      <a:pPr algn="ctr" fontAlgn="base"/>
+                      <a:r>
+                        <a:rPr lang="en-IN" sz="1300">
+                          <a:effectLst/>
+                        </a:rPr>
+                        <a:t>Author Unresponsive</a:t>
+                      </a:r>
+                    </a:p>
+                  </a:txBody>
+                  <a:tcPr marL="33472" marR="33472" marT="16736" marB="16736" anchor="ctr"/>
+                </a:tc>
+                <a:tc>
+                  <a:txBody>
+                    <a:bodyPr/>
+                    <a:lstStyle/>
+                    <a:p>
+                      <a:pPr algn="ctr" fontAlgn="base"/>
+                      <a:endParaRPr lang="en-IN" sz="1300">
+                        <a:effectLst/>
+                      </a:endParaRPr>
+                    </a:p>
+                  </a:txBody>
+                  <a:tcPr marL="33472" marR="33472" marT="16736" marB="16736" anchor="ctr"/>
+                </a:tc>
+                <a:tc>
+                  <a:txBody>
+                    <a:bodyPr/>
+                    <a:lstStyle/>
+                    <a:p>
+                      <a:pPr algn="ctr" fontAlgn="base"/>
+                      <a:r>
+                        <a:rPr lang="en-IN" sz="1300">
+                          <a:effectLst/>
+                        </a:rPr>
+                        <a:t>Concerns About Image</a:t>
+                      </a:r>
+                    </a:p>
+                  </a:txBody>
+                  <a:tcPr marL="33472" marR="33472" marT="16736" marB="16736" anchor="ctr"/>
+                </a:tc>
+                <a:extLst>
+                  <a:ext uri="{0D108BD9-81ED-4DB2-BD59-A6C34878D82A}">
+                    <a16:rowId xmlns:a16="http://schemas.microsoft.com/office/drawing/2014/main" val="2360438352"/>
+                  </a:ext>
+                </a:extLst>
+              </a:tr>
+              <a:tr h="329753">
+                <a:tc>
+                  <a:txBody>
+                    <a:bodyPr/>
+                    <a:lstStyle/>
+                    <a:p>
+                      <a:pPr algn="ctr" fontAlgn="base"/>
+                      <a:endParaRPr lang="en-IN" sz="1300">
+                        <a:effectLst/>
+                      </a:endParaRPr>
+                    </a:p>
+                  </a:txBody>
+                  <a:tcPr marL="33472" marR="33472" marT="16736" marB="16736" anchor="ctr"/>
+                </a:tc>
+                <a:tc>
+                  <a:txBody>
+                    <a:bodyPr/>
+                    <a:lstStyle/>
+                    <a:p>
+                      <a:pPr algn="ctr" fontAlgn="base"/>
+                      <a:r>
+                        <a:rPr lang="en-IN" sz="1300">
+                          <a:effectLst/>
+                        </a:rPr>
+                        <a:t>Error in Methods</a:t>
+                      </a:r>
+                    </a:p>
+                  </a:txBody>
+                  <a:tcPr marL="33472" marR="33472" marT="16736" marB="16736" anchor="ctr"/>
+                </a:tc>
+                <a:tc>
+                  <a:txBody>
+                    <a:bodyPr/>
+                    <a:lstStyle/>
+                    <a:p>
+                      <a:pPr algn="ctr" fontAlgn="base"/>
+                      <a:r>
+                        <a:rPr lang="en-IN" sz="1300">
+                          <a:effectLst/>
+                        </a:rPr>
+                        <a:t>Objections by Author</a:t>
+                      </a:r>
+                    </a:p>
+                  </a:txBody>
+                  <a:tcPr marL="33472" marR="33472" marT="16736" marB="16736" anchor="ctr"/>
+                </a:tc>
+                <a:tc>
+                  <a:txBody>
+                    <a:bodyPr/>
+                    <a:lstStyle/>
+                    <a:p>
+                      <a:pPr algn="ctr" fontAlgn="base"/>
+                      <a:endParaRPr lang="en-IN" sz="1300">
+                        <a:effectLst/>
+                      </a:endParaRPr>
+                    </a:p>
+                  </a:txBody>
+                  <a:tcPr marL="33472" marR="33472" marT="16736" marB="16736" anchor="ctr"/>
+                </a:tc>
+                <a:tc>
+                  <a:txBody>
+                    <a:bodyPr/>
+                    <a:lstStyle/>
+                    <a:p>
+                      <a:pPr algn="ctr" fontAlgn="base"/>
+                      <a:r>
+                        <a:rPr lang="en-IN" sz="1300">
+                          <a:effectLst/>
+                        </a:rPr>
+                        <a:t>Update of Prior Notice</a:t>
+                      </a:r>
+                    </a:p>
+                  </a:txBody>
+                  <a:tcPr marL="33472" marR="33472" marT="16736" marB="16736" anchor="ctr"/>
+                </a:tc>
+                <a:tc>
+                  <a:txBody>
+                    <a:bodyPr/>
+                    <a:lstStyle/>
+                    <a:p>
+                      <a:pPr algn="ctr" fontAlgn="base"/>
+                      <a:endParaRPr lang="en-IN" sz="1300">
+                        <a:effectLst/>
+                      </a:endParaRPr>
+                    </a:p>
+                  </a:txBody>
+                  <a:tcPr marL="33472" marR="33472" marT="16736" marB="16736" anchor="ctr"/>
+                </a:tc>
+                <a:tc>
+                  <a:txBody>
+                    <a:bodyPr/>
+                    <a:lstStyle/>
+                    <a:p>
+                      <a:pPr algn="ctr" fontAlgn="base"/>
+                      <a:endParaRPr lang="en-IN" sz="1300">
+                        <a:effectLst/>
+                      </a:endParaRPr>
+                    </a:p>
+                  </a:txBody>
+                  <a:tcPr marL="33472" marR="33472" marT="16736" marB="16736" anchor="ctr"/>
+                </a:tc>
+                <a:extLst>
+                  <a:ext uri="{0D108BD9-81ED-4DB2-BD59-A6C34878D82A}">
+                    <a16:rowId xmlns:a16="http://schemas.microsoft.com/office/drawing/2014/main" val="703721493"/>
+                  </a:ext>
+                </a:extLst>
+              </a:tr>
+              <a:tr h="230828">
+                <a:tc>
+                  <a:txBody>
+                    <a:bodyPr/>
+                    <a:lstStyle/>
+                    <a:p>
+                      <a:pPr algn="ctr" fontAlgn="base"/>
+                      <a:endParaRPr lang="en-IN" sz="1300">
+                        <a:effectLst/>
+                      </a:endParaRPr>
+                    </a:p>
+                  </a:txBody>
+                  <a:tcPr marL="33472" marR="33472" marT="16736" marB="16736" anchor="ctr"/>
+                </a:tc>
+                <a:tc>
+                  <a:txBody>
+                    <a:bodyPr/>
+                    <a:lstStyle/>
+                    <a:p>
+                      <a:pPr algn="ctr" fontAlgn="base"/>
+                      <a:r>
+                        <a:rPr lang="en-IN" sz="1300">
+                          <a:effectLst/>
+                        </a:rPr>
+                        <a:t>Error in Data</a:t>
+                      </a:r>
+                    </a:p>
+                  </a:txBody>
+                  <a:tcPr marL="33472" marR="33472" marT="16736" marB="16736" anchor="ctr"/>
+                </a:tc>
+                <a:tc>
+                  <a:txBody>
+                    <a:bodyPr/>
+                    <a:lstStyle/>
+                    <a:p>
+                      <a:pPr algn="ctr" fontAlgn="base"/>
+                      <a:endParaRPr lang="en-IN" sz="1300">
+                        <a:effectLst/>
+                      </a:endParaRPr>
+                    </a:p>
+                  </a:txBody>
+                  <a:tcPr marL="33472" marR="33472" marT="16736" marB="16736" anchor="ctr"/>
+                </a:tc>
+                <a:tc>
+                  <a:txBody>
+                    <a:bodyPr/>
+                    <a:lstStyle/>
+                    <a:p>
+                      <a:pPr algn="ctr" fontAlgn="base"/>
+                      <a:endParaRPr lang="en-IN" sz="1300">
+                        <a:effectLst/>
+                      </a:endParaRPr>
+                    </a:p>
+                  </a:txBody>
+                  <a:tcPr marL="33472" marR="33472" marT="16736" marB="16736" anchor="ctr"/>
+                </a:tc>
+                <a:tc>
+                  <a:txBody>
+                    <a:bodyPr/>
+                    <a:lstStyle/>
+                    <a:p>
+                      <a:pPr algn="ctr" fontAlgn="base"/>
+                      <a:endParaRPr lang="en-IN" sz="1300">
+                        <a:effectLst/>
+                      </a:endParaRPr>
+                    </a:p>
+                  </a:txBody>
+                  <a:tcPr marL="33472" marR="33472" marT="16736" marB="16736" anchor="ctr"/>
+                </a:tc>
+                <a:tc>
+                  <a:txBody>
+                    <a:bodyPr/>
+                    <a:lstStyle/>
+                    <a:p>
+                      <a:pPr algn="ctr" fontAlgn="base"/>
+                      <a:endParaRPr lang="en-IN" sz="1300">
+                        <a:effectLst/>
+                      </a:endParaRPr>
+                    </a:p>
+                  </a:txBody>
+                  <a:tcPr marL="33472" marR="33472" marT="16736" marB="16736" anchor="ctr"/>
+                </a:tc>
+                <a:tc>
+                  <a:txBody>
+                    <a:bodyPr/>
+                    <a:lstStyle/>
+                    <a:p>
+                      <a:pPr algn="ctr" fontAlgn="base"/>
+                      <a:endParaRPr lang="en-IN" sz="1300">
+                        <a:effectLst/>
+                      </a:endParaRPr>
+                    </a:p>
+                  </a:txBody>
+                  <a:tcPr marL="33472" marR="33472" marT="16736" marB="16736" anchor="ctr"/>
+                </a:tc>
+                <a:extLst>
+                  <a:ext uri="{0D108BD9-81ED-4DB2-BD59-A6C34878D82A}">
+                    <a16:rowId xmlns:a16="http://schemas.microsoft.com/office/drawing/2014/main" val="362429467"/>
+                  </a:ext>
+                </a:extLst>
+              </a:tr>
+              <a:tr h="230828">
+                <a:tc>
+                  <a:txBody>
+                    <a:bodyPr/>
+                    <a:lstStyle/>
+                    <a:p>
+                      <a:pPr algn="ctr" fontAlgn="base"/>
+                      <a:endParaRPr lang="en-IN" sz="1300">
+                        <a:effectLst/>
+                      </a:endParaRPr>
+                    </a:p>
+                  </a:txBody>
+                  <a:tcPr marL="33472" marR="33472" marT="16736" marB="16736" anchor="ctr"/>
+                </a:tc>
+                <a:tc>
+                  <a:txBody>
+                    <a:bodyPr/>
+                    <a:lstStyle/>
+                    <a:p>
+                      <a:pPr algn="ctr" fontAlgn="base"/>
+                      <a:r>
+                        <a:rPr lang="en-IN" sz="1300">
+                          <a:effectLst/>
+                        </a:rPr>
+                        <a:t>Error in Results</a:t>
+                      </a:r>
+                    </a:p>
+                  </a:txBody>
+                  <a:tcPr marL="33472" marR="33472" marT="16736" marB="16736" anchor="ctr"/>
+                </a:tc>
+                <a:tc>
+                  <a:txBody>
+                    <a:bodyPr/>
+                    <a:lstStyle/>
+                    <a:p>
+                      <a:pPr algn="ctr" fontAlgn="base"/>
+                      <a:endParaRPr lang="en-IN" sz="1300">
+                        <a:effectLst/>
+                      </a:endParaRPr>
+                    </a:p>
+                  </a:txBody>
+                  <a:tcPr marL="33472" marR="33472" marT="16736" marB="16736" anchor="ctr"/>
+                </a:tc>
+                <a:tc>
+                  <a:txBody>
+                    <a:bodyPr/>
+                    <a:lstStyle/>
+                    <a:p>
+                      <a:pPr algn="ctr" fontAlgn="base"/>
+                      <a:endParaRPr lang="en-IN" sz="1300">
+                        <a:effectLst/>
+                      </a:endParaRPr>
+                    </a:p>
+                  </a:txBody>
+                  <a:tcPr marL="33472" marR="33472" marT="16736" marB="16736" anchor="ctr"/>
+                </a:tc>
+                <a:tc>
+                  <a:txBody>
+                    <a:bodyPr/>
+                    <a:lstStyle/>
+                    <a:p>
+                      <a:pPr algn="ctr" fontAlgn="base"/>
+                      <a:endParaRPr lang="en-IN" sz="1300">
+                        <a:effectLst/>
+                      </a:endParaRPr>
+                    </a:p>
+                  </a:txBody>
+                  <a:tcPr marL="33472" marR="33472" marT="16736" marB="16736" anchor="ctr"/>
+                </a:tc>
+                <a:tc>
+                  <a:txBody>
+                    <a:bodyPr/>
+                    <a:lstStyle/>
+                    <a:p>
+                      <a:pPr algn="ctr" fontAlgn="base"/>
+                      <a:endParaRPr lang="en-IN" sz="1300">
+                        <a:effectLst/>
+                      </a:endParaRPr>
+                    </a:p>
+                  </a:txBody>
+                  <a:tcPr marL="33472" marR="33472" marT="16736" marB="16736" anchor="ctr"/>
+                </a:tc>
+                <a:tc>
+                  <a:txBody>
+                    <a:bodyPr/>
+                    <a:lstStyle/>
+                    <a:p>
+                      <a:pPr algn="ctr" fontAlgn="base"/>
+                      <a:endParaRPr lang="en-IN" sz="1300">
+                        <a:effectLst/>
+                      </a:endParaRPr>
+                    </a:p>
+                  </a:txBody>
+                  <a:tcPr marL="33472" marR="33472" marT="16736" marB="16736" anchor="ctr"/>
+                </a:tc>
+                <a:extLst>
+                  <a:ext uri="{0D108BD9-81ED-4DB2-BD59-A6C34878D82A}">
+                    <a16:rowId xmlns:a16="http://schemas.microsoft.com/office/drawing/2014/main" val="4283337402"/>
+                  </a:ext>
+                </a:extLst>
+              </a:tr>
+              <a:tr h="230828">
+                <a:tc>
+                  <a:txBody>
+                    <a:bodyPr/>
+                    <a:lstStyle/>
+                    <a:p>
+                      <a:pPr algn="ctr" fontAlgn="base"/>
+                      <a:endParaRPr lang="en-IN" sz="1300">
+                        <a:effectLst/>
+                      </a:endParaRPr>
+                    </a:p>
+                  </a:txBody>
+                  <a:tcPr marL="33472" marR="33472" marT="16736" marB="16736" anchor="ctr"/>
+                </a:tc>
+                <a:tc>
+                  <a:txBody>
+                    <a:bodyPr/>
+                    <a:lstStyle/>
+                    <a:p>
+                      <a:pPr algn="ctr" fontAlgn="base"/>
+                      <a:r>
+                        <a:rPr lang="en-IN" sz="1300">
+                          <a:effectLst/>
+                        </a:rPr>
+                        <a:t>Fabrication</a:t>
+                      </a:r>
+                    </a:p>
+                  </a:txBody>
+                  <a:tcPr marL="33472" marR="33472" marT="16736" marB="16736" anchor="ctr"/>
+                </a:tc>
+                <a:tc>
+                  <a:txBody>
+                    <a:bodyPr/>
+                    <a:lstStyle/>
+                    <a:p>
+                      <a:pPr algn="ctr" fontAlgn="base"/>
+                      <a:endParaRPr lang="en-IN" sz="1300">
+                        <a:effectLst/>
+                      </a:endParaRPr>
+                    </a:p>
+                  </a:txBody>
+                  <a:tcPr marL="33472" marR="33472" marT="16736" marB="16736" anchor="ctr"/>
+                </a:tc>
+                <a:tc>
+                  <a:txBody>
+                    <a:bodyPr/>
+                    <a:lstStyle/>
+                    <a:p>
+                      <a:pPr algn="ctr" fontAlgn="base"/>
+                      <a:endParaRPr lang="en-IN" sz="1300" dirty="0">
+                        <a:effectLst/>
+                      </a:endParaRPr>
+                    </a:p>
+                  </a:txBody>
+                  <a:tcPr marL="33472" marR="33472" marT="16736" marB="16736" anchor="ctr"/>
+                </a:tc>
+                <a:tc>
+                  <a:txBody>
+                    <a:bodyPr/>
+                    <a:lstStyle/>
+                    <a:p>
+                      <a:pPr algn="ctr" fontAlgn="base"/>
+                      <a:endParaRPr lang="en-IN" sz="1300">
+                        <a:effectLst/>
+                      </a:endParaRPr>
+                    </a:p>
+                  </a:txBody>
+                  <a:tcPr marL="33472" marR="33472" marT="16736" marB="16736" anchor="ctr"/>
+                </a:tc>
+                <a:tc>
+                  <a:txBody>
+                    <a:bodyPr/>
+                    <a:lstStyle/>
+                    <a:p>
+                      <a:pPr algn="ctr" fontAlgn="base"/>
+                      <a:endParaRPr lang="en-IN" sz="1300">
+                        <a:effectLst/>
+                      </a:endParaRPr>
+                    </a:p>
+                  </a:txBody>
+                  <a:tcPr marL="33472" marR="33472" marT="16736" marB="16736" anchor="ctr"/>
+                </a:tc>
+                <a:tc>
+                  <a:txBody>
+                    <a:bodyPr/>
+                    <a:lstStyle/>
+                    <a:p>
+                      <a:pPr algn="ctr" fontAlgn="base"/>
+                      <a:endParaRPr lang="en-IN" sz="1300">
+                        <a:effectLst/>
+                      </a:endParaRPr>
+                    </a:p>
+                  </a:txBody>
+                  <a:tcPr marL="33472" marR="33472" marT="16736" marB="16736" anchor="ctr"/>
+                </a:tc>
+                <a:extLst>
+                  <a:ext uri="{0D108BD9-81ED-4DB2-BD59-A6C34878D82A}">
+                    <a16:rowId xmlns:a16="http://schemas.microsoft.com/office/drawing/2014/main" val="2387965203"/>
+                  </a:ext>
+                </a:extLst>
+              </a:tr>
+              <a:tr h="230828">
+                <a:tc>
+                  <a:txBody>
+                    <a:bodyPr/>
+                    <a:lstStyle/>
+                    <a:p>
+                      <a:pPr algn="ctr" fontAlgn="base"/>
+                      <a:endParaRPr lang="en-IN" sz="1300">
+                        <a:effectLst/>
+                      </a:endParaRPr>
+                    </a:p>
+                  </a:txBody>
+                  <a:tcPr marL="33472" marR="33472" marT="16736" marB="16736" anchor="ctr"/>
+                </a:tc>
+                <a:tc>
+                  <a:txBody>
+                    <a:bodyPr/>
+                    <a:lstStyle/>
+                    <a:p>
+                      <a:pPr algn="ctr" fontAlgn="base"/>
+                      <a:r>
+                        <a:rPr lang="en-IN" sz="1300">
+                          <a:effectLst/>
+                        </a:rPr>
+                        <a:t>Falsification</a:t>
+                      </a:r>
+                    </a:p>
+                  </a:txBody>
+                  <a:tcPr marL="33472" marR="33472" marT="16736" marB="16736" anchor="ctr"/>
+                </a:tc>
+                <a:tc>
+                  <a:txBody>
+                    <a:bodyPr/>
+                    <a:lstStyle/>
+                    <a:p>
+                      <a:pPr algn="ctr" fontAlgn="base"/>
+                      <a:endParaRPr lang="en-IN" sz="1300">
+                        <a:effectLst/>
+                      </a:endParaRPr>
+                    </a:p>
+                  </a:txBody>
+                  <a:tcPr marL="33472" marR="33472" marT="16736" marB="16736" anchor="ctr"/>
+                </a:tc>
+                <a:tc>
+                  <a:txBody>
+                    <a:bodyPr/>
+                    <a:lstStyle/>
+                    <a:p>
+                      <a:pPr algn="ctr" fontAlgn="base"/>
+                      <a:endParaRPr lang="en-IN" sz="1300">
+                        <a:effectLst/>
+                      </a:endParaRPr>
+                    </a:p>
+                  </a:txBody>
+                  <a:tcPr marL="33472" marR="33472" marT="16736" marB="16736" anchor="ctr"/>
+                </a:tc>
+                <a:tc>
+                  <a:txBody>
+                    <a:bodyPr/>
+                    <a:lstStyle/>
+                    <a:p>
+                      <a:pPr algn="ctr" fontAlgn="base"/>
+                      <a:endParaRPr lang="en-IN" sz="1300">
+                        <a:effectLst/>
+                      </a:endParaRPr>
+                    </a:p>
+                  </a:txBody>
+                  <a:tcPr marL="33472" marR="33472" marT="16736" marB="16736" anchor="ctr"/>
+                </a:tc>
+                <a:tc>
+                  <a:txBody>
+                    <a:bodyPr/>
+                    <a:lstStyle/>
+                    <a:p>
+                      <a:pPr algn="ctr" fontAlgn="base"/>
+                      <a:endParaRPr lang="en-IN" sz="1300">
+                        <a:effectLst/>
+                      </a:endParaRPr>
+                    </a:p>
+                  </a:txBody>
+                  <a:tcPr marL="33472" marR="33472" marT="16736" marB="16736" anchor="ctr"/>
+                </a:tc>
+                <a:tc>
+                  <a:txBody>
+                    <a:bodyPr/>
+                    <a:lstStyle/>
+                    <a:p>
+                      <a:pPr algn="ctr" fontAlgn="base"/>
+                      <a:endParaRPr lang="en-IN" sz="1300">
+                        <a:effectLst/>
+                      </a:endParaRPr>
+                    </a:p>
+                  </a:txBody>
+                  <a:tcPr marL="33472" marR="33472" marT="16736" marB="16736" anchor="ctr"/>
+                </a:tc>
+                <a:extLst>
+                  <a:ext uri="{0D108BD9-81ED-4DB2-BD59-A6C34878D82A}">
+                    <a16:rowId xmlns:a16="http://schemas.microsoft.com/office/drawing/2014/main" val="2580381203"/>
+                  </a:ext>
+                </a:extLst>
+              </a:tr>
+              <a:tr h="329753">
+                <a:tc>
+                  <a:txBody>
+                    <a:bodyPr/>
+                    <a:lstStyle/>
+                    <a:p>
+                      <a:pPr algn="ctr" fontAlgn="base"/>
+                      <a:endParaRPr lang="en-IN" sz="1300">
+                        <a:effectLst/>
+                      </a:endParaRPr>
+                    </a:p>
+                  </a:txBody>
+                  <a:tcPr marL="33472" marR="33472" marT="16736" marB="16736" anchor="ctr"/>
+                </a:tc>
+                <a:tc>
+                  <a:txBody>
+                    <a:bodyPr/>
+                    <a:lstStyle/>
+                    <a:p>
+                      <a:pPr algn="ctr" fontAlgn="base"/>
+                      <a:r>
+                        <a:rPr lang="en-IN" sz="1300">
+                          <a:effectLst/>
+                        </a:rPr>
+                        <a:t>Ethical Violations</a:t>
+                      </a:r>
+                    </a:p>
+                  </a:txBody>
+                  <a:tcPr marL="33472" marR="33472" marT="16736" marB="16736" anchor="ctr"/>
+                </a:tc>
+                <a:tc>
+                  <a:txBody>
+                    <a:bodyPr/>
+                    <a:lstStyle/>
+                    <a:p>
+                      <a:pPr algn="ctr" fontAlgn="base"/>
+                      <a:endParaRPr lang="en-IN" sz="1300">
+                        <a:effectLst/>
+                      </a:endParaRPr>
+                    </a:p>
+                  </a:txBody>
+                  <a:tcPr marL="33472" marR="33472" marT="16736" marB="16736" anchor="ctr"/>
+                </a:tc>
+                <a:tc>
+                  <a:txBody>
+                    <a:bodyPr/>
+                    <a:lstStyle/>
+                    <a:p>
+                      <a:pPr algn="ctr" fontAlgn="base"/>
+                      <a:endParaRPr lang="en-IN" sz="1300">
+                        <a:effectLst/>
+                      </a:endParaRPr>
+                    </a:p>
+                  </a:txBody>
+                  <a:tcPr marL="33472" marR="33472" marT="16736" marB="16736" anchor="ctr"/>
+                </a:tc>
+                <a:tc>
+                  <a:txBody>
+                    <a:bodyPr/>
+                    <a:lstStyle/>
+                    <a:p>
+                      <a:pPr algn="ctr" fontAlgn="base"/>
+                      <a:endParaRPr lang="en-IN" sz="1300">
+                        <a:effectLst/>
+                      </a:endParaRPr>
+                    </a:p>
+                  </a:txBody>
+                  <a:tcPr marL="33472" marR="33472" marT="16736" marB="16736" anchor="ctr"/>
+                </a:tc>
+                <a:tc>
+                  <a:txBody>
+                    <a:bodyPr/>
+                    <a:lstStyle/>
+                    <a:p>
+                      <a:pPr algn="ctr" fontAlgn="base"/>
+                      <a:endParaRPr lang="en-IN" sz="1300">
+                        <a:effectLst/>
+                      </a:endParaRPr>
+                    </a:p>
+                  </a:txBody>
+                  <a:tcPr marL="33472" marR="33472" marT="16736" marB="16736" anchor="ctr"/>
+                </a:tc>
+                <a:tc>
+                  <a:txBody>
+                    <a:bodyPr/>
+                    <a:lstStyle/>
+                    <a:p>
+                      <a:pPr algn="ctr" fontAlgn="base"/>
+                      <a:endParaRPr lang="en-IN" sz="1300">
+                        <a:effectLst/>
+                      </a:endParaRPr>
+                    </a:p>
+                  </a:txBody>
+                  <a:tcPr marL="33472" marR="33472" marT="16736" marB="16736" anchor="ctr"/>
+                </a:tc>
+                <a:extLst>
+                  <a:ext uri="{0D108BD9-81ED-4DB2-BD59-A6C34878D82A}">
+                    <a16:rowId xmlns:a16="http://schemas.microsoft.com/office/drawing/2014/main" val="35763313"/>
+                  </a:ext>
+                </a:extLst>
+              </a:tr>
+              <a:tr h="329753">
+                <a:tc>
+                  <a:txBody>
+                    <a:bodyPr/>
+                    <a:lstStyle/>
+                    <a:p>
+                      <a:pPr algn="ctr" fontAlgn="base"/>
+                      <a:endParaRPr lang="en-IN" sz="1300">
+                        <a:effectLst/>
+                      </a:endParaRPr>
+                    </a:p>
+                  </a:txBody>
+                  <a:tcPr marL="33472" marR="33472" marT="16736" marB="16736" anchor="ctr"/>
+                </a:tc>
+                <a:tc>
+                  <a:txBody>
+                    <a:bodyPr/>
+                    <a:lstStyle/>
+                    <a:p>
+                      <a:pPr algn="ctr" fontAlgn="base"/>
+                      <a:r>
+                        <a:rPr lang="en-IN" sz="1300">
+                          <a:effectLst/>
+                        </a:rPr>
+                        <a:t>Issues About Data</a:t>
+                      </a:r>
+                    </a:p>
+                  </a:txBody>
+                  <a:tcPr marL="33472" marR="33472" marT="16736" marB="16736" anchor="ctr"/>
+                </a:tc>
+                <a:tc>
+                  <a:txBody>
+                    <a:bodyPr/>
+                    <a:lstStyle/>
+                    <a:p>
+                      <a:pPr algn="ctr" fontAlgn="base"/>
+                      <a:endParaRPr lang="en-IN" sz="1300">
+                        <a:effectLst/>
+                      </a:endParaRPr>
+                    </a:p>
+                  </a:txBody>
+                  <a:tcPr marL="33472" marR="33472" marT="16736" marB="16736" anchor="ctr"/>
+                </a:tc>
+                <a:tc>
+                  <a:txBody>
+                    <a:bodyPr/>
+                    <a:lstStyle/>
+                    <a:p>
+                      <a:pPr algn="ctr" fontAlgn="base"/>
+                      <a:endParaRPr lang="en-IN" sz="1300">
+                        <a:effectLst/>
+                      </a:endParaRPr>
+                    </a:p>
+                  </a:txBody>
+                  <a:tcPr marL="33472" marR="33472" marT="16736" marB="16736" anchor="ctr"/>
+                </a:tc>
+                <a:tc>
+                  <a:txBody>
+                    <a:bodyPr/>
+                    <a:lstStyle/>
+                    <a:p>
+                      <a:pPr algn="ctr"/>
+                      <a:endParaRPr lang="en-US" sz="1300"/>
+                    </a:p>
+                  </a:txBody>
+                  <a:tcPr marL="33472" marR="33472" marT="16736" marB="16736"/>
+                </a:tc>
+                <a:tc>
+                  <a:txBody>
+                    <a:bodyPr/>
+                    <a:lstStyle/>
+                    <a:p>
+                      <a:pPr algn="ctr"/>
+                      <a:endParaRPr lang="en-US" sz="1300"/>
+                    </a:p>
+                  </a:txBody>
+                  <a:tcPr marL="33472" marR="33472" marT="16736" marB="16736"/>
+                </a:tc>
+                <a:tc>
+                  <a:txBody>
+                    <a:bodyPr/>
+                    <a:lstStyle/>
+                    <a:p>
+                      <a:pPr algn="ctr"/>
+                      <a:endParaRPr lang="en-US" sz="1300" dirty="0"/>
+                    </a:p>
+                  </a:txBody>
+                  <a:tcPr marL="33472" marR="33472" marT="16736" marB="16736"/>
+                </a:tc>
+                <a:extLst>
+                  <a:ext uri="{0D108BD9-81ED-4DB2-BD59-A6C34878D82A}">
+                    <a16:rowId xmlns:a16="http://schemas.microsoft.com/office/drawing/2014/main" val="3908028688"/>
+                  </a:ext>
+                </a:extLst>
+              </a:tr>
+            </a:tbl>
+          </a:graphicData>
+        </a:graphic>
+      </p:graphicFrame>
+      <p:sp>
+        <p:nvSpPr>
+          <p:cNvPr id="4" name="Date Placeholder 3">
+            <a:extLst>
+              <a:ext uri="{FF2B5EF4-FFF2-40B4-BE49-F238E27FC236}">
+                <a16:creationId xmlns:a16="http://schemas.microsoft.com/office/drawing/2014/main" id="{869650CE-EA21-FA3E-EDA9-B5C8488235B0}"/>
+              </a:ext>
+            </a:extLst>
+          </p:cNvPr>
+          <p:cNvSpPr>
+            <a:spLocks noGrp="1"/>
+          </p:cNvSpPr>
+          <p:nvPr>
+            <p:ph type="dt" sz="half" idx="10"/>
+          </p:nvPr>
+        </p:nvSpPr>
+        <p:spPr/>
+        <p:txBody>
+          <a:bodyPr/>
+          <a:lstStyle/>
+          <a:p>
+            <a:fld id="{4DD0CBD0-F225-48F0-AD48-2AC179EF640E}" type="datetime1">
+              <a:rPr lang="en-US" smtClean="0"/>
+              <a:t>1/23/24</a:t>
+            </a:fld>
+            <a:endParaRPr lang="en-US"/>
+          </a:p>
+        </p:txBody>
+      </p:sp>
+      <p:sp>
+        <p:nvSpPr>
+          <p:cNvPr id="5" name="Footer Placeholder 4">
+            <a:extLst>
+              <a:ext uri="{FF2B5EF4-FFF2-40B4-BE49-F238E27FC236}">
+                <a16:creationId xmlns:a16="http://schemas.microsoft.com/office/drawing/2014/main" id="{7B9987F7-5A05-0FF9-FE04-907F76807FCE}"/>
+              </a:ext>
+            </a:extLst>
+          </p:cNvPr>
+          <p:cNvSpPr>
+            <a:spLocks noGrp="1"/>
+          </p:cNvSpPr>
+          <p:nvPr>
+            <p:ph type="ftr" sz="quarter" idx="11"/>
+          </p:nvPr>
+        </p:nvSpPr>
+        <p:spPr/>
+        <p:txBody>
+          <a:bodyPr/>
+          <a:lstStyle/>
+          <a:p>
+            <a:r>
+              <a:rPr lang="en-US"/>
+              <a:t>BROWN BAG|IIMS</a:t>
+            </a:r>
+          </a:p>
+        </p:txBody>
+      </p:sp>
+      <p:sp>
+        <p:nvSpPr>
+          <p:cNvPr id="6" name="Slide Number Placeholder 5">
+            <a:extLst>
+              <a:ext uri="{FF2B5EF4-FFF2-40B4-BE49-F238E27FC236}">
+                <a16:creationId xmlns:a16="http://schemas.microsoft.com/office/drawing/2014/main" id="{5B282861-BD8F-A007-C7F2-271051FA4243}"/>
+              </a:ext>
+            </a:extLst>
+          </p:cNvPr>
+          <p:cNvSpPr>
+            <a:spLocks noGrp="1"/>
+          </p:cNvSpPr>
+          <p:nvPr>
+            <p:ph type="sldNum" sz="quarter" idx="12"/>
+          </p:nvPr>
+        </p:nvSpPr>
+        <p:spPr/>
+        <p:txBody>
+          <a:bodyPr/>
+          <a:lstStyle/>
+          <a:p>
+            <a:fld id="{62FDF4A2-3B16-5247-BC69-FC3C09D83126}" type="slidenum">
+              <a:rPr lang="en-US" smtClean="0"/>
+              <a:t>25</a:t>
+            </a:fld>
+            <a:endParaRPr lang="en-US"/>
+          </a:p>
+        </p:txBody>
+      </p:sp>
+      <p:sp>
+        <p:nvSpPr>
+          <p:cNvPr id="8" name="Rectangle 1">
+            <a:extLst>
+              <a:ext uri="{FF2B5EF4-FFF2-40B4-BE49-F238E27FC236}">
+                <a16:creationId xmlns:a16="http://schemas.microsoft.com/office/drawing/2014/main" id="{6331C99F-71C9-E332-CC90-E2090EC111DF}"/>
+              </a:ext>
+            </a:extLst>
+          </p:cNvPr>
+          <p:cNvSpPr>
+            <a:spLocks noChangeArrowheads="1"/>
+          </p:cNvSpPr>
+          <p:nvPr/>
+        </p:nvSpPr>
+        <p:spPr bwMode="auto">
+          <a:xfrm>
+            <a:off x="-16625564" y="-323165"/>
+            <a:ext cx="45113832" cy="646331"/>
+          </a:xfrm>
+          <a:prstGeom prst="rect">
+            <a:avLst/>
+          </a:prstGeom>
+          <a:noFill/>
+          <a:ln>
+            <a:noFill/>
+          </a:ln>
+          <a:effectLst/>
+          <a:extLst>
+            <a:ext uri="{909E8E84-426E-40DD-AFC4-6F175D3DCCD1}">
+              <a14:hiddenFill xmlns:a14="http://schemas.microsoft.com/office/drawing/2010/main">
+                <a:solidFill>
+                  <a:schemeClr val="accent1"/>
+                </a:solidFill>
+              </a14:hiddenFill>
+            </a:ext>
+            <a:ext uri="{91240B29-F687-4F45-9708-019B960494DF}">
+              <a14:hiddenLine xmlns:a14="http://schemas.microsoft.com/office/drawing/2010/main" w="9525">
+                <a:solidFill>
+                  <a:schemeClr val="tx1"/>
+                </a:solidFill>
+                <a:miter lim="800000"/>
+                <a:headEnd/>
+                <a:tailEnd/>
+              </a14:hiddenLine>
+            </a:ext>
+            <a:ext uri="{AF507438-7753-43E0-B8FC-AC1667EBCBE1}">
+              <a14:hiddenEffects xmlns:a14="http://schemas.microsoft.com/office/drawing/2010/main">
+                <a:effectLst>
+                  <a:outerShdw dist="35921" dir="2700000" algn="ctr" rotWithShape="0">
+                    <a:schemeClr val="bg2"/>
+                  </a:outerShdw>
+                </a:effectLst>
+              </a14:hiddenEffects>
+            </a:ext>
+          </a:extLst>
+        </p:spPr>
+        <p:txBody>
+          <a:bodyPr vert="horz" wrap="square" lIns="91440" tIns="45720" rIns="91440" bIns="45720" numCol="1" anchor="ctr" anchorCtr="0" compatLnSpc="1">
+            <a:prstTxWarp prst="textNoShape">
+              <a:avLst/>
+            </a:prstTxWarp>
+            <a:spAutoFit/>
+          </a:bodyPr>
+          <a:lstStyle/>
+          <a:p>
+            <a:pPr marL="0" marR="0" lvl="0" indent="0" algn="l" defTabSz="914400" rtl="0" eaLnBrk="0" fontAlgn="base" latinLnBrk="0" hangingPunct="0">
+              <a:lnSpc>
+                <a:spcPct val="100000"/>
+              </a:lnSpc>
+              <a:spcBef>
+                <a:spcPct val="0"/>
+              </a:spcBef>
+              <a:spcAft>
+                <a:spcPct val="0"/>
+              </a:spcAft>
+              <a:buClrTx/>
+              <a:buSzTx/>
+              <a:buFontTx/>
+              <a:buNone/>
+              <a:tabLst/>
+            </a:pPr>
+            <a:br>
+              <a:rPr kumimoji="0" lang="en-US" altLang="en-US" sz="1800" b="0" i="0" u="none" strike="noStrike" cap="none" normalizeH="0" baseline="0">
+                <a:ln>
+                  <a:noFill/>
+                </a:ln>
+                <a:solidFill>
+                  <a:schemeClr val="tx1"/>
+                </a:solidFill>
+                <a:effectLst/>
+                <a:latin typeface="Arial" panose="020B0604020202020204" pitchFamily="34" charset="0"/>
+              </a:rPr>
+            </a:br>
+            <a:endParaRPr kumimoji="0" lang="en-US" altLang="en-US" sz="1800" b="0" i="0" u="none" strike="noStrike" cap="none" normalizeH="0" baseline="0">
+              <a:ln>
+                <a:noFill/>
+              </a:ln>
+              <a:solidFill>
+                <a:schemeClr val="tx1"/>
+              </a:solidFill>
+              <a:effectLst/>
+              <a:latin typeface="Arial" panose="020B0604020202020204" pitchFamily="34" charset="0"/>
+            </a:endParaRPr>
+          </a:p>
+        </p:txBody>
+      </p:sp>
+    </p:spTree>
+    <p:extLst>
+      <p:ext uri="{BB962C8B-B14F-4D97-AF65-F5344CB8AC3E}">
+        <p14:creationId xmlns:p14="http://schemas.microsoft.com/office/powerpoint/2010/main" val="3122969486"/>
       </p:ext>
     </p:extLst>
   </p:cSld>
@@ -12091,190 +14441,6 @@
           <p:cNvPr id="2" name="Title 1">
             <a:extLst>
               <a:ext uri="{FF2B5EF4-FFF2-40B4-BE49-F238E27FC236}">
-                <a16:creationId xmlns:a16="http://schemas.microsoft.com/office/drawing/2014/main" id="{3B0D376E-1FFE-A252-0076-5E7824D1E24D}"/>
-              </a:ext>
-            </a:extLst>
-          </p:cNvPr>
-          <p:cNvSpPr>
-            <a:spLocks noGrp="1"/>
-          </p:cNvSpPr>
-          <p:nvPr>
-            <p:ph type="title"/>
-          </p:nvPr>
-        </p:nvSpPr>
-        <p:spPr>
-          <a:xfrm>
-            <a:off x="838200" y="365125"/>
-            <a:ext cx="10515600" cy="1101725"/>
-          </a:xfrm>
-        </p:spPr>
-        <p:txBody>
-          <a:bodyPr>
-            <a:normAutofit fontScale="90000"/>
-          </a:bodyPr>
-          <a:lstStyle/>
-          <a:p>
-            <a:pPr algn="ctr"/>
-            <a:r>
-              <a:rPr lang="en-US" dirty="0"/>
-              <a:t>BUSINESS STUDIES SCHOLARSHIP - THE KINTSUGI ANTI THESIS</a:t>
-            </a:r>
-          </a:p>
-        </p:txBody>
-      </p:sp>
-      <p:pic>
-        <p:nvPicPr>
-          <p:cNvPr id="6" name="Content Placeholder 5">
-            <a:extLst>
-              <a:ext uri="{FF2B5EF4-FFF2-40B4-BE49-F238E27FC236}">
-                <a16:creationId xmlns:a16="http://schemas.microsoft.com/office/drawing/2014/main" id="{F936BF26-E91B-C110-6FB4-79C659805810}"/>
-              </a:ext>
-            </a:extLst>
-          </p:cNvPr>
-          <p:cNvPicPr>
-            <a:picLocks noGrp="1" noChangeAspect="1"/>
-          </p:cNvPicPr>
-          <p:nvPr>
-            <p:ph idx="1"/>
-          </p:nvPr>
-        </p:nvPicPr>
-        <p:blipFill>
-          <a:blip r:embed="rId2"/>
-          <a:stretch>
-            <a:fillRect/>
-          </a:stretch>
-        </p:blipFill>
-        <p:spPr>
-          <a:xfrm>
-            <a:off x="838200" y="1735931"/>
-            <a:ext cx="10515600" cy="4351338"/>
-          </a:xfrm>
-          <a:prstGeom prst="rect">
-            <a:avLst/>
-          </a:prstGeom>
-        </p:spPr>
-      </p:pic>
-      <p:sp>
-        <p:nvSpPr>
-          <p:cNvPr id="3" name="Date Placeholder 2">
-            <a:extLst>
-              <a:ext uri="{FF2B5EF4-FFF2-40B4-BE49-F238E27FC236}">
-                <a16:creationId xmlns:a16="http://schemas.microsoft.com/office/drawing/2014/main" id="{33E38C54-0A26-A9B2-D6E1-72E3BDA75364}"/>
-              </a:ext>
-            </a:extLst>
-          </p:cNvPr>
-          <p:cNvSpPr>
-            <a:spLocks noGrp="1"/>
-          </p:cNvSpPr>
-          <p:nvPr>
-            <p:ph type="dt" sz="half" idx="10"/>
-          </p:nvPr>
-        </p:nvSpPr>
-        <p:spPr/>
-        <p:txBody>
-          <a:bodyPr/>
-          <a:lstStyle/>
-          <a:p>
-            <a:fld id="{6160AB1A-BB36-4664-ACC9-A1B0EED36998}" type="datetime1">
-              <a:rPr lang="en-US" smtClean="0"/>
-              <a:t>1/23/24</a:t>
-            </a:fld>
-            <a:endParaRPr lang="en-US"/>
-          </a:p>
-        </p:txBody>
-      </p:sp>
-      <p:sp>
-        <p:nvSpPr>
-          <p:cNvPr id="4" name="Footer Placeholder 3">
-            <a:extLst>
-              <a:ext uri="{FF2B5EF4-FFF2-40B4-BE49-F238E27FC236}">
-                <a16:creationId xmlns:a16="http://schemas.microsoft.com/office/drawing/2014/main" id="{5AB74F56-BECA-5712-9BD9-2AD8F1E6677B}"/>
-              </a:ext>
-            </a:extLst>
-          </p:cNvPr>
-          <p:cNvSpPr>
-            <a:spLocks noGrp="1"/>
-          </p:cNvSpPr>
-          <p:nvPr>
-            <p:ph type="ftr" sz="quarter" idx="11"/>
-          </p:nvPr>
-        </p:nvSpPr>
-        <p:spPr/>
-        <p:txBody>
-          <a:bodyPr/>
-          <a:lstStyle/>
-          <a:p>
-            <a:r>
-              <a:rPr lang="en-US"/>
-              <a:t>BROWN BAG|IIMS</a:t>
-            </a:r>
-          </a:p>
-        </p:txBody>
-      </p:sp>
-      <p:sp>
-        <p:nvSpPr>
-          <p:cNvPr id="5" name="Slide Number Placeholder 4">
-            <a:extLst>
-              <a:ext uri="{FF2B5EF4-FFF2-40B4-BE49-F238E27FC236}">
-                <a16:creationId xmlns:a16="http://schemas.microsoft.com/office/drawing/2014/main" id="{F8FE4363-5A51-3E58-ADD3-D1B2C5AE7D63}"/>
-              </a:ext>
-            </a:extLst>
-          </p:cNvPr>
-          <p:cNvSpPr>
-            <a:spLocks noGrp="1"/>
-          </p:cNvSpPr>
-          <p:nvPr>
-            <p:ph type="sldNum" sz="quarter" idx="12"/>
-          </p:nvPr>
-        </p:nvSpPr>
-        <p:spPr/>
-        <p:txBody>
-          <a:bodyPr/>
-          <a:lstStyle/>
-          <a:p>
-            <a:fld id="{62FDF4A2-3B16-5247-BC69-FC3C09D83126}" type="slidenum">
-              <a:rPr lang="en-US" smtClean="0"/>
-              <a:t>4</a:t>
-            </a:fld>
-            <a:endParaRPr lang="en-US"/>
-          </a:p>
-        </p:txBody>
-      </p:sp>
-    </p:spTree>
-    <p:extLst>
-      <p:ext uri="{BB962C8B-B14F-4D97-AF65-F5344CB8AC3E}">
-        <p14:creationId xmlns:p14="http://schemas.microsoft.com/office/powerpoint/2010/main" val="3284653768"/>
-      </p:ext>
-    </p:extLst>
-  </p:cSld>
-  <p:clrMapOvr>
-    <a:masterClrMapping/>
-  </p:clrMapOvr>
-</p:sld>
-</file>
-
-<file path=ppt/slides/slide5.xml><?xml version="1.0" encoding="utf-8"?>
-<p:sld xmlns:a="http://schemas.openxmlformats.org/drawingml/2006/main" xmlns:r="http://schemas.openxmlformats.org/officeDocument/2006/relationships" xmlns:p="http://schemas.openxmlformats.org/presentationml/2006/main">
-  <p:cSld>
-    <p:spTree>
-      <p:nvGrpSpPr>
-        <p:cNvPr id="1" name=""/>
-        <p:cNvGrpSpPr/>
-        <p:nvPr/>
-      </p:nvGrpSpPr>
-      <p:grpSpPr>
-        <a:xfrm>
-          <a:off x="0" y="0"/>
-          <a:ext cx="0" cy="0"/>
-          <a:chOff x="0" y="0"/>
-          <a:chExt cx="0" cy="0"/>
-        </a:xfrm>
-      </p:grpSpPr>
-      <p:sp>
-        <p:nvSpPr>
-          <p:cNvPr id="2" name="Title 1">
-            <a:extLst>
-              <a:ext uri="{FF2B5EF4-FFF2-40B4-BE49-F238E27FC236}">
                 <a16:creationId xmlns:a16="http://schemas.microsoft.com/office/drawing/2014/main" id="{FA53D11F-6EAB-8186-E218-B2F04A641243}"/>
               </a:ext>
             </a:extLst>
@@ -12334,7 +14500,7 @@
           <a:p>
             <a:r>
               <a:rPr lang="en-US" sz="3600" dirty="0"/>
-              <a:t>Understands the </a:t>
+              <a:t>Understand the </a:t>
             </a:r>
             <a:r>
               <a:rPr lang="en-US" sz="3600" b="1" dirty="0"/>
@@ -12358,7 +14524,15 @@
             </a:r>
             <a:r>
               <a:rPr lang="en-US" sz="3600" b="1" dirty="0"/>
-              <a:t>meanings that these retractions hold </a:t>
+              <a:t>meanings </a:t>
+            </a:r>
+            <a:r>
+              <a:rPr lang="en-US" sz="3600" dirty="0"/>
+              <a:t>that these </a:t>
+            </a:r>
+            <a:r>
+              <a:rPr lang="en-US" sz="3600" b="1" dirty="0"/>
+              <a:t>retractions hold </a:t>
             </a:r>
             <a:r>
               <a:rPr lang="en-US" sz="3600" dirty="0"/>
@@ -12464,7 +14638,7 @@
           <a:p>
             <a:fld id="{62FDF4A2-3B16-5247-BC69-FC3C09D83126}" type="slidenum">
               <a:rPr lang="en-US" smtClean="0"/>
-              <a:t>5</a:t>
+              <a:t>4</a:t>
             </a:fld>
             <a:endParaRPr lang="en-US"/>
           </a:p>
@@ -12483,7 +14657,7 @@
 </p:sld>
 </file>
 
-<file path=ppt/slides/slide6.xml><?xml version="1.0" encoding="utf-8"?>
+<file path=ppt/slides/slide5.xml><?xml version="1.0" encoding="utf-8"?>
 <p:sld xmlns:a="http://schemas.openxmlformats.org/drawingml/2006/main" xmlns:r="http://schemas.openxmlformats.org/officeDocument/2006/relationships" xmlns:p="http://schemas.openxmlformats.org/presentationml/2006/main">
   <p:cSld>
     <p:spTree>
@@ -13011,7 +15185,7 @@
           </a:p>
           <a:p>
             <a:r>
-              <a:rPr lang="en-US" sz="1600" dirty="0">
+              <a:rPr lang="en-US" sz="1400" dirty="0">
                 <a:latin typeface="Times New Roman" panose="02020603050405020304" pitchFamily="18" charset="0"/>
                 <a:cs typeface="Times New Roman" panose="02020603050405020304" pitchFamily="18" charset="0"/>
               </a:rPr>
@@ -13215,7 +15389,7 @@
           <a:p>
             <a:fld id="{62FDF4A2-3B16-5247-BC69-FC3C09D83126}" type="slidenum">
               <a:rPr lang="en-US" smtClean="0"/>
-              <a:t>6</a:t>
+              <a:t>5</a:t>
             </a:fld>
             <a:endParaRPr lang="en-US"/>
           </a:p>
@@ -13225,6 +15399,156 @@
     <p:extLst>
       <p:ext uri="{BB962C8B-B14F-4D97-AF65-F5344CB8AC3E}">
         <p14:creationId xmlns:p14="http://schemas.microsoft.com/office/powerpoint/2010/main" val="2434519601"/>
+      </p:ext>
+    </p:extLst>
+  </p:cSld>
+  <p:clrMapOvr>
+    <a:masterClrMapping/>
+  </p:clrMapOvr>
+</p:sld>
+</file>
+
+<file path=ppt/slides/slide6.xml><?xml version="1.0" encoding="utf-8"?>
+<p:sld xmlns:a="http://schemas.openxmlformats.org/drawingml/2006/main" xmlns:r="http://schemas.openxmlformats.org/officeDocument/2006/relationships" xmlns:p="http://schemas.openxmlformats.org/presentationml/2006/main">
+  <p:cSld>
+    <p:spTree>
+      <p:nvGrpSpPr>
+        <p:cNvPr id="1" name=""/>
+        <p:cNvGrpSpPr/>
+        <p:nvPr/>
+      </p:nvGrpSpPr>
+      <p:grpSpPr>
+        <a:xfrm>
+          <a:off x="0" y="0"/>
+          <a:ext cx="0" cy="0"/>
+          <a:chOff x="0" y="0"/>
+          <a:chExt cx="0" cy="0"/>
+        </a:xfrm>
+      </p:grpSpPr>
+      <p:sp>
+        <p:nvSpPr>
+          <p:cNvPr id="2" name="Title 1">
+            <a:extLst>
+              <a:ext uri="{FF2B5EF4-FFF2-40B4-BE49-F238E27FC236}">
+                <a16:creationId xmlns:a16="http://schemas.microsoft.com/office/drawing/2014/main" id="{7454A4A0-62EA-D5C6-0243-6C5F8135B08C}"/>
+              </a:ext>
+            </a:extLst>
+          </p:cNvPr>
+          <p:cNvSpPr>
+            <a:spLocks noGrp="1"/>
+          </p:cNvSpPr>
+          <p:nvPr>
+            <p:ph type="title"/>
+          </p:nvPr>
+        </p:nvSpPr>
+        <p:spPr>
+          <a:xfrm>
+            <a:off x="933450" y="2308225"/>
+            <a:ext cx="10515600" cy="1325563"/>
+          </a:xfrm>
+        </p:spPr>
+        <p:txBody>
+          <a:bodyPr/>
+          <a:lstStyle/>
+          <a:p>
+            <a:pPr algn="ctr"/>
+            <a:r>
+              <a:rPr lang="en-IN" dirty="0"/>
+              <a:t>RESULTS</a:t>
+            </a:r>
+          </a:p>
+        </p:txBody>
+      </p:sp>
+      <p:sp>
+        <p:nvSpPr>
+          <p:cNvPr id="4" name="Date Placeholder 3">
+            <a:extLst>
+              <a:ext uri="{FF2B5EF4-FFF2-40B4-BE49-F238E27FC236}">
+                <a16:creationId xmlns:a16="http://schemas.microsoft.com/office/drawing/2014/main" id="{83DD3F3F-30D1-3A9B-4CA0-8EC41E9CCF1A}"/>
+              </a:ext>
+            </a:extLst>
+          </p:cNvPr>
+          <p:cNvSpPr>
+            <a:spLocks noGrp="1"/>
+          </p:cNvSpPr>
+          <p:nvPr>
+            <p:ph type="dt" sz="half" idx="10"/>
+          </p:nvPr>
+        </p:nvSpPr>
+        <p:spPr/>
+        <p:txBody>
+          <a:bodyPr/>
+          <a:lstStyle/>
+          <a:p>
+            <a:fld id="{4DD0CBD0-F225-48F0-AD48-2AC179EF640E}" type="datetime1">
+              <a:rPr lang="en-US" smtClean="0"/>
+              <a:t>1/23/24</a:t>
+            </a:fld>
+            <a:endParaRPr lang="en-US"/>
+          </a:p>
+        </p:txBody>
+      </p:sp>
+      <p:sp>
+        <p:nvSpPr>
+          <p:cNvPr id="5" name="Footer Placeholder 4">
+            <a:extLst>
+              <a:ext uri="{FF2B5EF4-FFF2-40B4-BE49-F238E27FC236}">
+                <a16:creationId xmlns:a16="http://schemas.microsoft.com/office/drawing/2014/main" id="{DCFFDC85-4043-1039-9068-FE9A4626E739}"/>
+              </a:ext>
+            </a:extLst>
+          </p:cNvPr>
+          <p:cNvSpPr>
+            <a:spLocks noGrp="1"/>
+          </p:cNvSpPr>
+          <p:nvPr>
+            <p:ph type="ftr" sz="quarter" idx="11"/>
+          </p:nvPr>
+        </p:nvSpPr>
+        <p:spPr/>
+        <p:txBody>
+          <a:bodyPr/>
+          <a:lstStyle/>
+          <a:p>
+            <a:r>
+              <a:rPr lang="en-US"/>
+              <a:t>BROWN BAG|IIMS</a:t>
+            </a:r>
+          </a:p>
+        </p:txBody>
+      </p:sp>
+      <p:sp>
+        <p:nvSpPr>
+          <p:cNvPr id="6" name="Slide Number Placeholder 5">
+            <a:extLst>
+              <a:ext uri="{FF2B5EF4-FFF2-40B4-BE49-F238E27FC236}">
+                <a16:creationId xmlns:a16="http://schemas.microsoft.com/office/drawing/2014/main" id="{64B4F432-5ADF-C1D3-3263-03F818A8A861}"/>
+              </a:ext>
+            </a:extLst>
+          </p:cNvPr>
+          <p:cNvSpPr>
+            <a:spLocks noGrp="1"/>
+          </p:cNvSpPr>
+          <p:nvPr>
+            <p:ph type="sldNum" sz="quarter" idx="12"/>
+          </p:nvPr>
+        </p:nvSpPr>
+        <p:spPr/>
+        <p:txBody>
+          <a:bodyPr/>
+          <a:lstStyle/>
+          <a:p>
+            <a:fld id="{62FDF4A2-3B16-5247-BC69-FC3C09D83126}" type="slidenum">
+              <a:rPr lang="en-US" smtClean="0"/>
+              <a:t>6</a:t>
+            </a:fld>
+            <a:endParaRPr lang="en-US"/>
+          </a:p>
+        </p:txBody>
+      </p:sp>
+    </p:spTree>
+    <p:extLst>
+      <p:ext uri="{BB962C8B-B14F-4D97-AF65-F5344CB8AC3E}">
+        <p14:creationId xmlns:p14="http://schemas.microsoft.com/office/powerpoint/2010/main" val="430325724"/>
       </p:ext>
     </p:extLst>
   </p:cSld>
@@ -13256,7 +15580,7 @@
           <p:cNvPr id="2" name="Title 1">
             <a:extLst>
               <a:ext uri="{FF2B5EF4-FFF2-40B4-BE49-F238E27FC236}">
-                <a16:creationId xmlns:a16="http://schemas.microsoft.com/office/drawing/2014/main" id="{7454A4A0-62EA-D5C6-0243-6C5F8135B08C}"/>
+                <a16:creationId xmlns:a16="http://schemas.microsoft.com/office/drawing/2014/main" id="{3B0D376E-1FFE-A252-0076-5E7824D1E24D}"/>
               </a:ext>
             </a:extLst>
           </p:cNvPr>
@@ -13269,44 +15593,46 @@
         </p:nvSpPr>
         <p:spPr>
           <a:xfrm>
-            <a:off x="933450" y="2308225"/>
-            <a:ext cx="10515600" cy="1325563"/>
+            <a:off x="838200" y="365125"/>
+            <a:ext cx="10515600" cy="1101725"/>
           </a:xfrm>
         </p:spPr>
         <p:txBody>
+          <a:bodyPr>
+            <a:normAutofit/>
+          </a:bodyPr>
+          <a:lstStyle/>
+          <a:p>
+            <a:pPr algn="ctr"/>
+            <a:r>
+              <a:rPr lang="en-US" dirty="0"/>
+              <a:t>THE KINTSUGI ANTITHESIS</a:t>
+            </a:r>
+          </a:p>
+        </p:txBody>
+      </p:sp>
+      <p:sp>
+        <p:nvSpPr>
+          <p:cNvPr id="3" name="Date Placeholder 2">
+            <a:extLst>
+              <a:ext uri="{FF2B5EF4-FFF2-40B4-BE49-F238E27FC236}">
+                <a16:creationId xmlns:a16="http://schemas.microsoft.com/office/drawing/2014/main" id="{33E38C54-0A26-A9B2-D6E1-72E3BDA75364}"/>
+              </a:ext>
+            </a:extLst>
+          </p:cNvPr>
+          <p:cNvSpPr>
+            <a:spLocks noGrp="1"/>
+          </p:cNvSpPr>
+          <p:nvPr>
+            <p:ph type="dt" sz="half" idx="10"/>
+          </p:nvPr>
+        </p:nvSpPr>
+        <p:spPr/>
+        <p:txBody>
           <a:bodyPr/>
           <a:lstStyle/>
           <a:p>
-            <a:pPr algn="ctr"/>
-            <a:r>
-              <a:rPr lang="en-IN" dirty="0"/>
-              <a:t>RESULTS</a:t>
-            </a:r>
-          </a:p>
-        </p:txBody>
-      </p:sp>
-      <p:sp>
-        <p:nvSpPr>
-          <p:cNvPr id="4" name="Date Placeholder 3">
-            <a:extLst>
-              <a:ext uri="{FF2B5EF4-FFF2-40B4-BE49-F238E27FC236}">
-                <a16:creationId xmlns:a16="http://schemas.microsoft.com/office/drawing/2014/main" id="{83DD3F3F-30D1-3A9B-4CA0-8EC41E9CCF1A}"/>
-              </a:ext>
-            </a:extLst>
-          </p:cNvPr>
-          <p:cNvSpPr>
-            <a:spLocks noGrp="1"/>
-          </p:cNvSpPr>
-          <p:nvPr>
-            <p:ph type="dt" sz="half" idx="10"/>
-          </p:nvPr>
-        </p:nvSpPr>
-        <p:spPr/>
-        <p:txBody>
-          <a:bodyPr/>
-          <a:lstStyle/>
-          <a:p>
-            <a:fld id="{4DD0CBD0-F225-48F0-AD48-2AC179EF640E}" type="datetime1">
+            <a:fld id="{6160AB1A-BB36-4664-ACC9-A1B0EED36998}" type="datetime1">
               <a:rPr lang="en-US" smtClean="0"/>
               <a:t>1/23/24</a:t>
             </a:fld>
@@ -13316,10 +15642,10 @@
       </p:sp>
       <p:sp>
         <p:nvSpPr>
-          <p:cNvPr id="5" name="Footer Placeholder 4">
-            <a:extLst>
-              <a:ext uri="{FF2B5EF4-FFF2-40B4-BE49-F238E27FC236}">
-                <a16:creationId xmlns:a16="http://schemas.microsoft.com/office/drawing/2014/main" id="{DCFFDC85-4043-1039-9068-FE9A4626E739}"/>
+          <p:cNvPr id="4" name="Footer Placeholder 3">
+            <a:extLst>
+              <a:ext uri="{FF2B5EF4-FFF2-40B4-BE49-F238E27FC236}">
+                <a16:creationId xmlns:a16="http://schemas.microsoft.com/office/drawing/2014/main" id="{5AB74F56-BECA-5712-9BD9-2AD8F1E6677B}"/>
               </a:ext>
             </a:extLst>
           </p:cNvPr>
@@ -13344,10 +15670,10 @@
       </p:sp>
       <p:sp>
         <p:nvSpPr>
-          <p:cNvPr id="6" name="Slide Number Placeholder 5">
-            <a:extLst>
-              <a:ext uri="{FF2B5EF4-FFF2-40B4-BE49-F238E27FC236}">
-                <a16:creationId xmlns:a16="http://schemas.microsoft.com/office/drawing/2014/main" id="{64B4F432-5ADF-C1D3-3263-03F818A8A861}"/>
+          <p:cNvPr id="5" name="Slide Number Placeholder 4">
+            <a:extLst>
+              <a:ext uri="{FF2B5EF4-FFF2-40B4-BE49-F238E27FC236}">
+                <a16:creationId xmlns:a16="http://schemas.microsoft.com/office/drawing/2014/main" id="{F8FE4363-5A51-3E58-ADD3-D1B2C5AE7D63}"/>
               </a:ext>
             </a:extLst>
           </p:cNvPr>
@@ -13371,10 +15697,42 @@
           </a:p>
         </p:txBody>
       </p:sp>
+      <p:pic>
+        <p:nvPicPr>
+          <p:cNvPr id="10" name="Content Placeholder 9">
+            <a:extLst>
+              <a:ext uri="{FF2B5EF4-FFF2-40B4-BE49-F238E27FC236}">
+                <a16:creationId xmlns:a16="http://schemas.microsoft.com/office/drawing/2014/main" id="{BC08DB37-E7F2-4264-1B31-D7161DE98097}"/>
+              </a:ext>
+            </a:extLst>
+          </p:cNvPr>
+          <p:cNvPicPr>
+            <a:picLocks noGrp="1" noChangeAspect="1"/>
+          </p:cNvPicPr>
+          <p:nvPr>
+            <p:ph idx="1"/>
+          </p:nvPr>
+        </p:nvPicPr>
+        <p:blipFill>
+          <a:blip r:embed="rId3"/>
+          <a:stretch>
+            <a:fillRect/>
+          </a:stretch>
+        </p:blipFill>
+        <p:spPr>
+          <a:xfrm>
+            <a:off x="1978988" y="1274780"/>
+            <a:ext cx="8234024" cy="5081570"/>
+          </a:xfrm>
+          <a:prstGeom prst="rect">
+            <a:avLst/>
+          </a:prstGeom>
+        </p:spPr>
+      </p:pic>
     </p:spTree>
     <p:extLst>
       <p:ext uri="{BB962C8B-B14F-4D97-AF65-F5344CB8AC3E}">
-        <p14:creationId xmlns:p14="http://schemas.microsoft.com/office/powerpoint/2010/main" val="430325724"/>
+        <p14:creationId xmlns:p14="http://schemas.microsoft.com/office/powerpoint/2010/main" val="3284653768"/>
       </p:ext>
     </p:extLst>
   </p:cSld>
@@ -13432,7 +15790,7 @@
             <a:pPr algn="ctr"/>
             <a:r>
               <a:rPr lang="en-US" dirty="0"/>
-              <a:t>AUTHORS (BUSINESS &amp; NON BUSINESS)</a:t>
+              <a:t>AUTHORS (BUSINESS &amp; NON-BUSINESS)</a:t>
             </a:r>
           </a:p>
         </p:txBody>
@@ -13461,8 +15819,8 @@
         </p:blipFill>
         <p:spPr>
           <a:xfrm>
-            <a:off x="1066801" y="1438275"/>
-            <a:ext cx="10286999" cy="4351338"/>
+            <a:off x="2310653" y="1445418"/>
+            <a:ext cx="7570694" cy="4627563"/>
           </a:xfrm>
           <a:prstGeom prst="rect">
             <a:avLst/>
@@ -13646,16 +16004,15 @@
             <p:ph idx="1"/>
           </p:nvPr>
         </p:nvPicPr>
-        <p:blipFill>
+        <p:blipFill rotWithShape="1">
           <a:blip r:embed="rId2"/>
-          <a:stretch>
-            <a:fillRect/>
-          </a:stretch>
+          <a:srcRect t="8854"/>
+          <a:stretch/>
         </p:blipFill>
         <p:spPr>
           <a:xfrm>
             <a:off x="771525" y="1200150"/>
-            <a:ext cx="10515600" cy="4351338"/>
+            <a:ext cx="10515600" cy="5075144"/>
           </a:xfrm>
           <a:prstGeom prst="rect">
             <a:avLst/>

--- a/Brownbag-updated.pptx
+++ b/Brownbag-updated.pptx
@@ -11530,9 +11530,6 @@
           <a:p>
             <a:r>
               <a:rPr lang="en-IN" b="0" i="0" dirty="0">
-                <a:solidFill>
-                  <a:srgbClr val="374151"/>
-                </a:solidFill>
                 <a:effectLst/>
                 <a:latin typeface="Calibri" panose="020F0502020204030204" pitchFamily="34" charset="0"/>
                 <a:cs typeface="Calibri" panose="020F0502020204030204" pitchFamily="34" charset="0"/>
@@ -11543,9 +11540,6 @@
           <a:p>
             <a:r>
               <a:rPr lang="en-IN" b="0" i="0" dirty="0">
-                <a:solidFill>
-                  <a:srgbClr val="374151"/>
-                </a:solidFill>
                 <a:effectLst/>
                 <a:latin typeface="Calibri" panose="020F0502020204030204" pitchFamily="34" charset="0"/>
                 <a:cs typeface="Calibri" panose="020F0502020204030204" pitchFamily="34" charset="0"/>
@@ -11557,9 +11551,6 @@
             <a:pPr algn="l"/>
             <a:r>
               <a:rPr lang="en-IN" b="1" i="0" dirty="0">
-                <a:solidFill>
-                  <a:srgbClr val="374151"/>
-                </a:solidFill>
                 <a:effectLst/>
                 <a:latin typeface="Calibri" panose="020F0502020204030204" pitchFamily="34" charset="0"/>
                 <a:cs typeface="Calibri" panose="020F0502020204030204" pitchFamily="34" charset="0"/>
@@ -11567,9 +11558,6 @@
               <a:t>Key Components of Speech</a:t>
             </a:r>
             <a:endParaRPr lang="en-IN" b="0" i="0" dirty="0">
-              <a:solidFill>
-                <a:srgbClr val="374151"/>
-              </a:solidFill>
               <a:effectLst/>
               <a:latin typeface="Calibri" panose="020F0502020204030204" pitchFamily="34" charset="0"/>
               <a:cs typeface="Calibri" panose="020F0502020204030204" pitchFamily="34" charset="0"/>
@@ -11579,9 +11567,6 @@
             <a:pPr lvl="1"/>
             <a:r>
               <a:rPr lang="en-IN" b="1" i="0" dirty="0">
-                <a:solidFill>
-                  <a:srgbClr val="374151"/>
-                </a:solidFill>
                 <a:effectLst/>
                 <a:latin typeface="Calibri" panose="020F0502020204030204" pitchFamily="34" charset="0"/>
                 <a:cs typeface="Calibri" panose="020F0502020204030204" pitchFamily="34" charset="0"/>
@@ -11590,9 +11575,6 @@
             </a:r>
             <a:r>
               <a:rPr lang="en-IN" b="0" i="0" dirty="0">
-                <a:solidFill>
-                  <a:srgbClr val="374151"/>
-                </a:solidFill>
                 <a:effectLst/>
                 <a:latin typeface="Calibri" panose="020F0502020204030204" pitchFamily="34" charset="0"/>
                 <a:cs typeface="Calibri" panose="020F0502020204030204" pitchFamily="34" charset="0"/>
@@ -11604,9 +11586,6 @@
             <a:pPr lvl="1"/>
             <a:r>
               <a:rPr lang="en-IN" b="1" i="0" dirty="0">
-                <a:solidFill>
-                  <a:srgbClr val="374151"/>
-                </a:solidFill>
                 <a:effectLst/>
                 <a:latin typeface="Calibri" panose="020F0502020204030204" pitchFamily="34" charset="0"/>
                 <a:cs typeface="Calibri" panose="020F0502020204030204" pitchFamily="34" charset="0"/>
@@ -11615,9 +11594,6 @@
             </a:r>
             <a:r>
               <a:rPr lang="en-IN" b="0" i="0" dirty="0">
-                <a:solidFill>
-                  <a:srgbClr val="374151"/>
-                </a:solidFill>
                 <a:effectLst/>
                 <a:latin typeface="Calibri" panose="020F0502020204030204" pitchFamily="34" charset="0"/>
                 <a:cs typeface="Calibri" panose="020F0502020204030204" pitchFamily="34" charset="0"/>
@@ -11629,9 +11605,6 @@
             <a:pPr lvl="1"/>
             <a:r>
               <a:rPr lang="en-IN" b="1" i="0" dirty="0">
-                <a:solidFill>
-                  <a:srgbClr val="374151"/>
-                </a:solidFill>
                 <a:effectLst/>
                 <a:latin typeface="Calibri" panose="020F0502020204030204" pitchFamily="34" charset="0"/>
                 <a:cs typeface="Calibri" panose="020F0502020204030204" pitchFamily="34" charset="0"/>
@@ -11640,9 +11613,6 @@
             </a:r>
             <a:r>
               <a:rPr lang="en-IN" b="0" i="0" dirty="0">
-                <a:solidFill>
-                  <a:srgbClr val="374151"/>
-                </a:solidFill>
                 <a:effectLst/>
                 <a:latin typeface="Calibri" panose="020F0502020204030204" pitchFamily="34" charset="0"/>
                 <a:cs typeface="Calibri" panose="020F0502020204030204" pitchFamily="34" charset="0"/>
@@ -11654,18 +11624,12 @@
             <a:pPr lvl="1"/>
             <a:r>
               <a:rPr lang="en-IN" dirty="0">
-                <a:solidFill>
-                  <a:srgbClr val="374151"/>
-                </a:solidFill>
                 <a:latin typeface="Calibri" panose="020F0502020204030204" pitchFamily="34" charset="0"/>
                 <a:cs typeface="Calibri" panose="020F0502020204030204" pitchFamily="34" charset="0"/>
               </a:rPr>
               <a:t>Context</a:t>
             </a:r>
             <a:endParaRPr lang="en-IN" b="0" i="0" dirty="0">
-              <a:solidFill>
-                <a:srgbClr val="374151"/>
-              </a:solidFill>
               <a:effectLst/>
               <a:latin typeface="Calibri" panose="020F0502020204030204" pitchFamily="34" charset="0"/>
               <a:cs typeface="Calibri" panose="020F0502020204030204" pitchFamily="34" charset="0"/>
@@ -11675,9 +11639,6 @@
             <a:pPr algn="l"/>
             <a:r>
               <a:rPr lang="en-IN" b="1" i="0" dirty="0">
-                <a:solidFill>
-                  <a:srgbClr val="374151"/>
-                </a:solidFill>
                 <a:effectLst/>
                 <a:latin typeface="Calibri" panose="020F0502020204030204" pitchFamily="34" charset="0"/>
                 <a:cs typeface="Calibri" panose="020F0502020204030204" pitchFamily="34" charset="0"/>
@@ -11685,9 +11646,6 @@
               <a:t>Why It Matters</a:t>
             </a:r>
             <a:endParaRPr lang="en-IN" b="0" i="0" dirty="0">
-              <a:solidFill>
-                <a:srgbClr val="374151"/>
-              </a:solidFill>
               <a:effectLst/>
               <a:latin typeface="Calibri" panose="020F0502020204030204" pitchFamily="34" charset="0"/>
               <a:cs typeface="Calibri" panose="020F0502020204030204" pitchFamily="34" charset="0"/>
@@ -11697,9 +11655,6 @@
             <a:pPr lvl="1"/>
             <a:r>
               <a:rPr lang="en-IN" b="0" i="0" dirty="0">
-                <a:solidFill>
-                  <a:srgbClr val="374151"/>
-                </a:solidFill>
                 <a:effectLst/>
                 <a:latin typeface="Calibri" panose="020F0502020204030204" pitchFamily="34" charset="0"/>
                 <a:cs typeface="Calibri" panose="020F0502020204030204" pitchFamily="34" charset="0"/>
@@ -11711,9 +11666,6 @@
             <a:pPr lvl="1"/>
             <a:r>
               <a:rPr lang="en-IN" b="0" i="0" dirty="0">
-                <a:solidFill>
-                  <a:srgbClr val="374151"/>
-                </a:solidFill>
                 <a:effectLst/>
                 <a:latin typeface="Calibri" panose="020F0502020204030204" pitchFamily="34" charset="0"/>
                 <a:cs typeface="Calibri" panose="020F0502020204030204" pitchFamily="34" charset="0"/>
@@ -11725,9 +11677,6 @@
             <a:pPr algn="l"/>
             <a:r>
               <a:rPr lang="en-IN" b="1" i="0" dirty="0">
-                <a:solidFill>
-                  <a:srgbClr val="374151"/>
-                </a:solidFill>
                 <a:effectLst/>
                 <a:latin typeface="Calibri" panose="020F0502020204030204" pitchFamily="34" charset="0"/>
                 <a:cs typeface="Calibri" panose="020F0502020204030204" pitchFamily="34" charset="0"/>
@@ -11735,9 +11684,6 @@
               <a:t>Examples</a:t>
             </a:r>
             <a:endParaRPr lang="en-IN" b="0" i="0" dirty="0">
-              <a:solidFill>
-                <a:srgbClr val="374151"/>
-              </a:solidFill>
               <a:effectLst/>
               <a:latin typeface="Calibri" panose="020F0502020204030204" pitchFamily="34" charset="0"/>
               <a:cs typeface="Calibri" panose="020F0502020204030204" pitchFamily="34" charset="0"/>
@@ -11750,9 +11696,6 @@
             </a:pPr>
             <a:r>
               <a:rPr lang="en-IN" b="0" i="0" dirty="0">
-                <a:solidFill>
-                  <a:srgbClr val="374151"/>
-                </a:solidFill>
                 <a:effectLst/>
                 <a:latin typeface="Calibri" panose="020F0502020204030204" pitchFamily="34" charset="0"/>
                 <a:cs typeface="Calibri" panose="020F0502020204030204" pitchFamily="34" charset="0"/>
@@ -11762,9 +11705,6 @@
           </a:p>
           <a:p>
             <a:endParaRPr lang="en-IN" b="0" i="0" dirty="0">
-              <a:solidFill>
-                <a:srgbClr val="374151"/>
-              </a:solidFill>
               <a:effectLst/>
               <a:latin typeface="Calibri" panose="020F0502020204030204" pitchFamily="34" charset="0"/>
               <a:cs typeface="Calibri" panose="020F0502020204030204" pitchFamily="34" charset="0"/>
@@ -11949,14 +11889,14 @@
             <a:pPr lvl="1"/>
             <a:r>
               <a:rPr lang="en-IN" dirty="0"/>
-              <a:t>Announcing the retraction of a scientific paper.</a:t>
+              <a:t>Announcing the retraction of a scientific paper</a:t>
             </a:r>
           </a:p>
           <a:p>
             <a:pPr lvl="1"/>
             <a:r>
               <a:rPr lang="en-IN" dirty="0"/>
-              <a:t>The notice includes reasons for retraction, such as research errors or issues with data integrity.</a:t>
+              <a:t>The notice includes reasons for retraction, such as research errors or issues with data integrity</a:t>
             </a:r>
           </a:p>
           <a:p>
@@ -11973,21 +11913,21 @@
             <a:pPr lvl="1"/>
             <a:r>
               <a:rPr lang="en-IN" dirty="0"/>
-              <a:t>Intentionally informs the community that results are unreliable.</a:t>
+              <a:t>Intentionally informs the community that results are unreliable</a:t>
             </a:r>
           </a:p>
           <a:p>
             <a:pPr lvl="1"/>
             <a:r>
               <a:rPr lang="en-IN" dirty="0"/>
-              <a:t>Maintains the integrity of the scientific record.</a:t>
+              <a:t>Maintains the integrity of the scientific record</a:t>
             </a:r>
           </a:p>
           <a:p>
             <a:pPr lvl="1"/>
             <a:r>
               <a:rPr lang="en-IN" dirty="0"/>
-              <a:t>Corrects the literature and may acknowledge mistakes or misconduct.</a:t>
+              <a:t>Corrects the literature and may acknowledge mistakes or misconduct</a:t>
             </a:r>
           </a:p>
           <a:p>
@@ -12003,29 +11943,21 @@
             <a:pPr lvl="1"/>
             <a:r>
               <a:rPr lang="en-IN" dirty="0"/>
-              <a:t>Impacts the reputation of authors, journals, and the field.</a:t>
+              <a:t>Impacts the reputation of authors, journals, and the field</a:t>
             </a:r>
           </a:p>
           <a:p>
             <a:pPr lvl="1"/>
             <a:r>
               <a:rPr lang="en-IN" dirty="0"/>
-              <a:t>Influences how other researchers view and cite the work.</a:t>
+              <a:t>Influences how other researchers view and cite the work</a:t>
             </a:r>
           </a:p>
           <a:p>
             <a:pPr lvl="1"/>
             <a:r>
               <a:rPr lang="en-IN" dirty="0"/>
-              <a:t>May prompt further investigation or </a:t>
-            </a:r>
-            <a:r>
-              <a:rPr lang="en-IN" dirty="0" err="1"/>
-              <a:t>skepticism</a:t>
-            </a:r>
-            <a:r>
-              <a:rPr lang="en-IN" dirty="0"/>
-              <a:t>.</a:t>
+              <a:t>May prompt further investigation or scepticism</a:t>
             </a:r>
           </a:p>
           <a:p>
@@ -12041,15 +11973,20 @@
             <a:pPr lvl="1"/>
             <a:r>
               <a:rPr lang="en-IN" dirty="0"/>
-              <a:t>Context determines the significance of a retraction.</a:t>
+              <a:t>Context determines the significance of a retraction</a:t>
             </a:r>
           </a:p>
           <a:p>
             <a:pPr lvl="1"/>
             <a:r>
               <a:rPr lang="en-IN" dirty="0"/>
-              <a:t>Differentiates between honest errors and intentional misconduct.</a:t>
-            </a:r>
+              <a:t>Differentiates between honest errors and </a:t>
+            </a:r>
+            <a:r>
+              <a:rPr lang="en-IN"/>
+              <a:t>intentional misconduct</a:t>
+            </a:r>
+            <a:endParaRPr lang="en-IN" dirty="0"/>
           </a:p>
         </p:txBody>
       </p:sp>

--- a/Brownbag-updated.pptx
+++ b/Brownbag-updated.pptx
@@ -5,7 +5,7 @@
     <p:sldMasterId id="2147483648" r:id="rId1"/>
   </p:sldMasterIdLst>
   <p:notesMasterIdLst>
-    <p:notesMasterId r:id="rId27"/>
+    <p:notesMasterId r:id="rId28"/>
   </p:notesMasterIdLst>
   <p:sldIdLst>
     <p:sldId id="256" r:id="rId2"/>
@@ -33,6 +33,7 @@
     <p:sldId id="284" r:id="rId24"/>
     <p:sldId id="285" r:id="rId25"/>
     <p:sldId id="286" r:id="rId26"/>
+    <p:sldId id="288" r:id="rId27"/>
   </p:sldIdLst>
   <p:sldSz cx="12192000" cy="6858000"/>
   <p:notesSz cx="6858000" cy="9144000"/>
@@ -11980,13 +11981,8 @@
             <a:pPr lvl="1"/>
             <a:r>
               <a:rPr lang="en-IN" dirty="0"/>
-              <a:t>Differentiates between honest errors and </a:t>
-            </a:r>
-            <a:r>
-              <a:rPr lang="en-IN"/>
-              <a:t>intentional misconduct</a:t>
-            </a:r>
-            <a:endParaRPr lang="en-IN" dirty="0"/>
+              <a:t>Differentiates between honest errors and intentional misconduct</a:t>
+            </a:r>
           </a:p>
         </p:txBody>
       </p:sp>
@@ -13965,6 +13961,183 @@
     <p:extLst>
       <p:ext uri="{BB962C8B-B14F-4D97-AF65-F5344CB8AC3E}">
         <p14:creationId xmlns:p14="http://schemas.microsoft.com/office/powerpoint/2010/main" val="3122969486"/>
+      </p:ext>
+    </p:extLst>
+  </p:cSld>
+  <p:clrMapOvr>
+    <a:masterClrMapping/>
+  </p:clrMapOvr>
+</p:sld>
+</file>
+
+<file path=ppt/slides/slide26.xml><?xml version="1.0" encoding="utf-8"?>
+<p:sld xmlns:a="http://schemas.openxmlformats.org/drawingml/2006/main" xmlns:r="http://schemas.openxmlformats.org/officeDocument/2006/relationships" xmlns:p="http://schemas.openxmlformats.org/presentationml/2006/main">
+  <p:cSld>
+    <p:spTree>
+      <p:nvGrpSpPr>
+        <p:cNvPr id="1" name=""/>
+        <p:cNvGrpSpPr/>
+        <p:nvPr/>
+      </p:nvGrpSpPr>
+      <p:grpSpPr>
+        <a:xfrm>
+          <a:off x="0" y="0"/>
+          <a:ext cx="0" cy="0"/>
+          <a:chOff x="0" y="0"/>
+          <a:chExt cx="0" cy="0"/>
+        </a:xfrm>
+      </p:grpSpPr>
+      <p:sp>
+        <p:nvSpPr>
+          <p:cNvPr id="2" name="Title 1">
+            <a:extLst>
+              <a:ext uri="{FF2B5EF4-FFF2-40B4-BE49-F238E27FC236}">
+                <a16:creationId xmlns:a16="http://schemas.microsoft.com/office/drawing/2014/main" id="{2D31A54D-7C13-7FF4-05D7-EB937E75525D}"/>
+              </a:ext>
+            </a:extLst>
+          </p:cNvPr>
+          <p:cNvSpPr>
+            <a:spLocks noGrp="1"/>
+          </p:cNvSpPr>
+          <p:nvPr>
+            <p:ph type="title"/>
+          </p:nvPr>
+        </p:nvSpPr>
+        <p:spPr/>
+        <p:txBody>
+          <a:bodyPr/>
+          <a:lstStyle/>
+          <a:p>
+            <a:pPr algn="ctr"/>
+            <a:r>
+              <a:rPr lang="en-US" dirty="0"/>
+              <a:t>COMPLETE CORRELATION MATRIX - REASONS</a:t>
+            </a:r>
+          </a:p>
+        </p:txBody>
+      </p:sp>
+      <p:sp>
+        <p:nvSpPr>
+          <p:cNvPr id="4" name="Date Placeholder 3">
+            <a:extLst>
+              <a:ext uri="{FF2B5EF4-FFF2-40B4-BE49-F238E27FC236}">
+                <a16:creationId xmlns:a16="http://schemas.microsoft.com/office/drawing/2014/main" id="{A3D6C439-7226-03F2-18A3-B626C60E5651}"/>
+              </a:ext>
+            </a:extLst>
+          </p:cNvPr>
+          <p:cNvSpPr>
+            <a:spLocks noGrp="1"/>
+          </p:cNvSpPr>
+          <p:nvPr>
+            <p:ph type="dt" sz="half" idx="10"/>
+          </p:nvPr>
+        </p:nvSpPr>
+        <p:spPr/>
+        <p:txBody>
+          <a:bodyPr/>
+          <a:lstStyle/>
+          <a:p>
+            <a:fld id="{4DD0CBD0-F225-48F0-AD48-2AC179EF640E}" type="datetime1">
+              <a:rPr lang="en-US" smtClean="0"/>
+              <a:t>1/23/24</a:t>
+            </a:fld>
+            <a:endParaRPr lang="en-US"/>
+          </a:p>
+        </p:txBody>
+      </p:sp>
+      <p:sp>
+        <p:nvSpPr>
+          <p:cNvPr id="5" name="Footer Placeholder 4">
+            <a:extLst>
+              <a:ext uri="{FF2B5EF4-FFF2-40B4-BE49-F238E27FC236}">
+                <a16:creationId xmlns:a16="http://schemas.microsoft.com/office/drawing/2014/main" id="{BA236184-D3C9-F70F-0C77-F97985520049}"/>
+              </a:ext>
+            </a:extLst>
+          </p:cNvPr>
+          <p:cNvSpPr>
+            <a:spLocks noGrp="1"/>
+          </p:cNvSpPr>
+          <p:nvPr>
+            <p:ph type="ftr" sz="quarter" idx="11"/>
+          </p:nvPr>
+        </p:nvSpPr>
+        <p:spPr/>
+        <p:txBody>
+          <a:bodyPr/>
+          <a:lstStyle/>
+          <a:p>
+            <a:r>
+              <a:rPr lang="en-US"/>
+              <a:t>BROWN BAG|IIMS</a:t>
+            </a:r>
+          </a:p>
+        </p:txBody>
+      </p:sp>
+      <p:sp>
+        <p:nvSpPr>
+          <p:cNvPr id="6" name="Slide Number Placeholder 5">
+            <a:extLst>
+              <a:ext uri="{FF2B5EF4-FFF2-40B4-BE49-F238E27FC236}">
+                <a16:creationId xmlns:a16="http://schemas.microsoft.com/office/drawing/2014/main" id="{5AC8F922-BE7C-3262-0979-BFA5797DF755}"/>
+              </a:ext>
+            </a:extLst>
+          </p:cNvPr>
+          <p:cNvSpPr>
+            <a:spLocks noGrp="1"/>
+          </p:cNvSpPr>
+          <p:nvPr>
+            <p:ph type="sldNum" sz="quarter" idx="12"/>
+          </p:nvPr>
+        </p:nvSpPr>
+        <p:spPr/>
+        <p:txBody>
+          <a:bodyPr/>
+          <a:lstStyle/>
+          <a:p>
+            <a:fld id="{62FDF4A2-3B16-5247-BC69-FC3C09D83126}" type="slidenum">
+              <a:rPr lang="en-US" smtClean="0"/>
+              <a:t>26</a:t>
+            </a:fld>
+            <a:endParaRPr lang="en-US"/>
+          </a:p>
+        </p:txBody>
+      </p:sp>
+      <p:pic>
+        <p:nvPicPr>
+          <p:cNvPr id="9" name="Content Placeholder 8">
+            <a:extLst>
+              <a:ext uri="{FF2B5EF4-FFF2-40B4-BE49-F238E27FC236}">
+                <a16:creationId xmlns:a16="http://schemas.microsoft.com/office/drawing/2014/main" id="{BB0C0EF0-9160-EE27-B71A-9A905C28B0B6}"/>
+              </a:ext>
+            </a:extLst>
+          </p:cNvPr>
+          <p:cNvPicPr>
+            <a:picLocks noGrp="1" noChangeAspect="1"/>
+          </p:cNvPicPr>
+          <p:nvPr>
+            <p:ph idx="1"/>
+          </p:nvPr>
+        </p:nvPicPr>
+        <p:blipFill>
+          <a:blip r:embed="rId2"/>
+          <a:stretch>
+            <a:fillRect/>
+          </a:stretch>
+        </p:blipFill>
+        <p:spPr>
+          <a:xfrm>
+            <a:off x="2570610" y="1825625"/>
+            <a:ext cx="7050779" cy="4351338"/>
+          </a:xfrm>
+          <a:prstGeom prst="rect">
+            <a:avLst/>
+          </a:prstGeom>
+        </p:spPr>
+      </p:pic>
+    </p:spTree>
+    <p:extLst>
+      <p:ext uri="{BB962C8B-B14F-4D97-AF65-F5344CB8AC3E}">
+        <p14:creationId xmlns:p14="http://schemas.microsoft.com/office/powerpoint/2010/main" val="282070186"/>
       </p:ext>
     </p:extLst>
   </p:cSld>

--- a/Brownbag-updated.pptx
+++ b/Brownbag-updated.pptx
@@ -5682,12 +5682,20 @@
                     <a:p>
                       <a:pPr algn="ctr" fontAlgn="base"/>
                       <a:r>
-                        <a:rPr lang="en-IN" sz="1600">
+                        <a:rPr lang="en-IN" sz="1600" dirty="0" err="1">
                           <a:effectLst/>
                           <a:latin typeface="Times New Roman" panose="02020603050405020304" pitchFamily="18" charset="0"/>
                           <a:cs typeface="Times New Roman" panose="02020603050405020304" pitchFamily="18" charset="0"/>
                         </a:rPr>
-                        <a:t>Coauthor Retraction vs. Author Institution</a:t>
+                        <a:t>Coauthor</a:t>
+                      </a:r>
+                      <a:r>
+                        <a:rPr lang="en-IN" sz="1600" dirty="0">
+                          <a:effectLst/>
+                          <a:latin typeface="Times New Roman" panose="02020603050405020304" pitchFamily="18" charset="0"/>
+                          <a:cs typeface="Times New Roman" panose="02020603050405020304" pitchFamily="18" charset="0"/>
+                        </a:rPr>
+                        <a:t> Retraction vs. Author Institution</a:t>
                       </a:r>
                     </a:p>
                   </a:txBody>
@@ -5738,7 +5746,7 @@
                     <a:p>
                       <a:pPr algn="ctr" fontAlgn="base"/>
                       <a:r>
-                        <a:rPr lang="en-IN" sz="1600">
+                        <a:rPr lang="en-IN" sz="1600" dirty="0">
                           <a:effectLst/>
                           <a:latin typeface="Times New Roman" panose="02020603050405020304" pitchFamily="18" charset="0"/>
                           <a:cs typeface="Times New Roman" panose="02020603050405020304" pitchFamily="18" charset="0"/>
@@ -5794,7 +5802,7 @@
                     <a:p>
                       <a:pPr algn="ctr" fontAlgn="base"/>
                       <a:r>
-                        <a:rPr lang="en-IN" sz="1600">
+                        <a:rPr lang="en-IN" sz="1600" dirty="0">
                           <a:effectLst/>
                           <a:latin typeface="Times New Roman" panose="02020603050405020304" pitchFamily="18" charset="0"/>
                           <a:cs typeface="Times New Roman" panose="02020603050405020304" pitchFamily="18" charset="0"/>
@@ -7897,7 +7905,7 @@
         </p:nvGraphicFramePr>
         <p:xfrm>
           <a:off x="8516470" y="1162050"/>
-          <a:ext cx="3440579" cy="5284989"/>
+          <a:ext cx="3440579" cy="5284861"/>
         </p:xfrm>
         <a:graphic>
           <a:graphicData uri="http://schemas.openxmlformats.org/drawingml/2006/table">

--- a/Brownbag-updated.pptx
+++ b/Brownbag-updated.pptx
@@ -5,7 +5,7 @@
     <p:sldMasterId id="2147483648" r:id="rId1"/>
   </p:sldMasterIdLst>
   <p:notesMasterIdLst>
-    <p:notesMasterId r:id="rId28"/>
+    <p:notesMasterId r:id="rId29"/>
   </p:notesMasterIdLst>
   <p:sldIdLst>
     <p:sldId id="256" r:id="rId2"/>
@@ -16,9 +16,9 @@
     <p:sldId id="274" r:id="rId7"/>
     <p:sldId id="262" r:id="rId8"/>
     <p:sldId id="269" r:id="rId9"/>
-    <p:sldId id="270" r:id="rId10"/>
-    <p:sldId id="272" r:id="rId11"/>
-    <p:sldId id="271" r:id="rId12"/>
+    <p:sldId id="271" r:id="rId10"/>
+    <p:sldId id="270" r:id="rId11"/>
+    <p:sldId id="272" r:id="rId12"/>
     <p:sldId id="267" r:id="rId13"/>
     <p:sldId id="273" r:id="rId14"/>
     <p:sldId id="268" r:id="rId15"/>
@@ -27,13 +27,14 @@
     <p:sldId id="277" r:id="rId18"/>
     <p:sldId id="279" r:id="rId19"/>
     <p:sldId id="280" r:id="rId20"/>
-    <p:sldId id="282" r:id="rId21"/>
-    <p:sldId id="287" r:id="rId22"/>
-    <p:sldId id="281" r:id="rId23"/>
+    <p:sldId id="287" r:id="rId21"/>
+    <p:sldId id="281" r:id="rId22"/>
+    <p:sldId id="282" r:id="rId23"/>
     <p:sldId id="284" r:id="rId24"/>
-    <p:sldId id="285" r:id="rId25"/>
-    <p:sldId id="286" r:id="rId26"/>
-    <p:sldId id="288" r:id="rId27"/>
+    <p:sldId id="289" r:id="rId25"/>
+    <p:sldId id="285" r:id="rId26"/>
+    <p:sldId id="286" r:id="rId27"/>
+    <p:sldId id="288" r:id="rId28"/>
   </p:sldIdLst>
   <p:sldSz cx="12192000" cy="6858000"/>
   <p:notesSz cx="6858000" cy="9144000"/>
@@ -222,7 +223,7 @@
           <a:p>
             <a:fld id="{221E87BA-8292-0B4D-8D5F-839C5F31EE83}" type="datetimeFigureOut">
               <a:rPr lang="en-US" smtClean="0"/>
-              <a:t>1/23/24</a:t>
+              <a:t>1/23/2024</a:t>
             </a:fld>
             <a:endParaRPr lang="en-US"/>
           </a:p>
@@ -838,7 +839,7 @@
           <a:p>
             <a:fld id="{70C362AF-AF5A-7D40-83D6-DE9FBCAE79B7}" type="slidenum">
               <a:rPr lang="en-US" smtClean="0"/>
-              <a:t>10</a:t>
+              <a:t>11</a:t>
             </a:fld>
             <a:endParaRPr lang="en-US"/>
           </a:p>
@@ -1006,7 +1007,7 @@
           <a:p>
             <a:fld id="{A4875C43-ACB0-4BC8-8493-8ED843546DB3}" type="datetime1">
               <a:rPr lang="en-US" smtClean="0"/>
-              <a:t>1/23/24</a:t>
+              <a:t>1/23/2024</a:t>
             </a:fld>
             <a:endParaRPr lang="en-US"/>
           </a:p>
@@ -1209,7 +1210,7 @@
           <a:p>
             <a:fld id="{FC55B3D8-12EA-4B7F-A888-07B8A11DBB39}" type="datetime1">
               <a:rPr lang="en-US" smtClean="0"/>
-              <a:t>1/23/24</a:t>
+              <a:t>1/23/2024</a:t>
             </a:fld>
             <a:endParaRPr lang="en-US"/>
           </a:p>
@@ -1422,7 +1423,7 @@
           <a:p>
             <a:fld id="{F4FE4C4D-6DF8-4662-8B03-DDBA7811B5EB}" type="datetime1">
               <a:rPr lang="en-US" smtClean="0"/>
-              <a:t>1/23/24</a:t>
+              <a:t>1/23/2024</a:t>
             </a:fld>
             <a:endParaRPr lang="en-US"/>
           </a:p>
@@ -1625,7 +1626,7 @@
           <a:p>
             <a:fld id="{4DD0CBD0-F225-48F0-AD48-2AC179EF640E}" type="datetime1">
               <a:rPr lang="en-US" smtClean="0"/>
-              <a:t>1/23/24</a:t>
+              <a:t>1/23/2024</a:t>
             </a:fld>
             <a:endParaRPr lang="en-US"/>
           </a:p>
@@ -1904,7 +1905,7 @@
           <a:p>
             <a:fld id="{FF9A6C4B-0067-4B1C-BB58-FAD4458B04A9}" type="datetime1">
               <a:rPr lang="en-US" smtClean="0"/>
-              <a:t>1/23/24</a:t>
+              <a:t>1/23/2024</a:t>
             </a:fld>
             <a:endParaRPr lang="en-US"/>
           </a:p>
@@ -2175,7 +2176,7 @@
           <a:p>
             <a:fld id="{86A5193A-CB92-4A40-B9F7-49CDEC8EE6B5}" type="datetime1">
               <a:rPr lang="en-US" smtClean="0"/>
-              <a:t>1/23/24</a:t>
+              <a:t>1/23/2024</a:t>
             </a:fld>
             <a:endParaRPr lang="en-US"/>
           </a:p>
@@ -2593,7 +2594,7 @@
           <a:p>
             <a:fld id="{7DF00E64-1D1E-49FA-BCEB-EDFE536DFB43}" type="datetime1">
               <a:rPr lang="en-US" smtClean="0"/>
-              <a:t>1/23/24</a:t>
+              <a:t>1/23/2024</a:t>
             </a:fld>
             <a:endParaRPr lang="en-US"/>
           </a:p>
@@ -2738,7 +2739,7 @@
           <a:p>
             <a:fld id="{86751DD6-413C-421D-A7AF-BF5E7F809EE7}" type="datetime1">
               <a:rPr lang="en-US" smtClean="0"/>
-              <a:t>1/23/24</a:t>
+              <a:t>1/23/2024</a:t>
             </a:fld>
             <a:endParaRPr lang="en-US"/>
           </a:p>
@@ -2854,7 +2855,7 @@
           <a:p>
             <a:fld id="{EC4AE65D-3337-44D6-8B4F-AB5BC23A00D7}" type="datetime1">
               <a:rPr lang="en-US" smtClean="0"/>
-              <a:t>1/23/24</a:t>
+              <a:t>1/23/2024</a:t>
             </a:fld>
             <a:endParaRPr lang="en-US"/>
           </a:p>
@@ -3170,7 +3171,7 @@
           <a:p>
             <a:fld id="{6DC58132-ECAA-40A8-8FE8-8B1219DACBAE}" type="datetime1">
               <a:rPr lang="en-US" smtClean="0"/>
-              <a:t>1/23/24</a:t>
+              <a:t>1/23/2024</a:t>
             </a:fld>
             <a:endParaRPr lang="en-US"/>
           </a:p>
@@ -3462,7 +3463,7 @@
           <a:p>
             <a:fld id="{C6EDD94F-287F-41DB-985D-0598C27C0C01}" type="datetime1">
               <a:rPr lang="en-US" smtClean="0"/>
-              <a:t>1/23/24</a:t>
+              <a:t>1/23/2024</a:t>
             </a:fld>
             <a:endParaRPr lang="en-US"/>
           </a:p>
@@ -3708,7 +3709,7 @@
           <a:p>
             <a:fld id="{11EFE11F-C941-44E4-9CFF-7035654B6D5A}" type="datetime1">
               <a:rPr lang="en-US" smtClean="0"/>
-              <a:t>1/23/24</a:t>
+              <a:t>1/23/2024</a:t>
             </a:fld>
             <a:endParaRPr lang="en-US"/>
           </a:p>
@@ -4460,7 +4461,7 @@
           <a:p>
             <a:fld id="{231DE8AC-DC2D-4FE9-BB52-8E52372C0CA8}" type="datetime1">
               <a:rPr lang="en-US" smtClean="0"/>
-              <a:t>1/23/24</a:t>
+              <a:t>1/23/2024</a:t>
             </a:fld>
             <a:endParaRPr lang="en-US"/>
           </a:p>
@@ -4558,7 +4559,7 @@
           <p:cNvPr id="2" name="Title 1">
             <a:extLst>
               <a:ext uri="{FF2B5EF4-FFF2-40B4-BE49-F238E27FC236}">
-                <a16:creationId xmlns:a16="http://schemas.microsoft.com/office/drawing/2014/main" id="{C03C6665-F9D2-DB41-1D6A-EABB4FD9CEDC}"/>
+                <a16:creationId xmlns:a16="http://schemas.microsoft.com/office/drawing/2014/main" id="{82488662-A4A6-36D4-E977-C054B4520318}"/>
               </a:ext>
             </a:extLst>
           </p:cNvPr>
@@ -4572,7 +4573,7 @@
         <p:spPr>
           <a:xfrm>
             <a:off x="838200" y="365125"/>
-            <a:ext cx="10515600" cy="758825"/>
+            <a:ext cx="10515600" cy="835025"/>
           </a:xfrm>
         </p:spPr>
         <p:txBody>
@@ -4582,7 +4583,7 @@
             <a:pPr algn="ctr"/>
             <a:r>
               <a:rPr lang="en-US" sz="4400" dirty="0"/>
-              <a:t>REASONS FOR RETRACTION</a:t>
+              <a:t>SUBJECT SPREAD</a:t>
             </a:r>
             <a:endParaRPr lang="en-US" dirty="0"/>
           </a:p>
@@ -4593,7 +4594,7 @@
           <p:cNvPr id="4" name="Content Placeholder 3">
             <a:extLst>
               <a:ext uri="{FF2B5EF4-FFF2-40B4-BE49-F238E27FC236}">
-                <a16:creationId xmlns:a16="http://schemas.microsoft.com/office/drawing/2014/main" id="{77B35240-72F7-9A87-2D25-CF5C0F810BB1}"/>
+                <a16:creationId xmlns:a16="http://schemas.microsoft.com/office/drawing/2014/main" id="{37A03510-629E-2880-C7C7-5C5239905467}"/>
               </a:ext>
             </a:extLst>
           </p:cNvPr>
@@ -4604,16 +4605,15 @@
             <p:ph idx="1"/>
           </p:nvPr>
         </p:nvPicPr>
-        <p:blipFill>
-          <a:blip r:embed="rId3"/>
-          <a:stretch>
-            <a:fillRect/>
-          </a:stretch>
+        <p:blipFill rotWithShape="1">
+          <a:blip r:embed="rId2"/>
+          <a:srcRect t="8854"/>
+          <a:stretch/>
         </p:blipFill>
         <p:spPr>
           <a:xfrm>
-            <a:off x="1993024" y="1320005"/>
-            <a:ext cx="8205951" cy="4690269"/>
+            <a:off x="771525" y="1200150"/>
+            <a:ext cx="10515600" cy="5075144"/>
           </a:xfrm>
           <a:prstGeom prst="rect">
             <a:avLst/>
@@ -4625,7 +4625,7 @@
           <p:cNvPr id="3" name="Date Placeholder 2">
             <a:extLst>
               <a:ext uri="{FF2B5EF4-FFF2-40B4-BE49-F238E27FC236}">
-                <a16:creationId xmlns:a16="http://schemas.microsoft.com/office/drawing/2014/main" id="{9A154D05-66BD-01D8-1AB7-2CCA737FE61D}"/>
+                <a16:creationId xmlns:a16="http://schemas.microsoft.com/office/drawing/2014/main" id="{B9316DBB-F25D-C3C7-8BD8-E93BEDC2C628}"/>
               </a:ext>
             </a:extLst>
           </p:cNvPr>
@@ -4641,9 +4641,9 @@
           <a:bodyPr/>
           <a:lstStyle/>
           <a:p>
-            <a:fld id="{106D7E33-8CB6-4CCA-B167-FF726A1205F7}" type="datetime1">
+            <a:fld id="{B162DBCC-21AD-42FB-8870-6DD72F673DB8}" type="datetime1">
               <a:rPr lang="en-US" smtClean="0"/>
-              <a:t>1/23/24</a:t>
+              <a:t>1/23/2024</a:t>
             </a:fld>
             <a:endParaRPr lang="en-US"/>
           </a:p>
@@ -4654,7 +4654,7 @@
           <p:cNvPr id="5" name="Footer Placeholder 4">
             <a:extLst>
               <a:ext uri="{FF2B5EF4-FFF2-40B4-BE49-F238E27FC236}">
-                <a16:creationId xmlns:a16="http://schemas.microsoft.com/office/drawing/2014/main" id="{F2CB3809-1CB8-3569-5B05-CD3BA77A2F66}"/>
+                <a16:creationId xmlns:a16="http://schemas.microsoft.com/office/drawing/2014/main" id="{B261BADA-B958-0159-5B2F-5E1590E48F87}"/>
               </a:ext>
             </a:extLst>
           </p:cNvPr>
@@ -4682,7 +4682,7 @@
           <p:cNvPr id="6" name="Slide Number Placeholder 5">
             <a:extLst>
               <a:ext uri="{FF2B5EF4-FFF2-40B4-BE49-F238E27FC236}">
-                <a16:creationId xmlns:a16="http://schemas.microsoft.com/office/drawing/2014/main" id="{6D63887B-699E-ED9B-689A-7186CE4E7B25}"/>
+                <a16:creationId xmlns:a16="http://schemas.microsoft.com/office/drawing/2014/main" id="{A1B13D4E-1517-02EF-A305-C73BAF2CB949}"/>
               </a:ext>
             </a:extLst>
           </p:cNvPr>
@@ -4709,7 +4709,7 @@
     </p:spTree>
     <p:extLst>
       <p:ext uri="{BB962C8B-B14F-4D97-AF65-F5344CB8AC3E}">
-        <p14:creationId xmlns:p14="http://schemas.microsoft.com/office/powerpoint/2010/main" val="468693063"/>
+        <p14:creationId xmlns:p14="http://schemas.microsoft.com/office/powerpoint/2010/main" val="3204707643"/>
       </p:ext>
     </p:extLst>
   </p:cSld>
@@ -4741,7 +4741,7 @@
           <p:cNvPr id="2" name="Title 1">
             <a:extLst>
               <a:ext uri="{FF2B5EF4-FFF2-40B4-BE49-F238E27FC236}">
-                <a16:creationId xmlns:a16="http://schemas.microsoft.com/office/drawing/2014/main" id="{7575EAB6-9741-25C7-4F0C-5468829A7665}"/>
+                <a16:creationId xmlns:a16="http://schemas.microsoft.com/office/drawing/2014/main" id="{C03C6665-F9D2-DB41-1D6A-EABB4FD9CEDC}"/>
               </a:ext>
             </a:extLst>
           </p:cNvPr>
@@ -4754,21 +4754,20 @@
         </p:nvSpPr>
         <p:spPr>
           <a:xfrm>
-            <a:off x="633412" y="136525"/>
-            <a:ext cx="10925175" cy="1325563"/>
+            <a:off x="838200" y="365125"/>
+            <a:ext cx="10515600" cy="758825"/>
           </a:xfrm>
         </p:spPr>
         <p:txBody>
-          <a:bodyPr>
-            <a:normAutofit/>
-          </a:bodyPr>
+          <a:bodyPr/>
           <a:lstStyle/>
           <a:p>
             <a:pPr algn="ctr"/>
             <a:r>
-              <a:rPr lang="en-US" dirty="0"/>
-              <a:t>RISE IN INTER SUBJECT/DISCIPLINE WORK</a:t>
-            </a:r>
+              <a:rPr lang="en-US" sz="4400" dirty="0"/>
+              <a:t>REASONS FOR RETRACTION</a:t>
+            </a:r>
+            <a:endParaRPr lang="en-US" dirty="0"/>
           </a:p>
         </p:txBody>
       </p:sp>
@@ -4777,7 +4776,7 @@
           <p:cNvPr id="4" name="Content Placeholder 3">
             <a:extLst>
               <a:ext uri="{FF2B5EF4-FFF2-40B4-BE49-F238E27FC236}">
-                <a16:creationId xmlns:a16="http://schemas.microsoft.com/office/drawing/2014/main" id="{71F38DD0-7705-26C2-A9D7-BCCB5A98250A}"/>
+                <a16:creationId xmlns:a16="http://schemas.microsoft.com/office/drawing/2014/main" id="{77B35240-72F7-9A87-2D25-CF5C0F810BB1}"/>
               </a:ext>
             </a:extLst>
           </p:cNvPr>
@@ -4788,25 +4787,20 @@
             <p:ph idx="1"/>
           </p:nvPr>
         </p:nvPicPr>
-        <p:blipFill rotWithShape="1">
-          <a:blip r:embed="rId2"/>
-          <a:srcRect t="10923"/>
-          <a:stretch/>
+        <p:blipFill>
+          <a:blip r:embed="rId3"/>
+          <a:stretch>
+            <a:fillRect/>
+          </a:stretch>
         </p:blipFill>
         <p:spPr>
           <a:xfrm>
-            <a:off x="985837" y="1506539"/>
-            <a:ext cx="10220325" cy="4608185"/>
+            <a:off x="1993024" y="1320005"/>
+            <a:ext cx="8205951" cy="4690269"/>
           </a:xfrm>
           <a:prstGeom prst="rect">
             <a:avLst/>
           </a:prstGeom>
-          <a:ln>
-            <a:noFill/>
-          </a:ln>
-          <a:effectLst>
-            <a:softEdge rad="112500"/>
-          </a:effectLst>
         </p:spPr>
       </p:pic>
       <p:sp>
@@ -4814,7 +4808,7 @@
           <p:cNvPr id="3" name="Date Placeholder 2">
             <a:extLst>
               <a:ext uri="{FF2B5EF4-FFF2-40B4-BE49-F238E27FC236}">
-                <a16:creationId xmlns:a16="http://schemas.microsoft.com/office/drawing/2014/main" id="{406AEFC8-7CDE-1926-5F4A-4ACF7FCA8E07}"/>
+                <a16:creationId xmlns:a16="http://schemas.microsoft.com/office/drawing/2014/main" id="{9A154D05-66BD-01D8-1AB7-2CCA737FE61D}"/>
               </a:ext>
             </a:extLst>
           </p:cNvPr>
@@ -4830,9 +4824,9 @@
           <a:bodyPr/>
           <a:lstStyle/>
           <a:p>
-            <a:fld id="{4E86FD42-CFE6-44BB-AE27-ABF98F8EFF32}" type="datetime1">
+            <a:fld id="{106D7E33-8CB6-4CCA-B167-FF726A1205F7}" type="datetime1">
               <a:rPr lang="en-US" smtClean="0"/>
-              <a:t>1/23/24</a:t>
+              <a:t>1/23/2024</a:t>
             </a:fld>
             <a:endParaRPr lang="en-US"/>
           </a:p>
@@ -4843,7 +4837,7 @@
           <p:cNvPr id="5" name="Footer Placeholder 4">
             <a:extLst>
               <a:ext uri="{FF2B5EF4-FFF2-40B4-BE49-F238E27FC236}">
-                <a16:creationId xmlns:a16="http://schemas.microsoft.com/office/drawing/2014/main" id="{91E6CFC1-C8AF-E1B4-0021-07F8FBB48E9B}"/>
+                <a16:creationId xmlns:a16="http://schemas.microsoft.com/office/drawing/2014/main" id="{F2CB3809-1CB8-3569-5B05-CD3BA77A2F66}"/>
               </a:ext>
             </a:extLst>
           </p:cNvPr>
@@ -4871,7 +4865,7 @@
           <p:cNvPr id="6" name="Slide Number Placeholder 5">
             <a:extLst>
               <a:ext uri="{FF2B5EF4-FFF2-40B4-BE49-F238E27FC236}">
-                <a16:creationId xmlns:a16="http://schemas.microsoft.com/office/drawing/2014/main" id="{7CA463DE-BB09-CC59-E799-5934BD1027AA}"/>
+                <a16:creationId xmlns:a16="http://schemas.microsoft.com/office/drawing/2014/main" id="{6D63887B-699E-ED9B-689A-7186CE4E7B25}"/>
               </a:ext>
             </a:extLst>
           </p:cNvPr>
@@ -4898,7 +4892,7 @@
     </p:spTree>
     <p:extLst>
       <p:ext uri="{BB962C8B-B14F-4D97-AF65-F5344CB8AC3E}">
-        <p14:creationId xmlns:p14="http://schemas.microsoft.com/office/powerpoint/2010/main" val="878178613"/>
+        <p14:creationId xmlns:p14="http://schemas.microsoft.com/office/powerpoint/2010/main" val="468693063"/>
       </p:ext>
     </p:extLst>
   </p:cSld>
@@ -5066,7 +5060,7 @@
           <a:p>
             <a:fld id="{A80D8A98-079C-403A-A412-5C5BE71F4BC2}" type="datetime1">
               <a:rPr lang="en-US" smtClean="0"/>
-              <a:t>1/23/24</a:t>
+              <a:t>1/23/2024</a:t>
             </a:fld>
             <a:endParaRPr lang="en-US"/>
           </a:p>
@@ -5682,20 +5676,12 @@
                     <a:p>
                       <a:pPr algn="ctr" fontAlgn="base"/>
                       <a:r>
-                        <a:rPr lang="en-IN" sz="1600" dirty="0" err="1">
+                        <a:rPr lang="en-IN" sz="1600">
                           <a:effectLst/>
                           <a:latin typeface="Times New Roman" panose="02020603050405020304" pitchFamily="18" charset="0"/>
                           <a:cs typeface="Times New Roman" panose="02020603050405020304" pitchFamily="18" charset="0"/>
                         </a:rPr>
-                        <a:t>Coauthor</a:t>
-                      </a:r>
-                      <a:r>
-                        <a:rPr lang="en-IN" sz="1600" dirty="0">
-                          <a:effectLst/>
-                          <a:latin typeface="Times New Roman" panose="02020603050405020304" pitchFamily="18" charset="0"/>
-                          <a:cs typeface="Times New Roman" panose="02020603050405020304" pitchFamily="18" charset="0"/>
-                        </a:rPr>
-                        <a:t> Retraction vs. Author Institution</a:t>
+                        <a:t>Coauthor Retraction vs. Author Institution</a:t>
                       </a:r>
                     </a:p>
                   </a:txBody>
@@ -5746,7 +5732,7 @@
                     <a:p>
                       <a:pPr algn="ctr" fontAlgn="base"/>
                       <a:r>
-                        <a:rPr lang="en-IN" sz="1600" dirty="0">
+                        <a:rPr lang="en-IN" sz="1600">
                           <a:effectLst/>
                           <a:latin typeface="Times New Roman" panose="02020603050405020304" pitchFamily="18" charset="0"/>
                           <a:cs typeface="Times New Roman" panose="02020603050405020304" pitchFamily="18" charset="0"/>
@@ -5802,7 +5788,7 @@
                     <a:p>
                       <a:pPr algn="ctr" fontAlgn="base"/>
                       <a:r>
-                        <a:rPr lang="en-IN" sz="1600" dirty="0">
+                        <a:rPr lang="en-IN" sz="1600">
                           <a:effectLst/>
                           <a:latin typeface="Times New Roman" panose="02020603050405020304" pitchFamily="18" charset="0"/>
                           <a:cs typeface="Times New Roman" panose="02020603050405020304" pitchFamily="18" charset="0"/>
@@ -7305,7 +7291,7 @@
           <a:p>
             <a:fld id="{79F34D7C-A14B-46A2-8C46-6148BF5868B6}" type="datetime1">
               <a:rPr lang="en-US" smtClean="0"/>
-              <a:t>1/23/24</a:t>
+              <a:t>1/23/2024</a:t>
             </a:fld>
             <a:endParaRPr lang="en-US"/>
           </a:p>
@@ -7461,7 +7447,7 @@
           <a:p>
             <a:fld id="{A05BBB50-2DF5-47F5-A760-D49EDAD4F016}" type="datetime1">
               <a:rPr lang="en-US" smtClean="0"/>
-              <a:t>1/23/24</a:t>
+              <a:t>1/23/2024</a:t>
             </a:fld>
             <a:endParaRPr lang="en-US"/>
           </a:p>
@@ -7613,7 +7599,7 @@
           <a:p>
             <a:fld id="{86A5193A-CB92-4A40-B9F7-49CDEC8EE6B5}" type="datetime1">
               <a:rPr lang="en-US" smtClean="0"/>
-              <a:t>1/23/24</a:t>
+              <a:t>1/23/2024</a:t>
             </a:fld>
             <a:endParaRPr lang="en-US"/>
           </a:p>
@@ -7764,7 +7750,7 @@
             <a:pPr algn="ctr"/>
             <a:r>
               <a:rPr lang="en-IN" dirty="0"/>
-              <a:t>INSTITUIONAL NETWORKS</a:t>
+              <a:t>INSTITUTIONAL NETWORKS</a:t>
             </a:r>
           </a:p>
         </p:txBody>
@@ -7820,7 +7806,7 @@
           <a:p>
             <a:fld id="{86A5193A-CB92-4A40-B9F7-49CDEC8EE6B5}" type="datetime1">
               <a:rPr lang="en-US" smtClean="0"/>
-              <a:t>1/23/24</a:t>
+              <a:t>1/23/2024</a:t>
             </a:fld>
             <a:endParaRPr lang="en-US"/>
           </a:p>
@@ -7898,14 +7884,14 @@
           <p:nvPr>
             <p:extLst>
               <p:ext uri="{D42A27DB-BD31-4B8C-83A1-F6EECF244321}">
-                <p14:modId xmlns:p14="http://schemas.microsoft.com/office/powerpoint/2010/main" val="3145772578"/>
+                <p14:modId xmlns:p14="http://schemas.microsoft.com/office/powerpoint/2010/main" val="615242114"/>
               </p:ext>
             </p:extLst>
           </p:nvPr>
         </p:nvGraphicFramePr>
         <p:xfrm>
           <a:off x="8516470" y="1162050"/>
-          <a:ext cx="3440579" cy="5284861"/>
+          <a:ext cx="3440579" cy="5284989"/>
         </p:xfrm>
         <a:graphic>
           <a:graphicData uri="http://schemas.openxmlformats.org/drawingml/2006/table">
@@ -7949,7 +7935,7 @@
                       </a:endParaRPr>
                     </a:p>
                   </a:txBody>
-                  <a:tcPr marL="68580" marR="68580" marT="0" marB="0" anchor="b"/>
+                  <a:tcPr marL="68580" marR="68580" marT="0" marB="0" anchor="ctr"/>
                 </a:tc>
                 <a:extLst>
                   <a:ext uri="{0D108BD9-81ED-4DB2-BD59-A6C34878D82A}">
@@ -7984,7 +7970,7 @@
                       </a:endParaRPr>
                     </a:p>
                   </a:txBody>
-                  <a:tcPr marL="68580" marR="68580" marT="0" marB="0" anchor="b"/>
+                  <a:tcPr marL="68580" marR="68580" marT="0" marB="0" anchor="ctr"/>
                 </a:tc>
                 <a:extLst>
                   <a:ext uri="{0D108BD9-81ED-4DB2-BD59-A6C34878D82A}">
@@ -8019,7 +8005,7 @@
                       </a:endParaRPr>
                     </a:p>
                   </a:txBody>
-                  <a:tcPr marL="68580" marR="68580" marT="0" marB="0" anchor="b"/>
+                  <a:tcPr marL="68580" marR="68580" marT="0" marB="0" anchor="ctr"/>
                 </a:tc>
                 <a:extLst>
                   <a:ext uri="{0D108BD9-81ED-4DB2-BD59-A6C34878D82A}">
@@ -8054,7 +8040,7 @@
                       </a:endParaRPr>
                     </a:p>
                   </a:txBody>
-                  <a:tcPr marL="68580" marR="68580" marT="0" marB="0" anchor="b"/>
+                  <a:tcPr marL="68580" marR="68580" marT="0" marB="0" anchor="ctr"/>
                 </a:tc>
                 <a:extLst>
                   <a:ext uri="{0D108BD9-81ED-4DB2-BD59-A6C34878D82A}">
@@ -8089,7 +8075,7 @@
                       </a:endParaRPr>
                     </a:p>
                   </a:txBody>
-                  <a:tcPr marL="68580" marR="68580" marT="0" marB="0" anchor="b"/>
+                  <a:tcPr marL="68580" marR="68580" marT="0" marB="0" anchor="ctr"/>
                 </a:tc>
                 <a:extLst>
                   <a:ext uri="{0D108BD9-81ED-4DB2-BD59-A6C34878D82A}">
@@ -8130,7 +8116,7 @@
                       </a:endParaRPr>
                     </a:p>
                   </a:txBody>
-                  <a:tcPr marL="68580" marR="68580" marT="0" marB="0" anchor="b"/>
+                  <a:tcPr marL="68580" marR="68580" marT="0" marB="0" anchor="ctr"/>
                 </a:tc>
                 <a:extLst>
                   <a:ext uri="{0D108BD9-81ED-4DB2-BD59-A6C34878D82A}">
@@ -8165,7 +8151,7 @@
                       </a:endParaRPr>
                     </a:p>
                   </a:txBody>
-                  <a:tcPr marL="68580" marR="68580" marT="0" marB="0" anchor="b"/>
+                  <a:tcPr marL="68580" marR="68580" marT="0" marB="0" anchor="ctr"/>
                 </a:tc>
                 <a:extLst>
                   <a:ext uri="{0D108BD9-81ED-4DB2-BD59-A6C34878D82A}">
@@ -8188,19 +8174,19 @@
                         </a:spcAft>
                       </a:pPr>
                       <a:r>
-                        <a:rPr lang="en-IN" sz="1200" kern="0">
+                        <a:rPr lang="en-IN" sz="1200" kern="0" dirty="0">
                           <a:effectLst/>
                         </a:rPr>
                         <a:t>Stanford University,  United States</a:t>
                       </a:r>
-                      <a:endParaRPr lang="en-IN" sz="1100" kern="100">
+                      <a:endParaRPr lang="en-IN" sz="1100" kern="100" dirty="0">
                         <a:effectLst/>
                         <a:latin typeface="Times New Roman" panose="02020603050405020304" pitchFamily="18" charset="0"/>
                         <a:ea typeface="Calibri" panose="020F0502020204030204" pitchFamily="34" charset="0"/>
                       </a:endParaRPr>
                     </a:p>
                   </a:txBody>
-                  <a:tcPr marL="68580" marR="68580" marT="0" marB="0" anchor="b"/>
+                  <a:tcPr marL="68580" marR="68580" marT="0" marB="0" anchor="ctr"/>
                 </a:tc>
                 <a:extLst>
                   <a:ext uri="{0D108BD9-81ED-4DB2-BD59-A6C34878D82A}">
@@ -8235,7 +8221,7 @@
                       </a:endParaRPr>
                     </a:p>
                   </a:txBody>
-                  <a:tcPr marL="68580" marR="68580" marT="0" marB="0" anchor="b"/>
+                  <a:tcPr marL="68580" marR="68580" marT="0" marB="0" anchor="ctr"/>
                 </a:tc>
                 <a:extLst>
                   <a:ext uri="{0D108BD9-81ED-4DB2-BD59-A6C34878D82A}">
@@ -8270,7 +8256,7 @@
                       </a:endParaRPr>
                     </a:p>
                   </a:txBody>
-                  <a:tcPr marL="68580" marR="68580" marT="0" marB="0" anchor="b"/>
+                  <a:tcPr marL="68580" marR="68580" marT="0" marB="0" anchor="ctr"/>
                 </a:tc>
                 <a:extLst>
                   <a:ext uri="{0D108BD9-81ED-4DB2-BD59-A6C34878D82A}">
@@ -8305,7 +8291,7 @@
                       </a:endParaRPr>
                     </a:p>
                   </a:txBody>
-                  <a:tcPr marL="68580" marR="68580" marT="0" marB="0" anchor="b"/>
+                  <a:tcPr marL="68580" marR="68580" marT="0" marB="0" anchor="ctr"/>
                 </a:tc>
                 <a:extLst>
                   <a:ext uri="{0D108BD9-81ED-4DB2-BD59-A6C34878D82A}">
@@ -8340,7 +8326,7 @@
                       </a:endParaRPr>
                     </a:p>
                   </a:txBody>
-                  <a:tcPr marL="68580" marR="68580" marT="0" marB="0" anchor="b"/>
+                  <a:tcPr marL="68580" marR="68580" marT="0" marB="0" anchor="ctr"/>
                 </a:tc>
                 <a:extLst>
                   <a:ext uri="{0D108BD9-81ED-4DB2-BD59-A6C34878D82A}">
@@ -8375,7 +8361,7 @@
                       </a:endParaRPr>
                     </a:p>
                   </a:txBody>
-                  <a:tcPr marL="68580" marR="68580" marT="0" marB="0" anchor="b"/>
+                  <a:tcPr marL="68580" marR="68580" marT="0" marB="0" anchor="ctr"/>
                 </a:tc>
                 <a:extLst>
                   <a:ext uri="{0D108BD9-81ED-4DB2-BD59-A6C34878D82A}">
@@ -8410,7 +8396,7 @@
                       </a:endParaRPr>
                     </a:p>
                   </a:txBody>
-                  <a:tcPr marL="68580" marR="68580" marT="0" marB="0" anchor="b"/>
+                  <a:tcPr marL="68580" marR="68580" marT="0" marB="0" anchor="ctr"/>
                 </a:tc>
                 <a:extLst>
                   <a:ext uri="{0D108BD9-81ED-4DB2-BD59-A6C34878D82A}">
@@ -8445,7 +8431,7 @@
                       </a:endParaRPr>
                     </a:p>
                   </a:txBody>
-                  <a:tcPr marL="68580" marR="68580" marT="0" marB="0" anchor="b"/>
+                  <a:tcPr marL="68580" marR="68580" marT="0" marB="0" anchor="ctr"/>
                 </a:tc>
                 <a:extLst>
                   <a:ext uri="{0D108BD9-81ED-4DB2-BD59-A6C34878D82A}">
@@ -8480,7 +8466,7 @@
                       </a:endParaRPr>
                     </a:p>
                   </a:txBody>
-                  <a:tcPr marL="68580" marR="68580" marT="0" marB="0" anchor="b"/>
+                  <a:tcPr marL="68580" marR="68580" marT="0" marB="0" anchor="ctr"/>
                 </a:tc>
                 <a:extLst>
                   <a:ext uri="{0D108BD9-81ED-4DB2-BD59-A6C34878D82A}">
@@ -8515,7 +8501,7 @@
                       </a:endParaRPr>
                     </a:p>
                   </a:txBody>
-                  <a:tcPr marL="68580" marR="68580" marT="0" marB="0" anchor="b"/>
+                  <a:tcPr marL="68580" marR="68580" marT="0" marB="0" anchor="ctr"/>
                 </a:tc>
                 <a:extLst>
                   <a:ext uri="{0D108BD9-81ED-4DB2-BD59-A6C34878D82A}">
@@ -8580,7 +8566,7 @@
           <a:p>
             <a:fld id="{86A5193A-CB92-4A40-B9F7-49CDEC8EE6B5}" type="datetime1">
               <a:rPr lang="en-US" smtClean="0"/>
-              <a:t>1/23/24</a:t>
+              <a:t>1/23/2024</a:t>
             </a:fld>
             <a:endParaRPr lang="en-US"/>
           </a:p>
@@ -8674,7 +8660,7 @@
             <a:pPr algn="ctr"/>
             <a:r>
               <a:rPr lang="en-IN" dirty="0"/>
-              <a:t>JOURNALS PRODCUTIVITY</a:t>
+              <a:t>JOURNALS PRODUCTIVITY</a:t>
             </a:r>
           </a:p>
         </p:txBody>
@@ -8694,7 +8680,7 @@
           <p:nvPr>
             <p:extLst>
               <p:ext uri="{D42A27DB-BD31-4B8C-83A1-F6EECF244321}">
-                <p14:modId xmlns:p14="http://schemas.microsoft.com/office/powerpoint/2010/main" val="3025320361"/>
+                <p14:modId xmlns:p14="http://schemas.microsoft.com/office/powerpoint/2010/main" val="2676196320"/>
               </p:ext>
             </p:extLst>
           </p:nvPr>
@@ -8755,14 +8741,14 @@
                       </a:endParaRPr>
                     </a:p>
                   </a:txBody>
-                  <a:tcPr marL="56273" marR="56273" marT="0" marB="0" anchor="b"/>
-                </a:tc>
-                <a:tc>
-                  <a:txBody>
-                    <a:bodyPr/>
-                    <a:lstStyle/>
-                    <a:p>
-                      <a:pPr>
+                  <a:tcPr marL="56273" marR="56273" marT="0" marB="0" anchor="ctr"/>
+                </a:tc>
+                <a:tc>
+                  <a:txBody>
+                    <a:bodyPr/>
+                    <a:lstStyle/>
+                    <a:p>
+                      <a:pPr algn="ctr">
                         <a:lnSpc>
                           <a:spcPct val="107000"/>
                         </a:lnSpc>
@@ -8786,7 +8772,7 @@
                       </a:endParaRPr>
                     </a:p>
                   </a:txBody>
-                  <a:tcPr marL="56273" marR="56273" marT="0" marB="0" anchor="b"/>
+                  <a:tcPr marL="56273" marR="56273" marT="0" marB="0" anchor="ctr"/>
                 </a:tc>
                 <a:extLst>
                   <a:ext uri="{0D108BD9-81ED-4DB2-BD59-A6C34878D82A}">
@@ -8824,7 +8810,7 @@
                       </a:endParaRPr>
                     </a:p>
                   </a:txBody>
-                  <a:tcPr marL="56273" marR="56273" marT="0" marB="0" anchor="b"/>
+                  <a:tcPr marL="56273" marR="56273" marT="0" marB="0" anchor="ctr"/>
                 </a:tc>
                 <a:tc>
                   <a:txBody>
@@ -8855,7 +8841,7 @@
                       </a:endParaRPr>
                     </a:p>
                   </a:txBody>
-                  <a:tcPr marL="56273" marR="56273" marT="0" marB="0" anchor="b"/>
+                  <a:tcPr marL="56273" marR="56273" marT="0" marB="0" anchor="ctr"/>
                 </a:tc>
                 <a:extLst>
                   <a:ext uri="{0D108BD9-81ED-4DB2-BD59-A6C34878D82A}">
@@ -8893,7 +8879,7 @@
                       </a:endParaRPr>
                     </a:p>
                   </a:txBody>
-                  <a:tcPr marL="56273" marR="56273" marT="0" marB="0" anchor="b"/>
+                  <a:tcPr marL="56273" marR="56273" marT="0" marB="0" anchor="ctr"/>
                 </a:tc>
                 <a:tc>
                   <a:txBody>
@@ -8924,7 +8910,7 @@
                       </a:endParaRPr>
                     </a:p>
                   </a:txBody>
-                  <a:tcPr marL="56273" marR="56273" marT="0" marB="0" anchor="b"/>
+                  <a:tcPr marL="56273" marR="56273" marT="0" marB="0" anchor="ctr"/>
                 </a:tc>
                 <a:extLst>
                   <a:ext uri="{0D108BD9-81ED-4DB2-BD59-A6C34878D82A}">
@@ -8962,7 +8948,7 @@
                       </a:endParaRPr>
                     </a:p>
                   </a:txBody>
-                  <a:tcPr marL="56273" marR="56273" marT="0" marB="0" anchor="b"/>
+                  <a:tcPr marL="56273" marR="56273" marT="0" marB="0" anchor="ctr"/>
                 </a:tc>
                 <a:tc>
                   <a:txBody>
@@ -8993,7 +8979,7 @@
                       </a:endParaRPr>
                     </a:p>
                   </a:txBody>
-                  <a:tcPr marL="56273" marR="56273" marT="0" marB="0" anchor="b"/>
+                  <a:tcPr marL="56273" marR="56273" marT="0" marB="0" anchor="ctr"/>
                 </a:tc>
                 <a:extLst>
                   <a:ext uri="{0D108BD9-81ED-4DB2-BD59-A6C34878D82A}">
@@ -9031,7 +9017,7 @@
                       </a:endParaRPr>
                     </a:p>
                   </a:txBody>
-                  <a:tcPr marL="56273" marR="56273" marT="0" marB="0" anchor="b"/>
+                  <a:tcPr marL="56273" marR="56273" marT="0" marB="0" anchor="ctr"/>
                 </a:tc>
                 <a:tc>
                   <a:txBody>
@@ -9062,7 +9048,7 @@
                       </a:endParaRPr>
                     </a:p>
                   </a:txBody>
-                  <a:tcPr marL="56273" marR="56273" marT="0" marB="0" anchor="b"/>
+                  <a:tcPr marL="56273" marR="56273" marT="0" marB="0" anchor="ctr"/>
                 </a:tc>
                 <a:extLst>
                   <a:ext uri="{0D108BD9-81ED-4DB2-BD59-A6C34878D82A}">
@@ -9100,7 +9086,7 @@
                       </a:endParaRPr>
                     </a:p>
                   </a:txBody>
-                  <a:tcPr marL="56273" marR="56273" marT="0" marB="0" anchor="b"/>
+                  <a:tcPr marL="56273" marR="56273" marT="0" marB="0" anchor="ctr"/>
                 </a:tc>
                 <a:tc>
                   <a:txBody>
@@ -9131,7 +9117,7 @@
                       </a:endParaRPr>
                     </a:p>
                   </a:txBody>
-                  <a:tcPr marL="56273" marR="56273" marT="0" marB="0" anchor="b"/>
+                  <a:tcPr marL="56273" marR="56273" marT="0" marB="0" anchor="ctr"/>
                 </a:tc>
                 <a:extLst>
                   <a:ext uri="{0D108BD9-81ED-4DB2-BD59-A6C34878D82A}">
@@ -9169,7 +9155,7 @@
                       </a:endParaRPr>
                     </a:p>
                   </a:txBody>
-                  <a:tcPr marL="56273" marR="56273" marT="0" marB="0" anchor="b"/>
+                  <a:tcPr marL="56273" marR="56273" marT="0" marB="0" anchor="ctr"/>
                 </a:tc>
                 <a:tc>
                   <a:txBody>
@@ -9200,7 +9186,7 @@
                       </a:endParaRPr>
                     </a:p>
                   </a:txBody>
-                  <a:tcPr marL="56273" marR="56273" marT="0" marB="0" anchor="b"/>
+                  <a:tcPr marL="56273" marR="56273" marT="0" marB="0" anchor="ctr"/>
                 </a:tc>
                 <a:extLst>
                   <a:ext uri="{0D108BD9-81ED-4DB2-BD59-A6C34878D82A}">
@@ -9238,7 +9224,7 @@
                       </a:endParaRPr>
                     </a:p>
                   </a:txBody>
-                  <a:tcPr marL="56273" marR="56273" marT="0" marB="0" anchor="b"/>
+                  <a:tcPr marL="56273" marR="56273" marT="0" marB="0" anchor="ctr"/>
                 </a:tc>
                 <a:tc>
                   <a:txBody>
@@ -9269,7 +9255,7 @@
                       </a:endParaRPr>
                     </a:p>
                   </a:txBody>
-                  <a:tcPr marL="56273" marR="56273" marT="0" marB="0" anchor="b"/>
+                  <a:tcPr marL="56273" marR="56273" marT="0" marB="0" anchor="ctr"/>
                 </a:tc>
                 <a:extLst>
                   <a:ext uri="{0D108BD9-81ED-4DB2-BD59-A6C34878D82A}">
@@ -9307,7 +9293,7 @@
                       </a:endParaRPr>
                     </a:p>
                   </a:txBody>
-                  <a:tcPr marL="56273" marR="56273" marT="0" marB="0" anchor="b"/>
+                  <a:tcPr marL="56273" marR="56273" marT="0" marB="0" anchor="ctr"/>
                 </a:tc>
                 <a:tc>
                   <a:txBody>
@@ -9338,7 +9324,7 @@
                       </a:endParaRPr>
                     </a:p>
                   </a:txBody>
-                  <a:tcPr marL="56273" marR="56273" marT="0" marB="0" anchor="b"/>
+                  <a:tcPr marL="56273" marR="56273" marT="0" marB="0" anchor="ctr"/>
                 </a:tc>
                 <a:extLst>
                   <a:ext uri="{0D108BD9-81ED-4DB2-BD59-A6C34878D82A}">
@@ -9376,7 +9362,7 @@
                       </a:endParaRPr>
                     </a:p>
                   </a:txBody>
-                  <a:tcPr marL="56273" marR="56273" marT="0" marB="0" anchor="b"/>
+                  <a:tcPr marL="56273" marR="56273" marT="0" marB="0" anchor="ctr"/>
                 </a:tc>
                 <a:tc>
                   <a:txBody>
@@ -9407,7 +9393,7 @@
                       </a:endParaRPr>
                     </a:p>
                   </a:txBody>
-                  <a:tcPr marL="56273" marR="56273" marT="0" marB="0" anchor="b"/>
+                  <a:tcPr marL="56273" marR="56273" marT="0" marB="0" anchor="ctr"/>
                 </a:tc>
                 <a:extLst>
                   <a:ext uri="{0D108BD9-81ED-4DB2-BD59-A6C34878D82A}">
@@ -9445,7 +9431,7 @@
                       </a:endParaRPr>
                     </a:p>
                   </a:txBody>
-                  <a:tcPr marL="56273" marR="56273" marT="0" marB="0" anchor="b"/>
+                  <a:tcPr marL="56273" marR="56273" marT="0" marB="0" anchor="ctr"/>
                 </a:tc>
                 <a:tc>
                   <a:txBody>
@@ -9476,7 +9462,7 @@
                       </a:endParaRPr>
                     </a:p>
                   </a:txBody>
-                  <a:tcPr marL="56273" marR="56273" marT="0" marB="0" anchor="b"/>
+                  <a:tcPr marL="56273" marR="56273" marT="0" marB="0" anchor="ctr"/>
                 </a:tc>
                 <a:extLst>
                   <a:ext uri="{0D108BD9-81ED-4DB2-BD59-A6C34878D82A}">
@@ -9514,7 +9500,7 @@
                       </a:endParaRPr>
                     </a:p>
                   </a:txBody>
-                  <a:tcPr marL="56273" marR="56273" marT="0" marB="0" anchor="b"/>
+                  <a:tcPr marL="56273" marR="56273" marT="0" marB="0" anchor="ctr"/>
                 </a:tc>
                 <a:tc>
                   <a:txBody>
@@ -9545,7 +9531,7 @@
                       </a:endParaRPr>
                     </a:p>
                   </a:txBody>
-                  <a:tcPr marL="56273" marR="56273" marT="0" marB="0" anchor="b"/>
+                  <a:tcPr marL="56273" marR="56273" marT="0" marB="0" anchor="ctr"/>
                 </a:tc>
                 <a:extLst>
                   <a:ext uri="{0D108BD9-81ED-4DB2-BD59-A6C34878D82A}">
@@ -9583,7 +9569,7 @@
                       </a:endParaRPr>
                     </a:p>
                   </a:txBody>
-                  <a:tcPr marL="56273" marR="56273" marT="0" marB="0" anchor="b"/>
+                  <a:tcPr marL="56273" marR="56273" marT="0" marB="0" anchor="ctr"/>
                 </a:tc>
                 <a:tc>
                   <a:txBody>
@@ -9614,7 +9600,7 @@
                       </a:endParaRPr>
                     </a:p>
                   </a:txBody>
-                  <a:tcPr marL="56273" marR="56273" marT="0" marB="0" anchor="b"/>
+                  <a:tcPr marL="56273" marR="56273" marT="0" marB="0" anchor="ctr"/>
                 </a:tc>
                 <a:extLst>
                   <a:ext uri="{0D108BD9-81ED-4DB2-BD59-A6C34878D82A}">
@@ -9652,7 +9638,7 @@
                       </a:endParaRPr>
                     </a:p>
                   </a:txBody>
-                  <a:tcPr marL="56273" marR="56273" marT="0" marB="0" anchor="b"/>
+                  <a:tcPr marL="56273" marR="56273" marT="0" marB="0" anchor="ctr"/>
                 </a:tc>
                 <a:tc>
                   <a:txBody>
@@ -9683,7 +9669,7 @@
                       </a:endParaRPr>
                     </a:p>
                   </a:txBody>
-                  <a:tcPr marL="56273" marR="56273" marT="0" marB="0" anchor="b"/>
+                  <a:tcPr marL="56273" marR="56273" marT="0" marB="0" anchor="ctr"/>
                 </a:tc>
                 <a:extLst>
                   <a:ext uri="{0D108BD9-81ED-4DB2-BD59-A6C34878D82A}">
@@ -9721,7 +9707,7 @@
                       </a:endParaRPr>
                     </a:p>
                   </a:txBody>
-                  <a:tcPr marL="56273" marR="56273" marT="0" marB="0" anchor="b"/>
+                  <a:tcPr marL="56273" marR="56273" marT="0" marB="0" anchor="ctr"/>
                 </a:tc>
                 <a:tc>
                   <a:txBody>
@@ -9752,7 +9738,7 @@
                       </a:endParaRPr>
                     </a:p>
                   </a:txBody>
-                  <a:tcPr marL="56273" marR="56273" marT="0" marB="0" anchor="b"/>
+                  <a:tcPr marL="56273" marR="56273" marT="0" marB="0" anchor="ctr"/>
                 </a:tc>
                 <a:extLst>
                   <a:ext uri="{0D108BD9-81ED-4DB2-BD59-A6C34878D82A}">
@@ -9790,7 +9776,7 @@
                       </a:endParaRPr>
                     </a:p>
                   </a:txBody>
-                  <a:tcPr marL="56273" marR="56273" marT="0" marB="0" anchor="b"/>
+                  <a:tcPr marL="56273" marR="56273" marT="0" marB="0" anchor="ctr"/>
                 </a:tc>
                 <a:tc>
                   <a:txBody>
@@ -9821,7 +9807,7 @@
                       </a:endParaRPr>
                     </a:p>
                   </a:txBody>
-                  <a:tcPr marL="56273" marR="56273" marT="0" marB="0" anchor="b"/>
+                  <a:tcPr marL="56273" marR="56273" marT="0" marB="0" anchor="ctr"/>
                 </a:tc>
                 <a:extLst>
                   <a:ext uri="{0D108BD9-81ED-4DB2-BD59-A6C34878D82A}">
@@ -9859,7 +9845,7 @@
                       </a:endParaRPr>
                     </a:p>
                   </a:txBody>
-                  <a:tcPr marL="56273" marR="56273" marT="0" marB="0" anchor="b"/>
+                  <a:tcPr marL="56273" marR="56273" marT="0" marB="0" anchor="ctr"/>
                 </a:tc>
                 <a:tc>
                   <a:txBody>
@@ -9890,7 +9876,7 @@
                       </a:endParaRPr>
                     </a:p>
                   </a:txBody>
-                  <a:tcPr marL="56273" marR="56273" marT="0" marB="0" anchor="b"/>
+                  <a:tcPr marL="56273" marR="56273" marT="0" marB="0" anchor="ctr"/>
                 </a:tc>
                 <a:extLst>
                   <a:ext uri="{0D108BD9-81ED-4DB2-BD59-A6C34878D82A}">
@@ -9928,7 +9914,7 @@
                       </a:endParaRPr>
                     </a:p>
                   </a:txBody>
-                  <a:tcPr marL="56273" marR="56273" marT="0" marB="0" anchor="b"/>
+                  <a:tcPr marL="56273" marR="56273" marT="0" marB="0" anchor="ctr"/>
                 </a:tc>
                 <a:tc>
                   <a:txBody>
@@ -9959,7 +9945,7 @@
                       </a:endParaRPr>
                     </a:p>
                   </a:txBody>
-                  <a:tcPr marL="56273" marR="56273" marT="0" marB="0" anchor="b"/>
+                  <a:tcPr marL="56273" marR="56273" marT="0" marB="0" anchor="ctr"/>
                 </a:tc>
                 <a:extLst>
                   <a:ext uri="{0D108BD9-81ED-4DB2-BD59-A6C34878D82A}">
@@ -9997,7 +9983,7 @@
                       </a:endParaRPr>
                     </a:p>
                   </a:txBody>
-                  <a:tcPr marL="56273" marR="56273" marT="0" marB="0" anchor="b"/>
+                  <a:tcPr marL="56273" marR="56273" marT="0" marB="0" anchor="ctr"/>
                 </a:tc>
                 <a:tc>
                   <a:txBody>
@@ -10028,7 +10014,7 @@
                       </a:endParaRPr>
                     </a:p>
                   </a:txBody>
-                  <a:tcPr marL="56273" marR="56273" marT="0" marB="0" anchor="b"/>
+                  <a:tcPr marL="56273" marR="56273" marT="0" marB="0" anchor="ctr"/>
                 </a:tc>
                 <a:extLst>
                   <a:ext uri="{0D108BD9-81ED-4DB2-BD59-A6C34878D82A}">
@@ -10066,7 +10052,7 @@
                       </a:endParaRPr>
                     </a:p>
                   </a:txBody>
-                  <a:tcPr marL="56273" marR="56273" marT="0" marB="0" anchor="b"/>
+                  <a:tcPr marL="56273" marR="56273" marT="0" marB="0" anchor="ctr"/>
                 </a:tc>
                 <a:tc>
                   <a:txBody>
@@ -10097,7 +10083,7 @@
                       </a:endParaRPr>
                     </a:p>
                   </a:txBody>
-                  <a:tcPr marL="56273" marR="56273" marT="0" marB="0" anchor="b"/>
+                  <a:tcPr marL="56273" marR="56273" marT="0" marB="0" anchor="ctr"/>
                 </a:tc>
                 <a:extLst>
                   <a:ext uri="{0D108BD9-81ED-4DB2-BD59-A6C34878D82A}">
@@ -10135,7 +10121,7 @@
                       </a:endParaRPr>
                     </a:p>
                   </a:txBody>
-                  <a:tcPr marL="56273" marR="56273" marT="0" marB="0" anchor="b"/>
+                  <a:tcPr marL="56273" marR="56273" marT="0" marB="0" anchor="ctr"/>
                 </a:tc>
                 <a:tc>
                   <a:txBody>
@@ -10166,7 +10152,7 @@
                       </a:endParaRPr>
                     </a:p>
                   </a:txBody>
-                  <a:tcPr marL="56273" marR="56273" marT="0" marB="0" anchor="b"/>
+                  <a:tcPr marL="56273" marR="56273" marT="0" marB="0" anchor="ctr"/>
                 </a:tc>
                 <a:extLst>
                   <a:ext uri="{0D108BD9-81ED-4DB2-BD59-A6C34878D82A}">
@@ -10204,7 +10190,7 @@
                       </a:endParaRPr>
                     </a:p>
                   </a:txBody>
-                  <a:tcPr marL="56273" marR="56273" marT="0" marB="0" anchor="b"/>
+                  <a:tcPr marL="56273" marR="56273" marT="0" marB="0" anchor="ctr"/>
                 </a:tc>
                 <a:tc>
                   <a:txBody>
@@ -10235,7 +10221,7 @@
                       </a:endParaRPr>
                     </a:p>
                   </a:txBody>
-                  <a:tcPr marL="56273" marR="56273" marT="0" marB="0" anchor="b"/>
+                  <a:tcPr marL="56273" marR="56273" marT="0" marB="0" anchor="ctr"/>
                 </a:tc>
                 <a:extLst>
                   <a:ext uri="{0D108BD9-81ED-4DB2-BD59-A6C34878D82A}">
@@ -10273,7 +10259,7 @@
                       </a:endParaRPr>
                     </a:p>
                   </a:txBody>
-                  <a:tcPr marL="56273" marR="56273" marT="0" marB="0" anchor="b"/>
+                  <a:tcPr marL="56273" marR="56273" marT="0" marB="0" anchor="ctr"/>
                 </a:tc>
                 <a:tc>
                   <a:txBody>
@@ -10304,7 +10290,7 @@
                       </a:endParaRPr>
                     </a:p>
                   </a:txBody>
-                  <a:tcPr marL="56273" marR="56273" marT="0" marB="0" anchor="b"/>
+                  <a:tcPr marL="56273" marR="56273" marT="0" marB="0" anchor="ctr"/>
                 </a:tc>
                 <a:extLst>
                   <a:ext uri="{0D108BD9-81ED-4DB2-BD59-A6C34878D82A}">
@@ -10342,7 +10328,7 @@
                       </a:endParaRPr>
                     </a:p>
                   </a:txBody>
-                  <a:tcPr marL="56273" marR="56273" marT="0" marB="0" anchor="b"/>
+                  <a:tcPr marL="56273" marR="56273" marT="0" marB="0" anchor="ctr"/>
                 </a:tc>
                 <a:tc>
                   <a:txBody>
@@ -10373,7 +10359,7 @@
                       </a:endParaRPr>
                     </a:p>
                   </a:txBody>
-                  <a:tcPr marL="56273" marR="56273" marT="0" marB="0" anchor="b"/>
+                  <a:tcPr marL="56273" marR="56273" marT="0" marB="0" anchor="ctr"/>
                 </a:tc>
                 <a:extLst>
                   <a:ext uri="{0D108BD9-81ED-4DB2-BD59-A6C34878D82A}">
@@ -10411,7 +10397,7 @@
                       </a:endParaRPr>
                     </a:p>
                   </a:txBody>
-                  <a:tcPr marL="56273" marR="56273" marT="0" marB="0" anchor="b"/>
+                  <a:tcPr marL="56273" marR="56273" marT="0" marB="0" anchor="ctr"/>
                 </a:tc>
                 <a:tc>
                   <a:txBody>
@@ -10442,7 +10428,7 @@
                       </a:endParaRPr>
                     </a:p>
                   </a:txBody>
-                  <a:tcPr marL="56273" marR="56273" marT="0" marB="0" anchor="b"/>
+                  <a:tcPr marL="56273" marR="56273" marT="0" marB="0" anchor="ctr"/>
                 </a:tc>
                 <a:extLst>
                   <a:ext uri="{0D108BD9-81ED-4DB2-BD59-A6C34878D82A}">
@@ -10480,7 +10466,7 @@
                       </a:endParaRPr>
                     </a:p>
                   </a:txBody>
-                  <a:tcPr marL="56273" marR="56273" marT="0" marB="0" anchor="b"/>
+                  <a:tcPr marL="56273" marR="56273" marT="0" marB="0" anchor="ctr"/>
                 </a:tc>
                 <a:tc>
                   <a:txBody>
@@ -10511,7 +10497,7 @@
                       </a:endParaRPr>
                     </a:p>
                   </a:txBody>
-                  <a:tcPr marL="56273" marR="56273" marT="0" marB="0" anchor="b"/>
+                  <a:tcPr marL="56273" marR="56273" marT="0" marB="0" anchor="ctr"/>
                 </a:tc>
                 <a:extLst>
                   <a:ext uri="{0D108BD9-81ED-4DB2-BD59-A6C34878D82A}">
@@ -10549,7 +10535,7 @@
                       </a:endParaRPr>
                     </a:p>
                   </a:txBody>
-                  <a:tcPr marL="56273" marR="56273" marT="0" marB="0" anchor="b"/>
+                  <a:tcPr marL="56273" marR="56273" marT="0" marB="0" anchor="ctr"/>
                 </a:tc>
                 <a:tc>
                   <a:txBody>
@@ -10580,7 +10566,7 @@
                       </a:endParaRPr>
                     </a:p>
                   </a:txBody>
-                  <a:tcPr marL="56273" marR="56273" marT="0" marB="0" anchor="b"/>
+                  <a:tcPr marL="56273" marR="56273" marT="0" marB="0" anchor="ctr"/>
                 </a:tc>
                 <a:extLst>
                   <a:ext uri="{0D108BD9-81ED-4DB2-BD59-A6C34878D82A}">
@@ -10681,7 +10667,7 @@
           <a:p>
             <a:fld id="{A4875C43-ACB0-4BC8-8493-8ED843546DB3}" type="datetime1">
               <a:rPr lang="en-US" smtClean="0"/>
-              <a:t>1/23/24</a:t>
+              <a:t>1/23/2024</a:t>
             </a:fld>
             <a:endParaRPr lang="en-US"/>
           </a:p>
@@ -10831,7 +10817,7 @@
           <a:p>
             <a:fld id="{4DD0CBD0-F225-48F0-AD48-2AC179EF640E}" type="datetime1">
               <a:rPr lang="en-US" smtClean="0"/>
-              <a:t>1/23/24</a:t>
+              <a:t>1/23/2024</a:t>
             </a:fld>
             <a:endParaRPr lang="en-US"/>
           </a:p>
@@ -11130,7 +11116,7 @@
           <a:p>
             <a:fld id="{2D09266A-CE55-4872-8328-927363670159}" type="datetime1">
               <a:rPr lang="en-US" smtClean="0"/>
-              <a:t>1/23/24</a:t>
+              <a:t>1/23/2024</a:t>
             </a:fld>
             <a:endParaRPr lang="en-US"/>
           </a:p>
@@ -11207,176 +11193,6 @@
 </file>
 
 <file path=ppt/slides/slide20.xml><?xml version="1.0" encoding="utf-8"?>
-<p:sld xmlns:a="http://schemas.openxmlformats.org/drawingml/2006/main" xmlns:r="http://schemas.openxmlformats.org/officeDocument/2006/relationships" xmlns:p="http://schemas.openxmlformats.org/presentationml/2006/main">
-  <p:cSld>
-    <p:spTree>
-      <p:nvGrpSpPr>
-        <p:cNvPr id="1" name=""/>
-        <p:cNvGrpSpPr/>
-        <p:nvPr/>
-      </p:nvGrpSpPr>
-      <p:grpSpPr>
-        <a:xfrm>
-          <a:off x="0" y="0"/>
-          <a:ext cx="0" cy="0"/>
-          <a:chOff x="0" y="0"/>
-          <a:chExt cx="0" cy="0"/>
-        </a:xfrm>
-      </p:grpSpPr>
-      <p:sp>
-        <p:nvSpPr>
-          <p:cNvPr id="2" name="Title 1">
-            <a:extLst>
-              <a:ext uri="{FF2B5EF4-FFF2-40B4-BE49-F238E27FC236}">
-                <a16:creationId xmlns:a16="http://schemas.microsoft.com/office/drawing/2014/main" id="{B12C9296-A8EE-2A92-935D-A3C8445F1E4C}"/>
-              </a:ext>
-            </a:extLst>
-          </p:cNvPr>
-          <p:cNvSpPr>
-            <a:spLocks noGrp="1"/>
-          </p:cNvSpPr>
-          <p:nvPr>
-            <p:ph type="title"/>
-          </p:nvPr>
-        </p:nvSpPr>
-        <p:spPr/>
-        <p:txBody>
-          <a:bodyPr/>
-          <a:lstStyle/>
-          <a:p>
-            <a:pPr algn="ctr"/>
-            <a:r>
-              <a:rPr lang="en-IN" dirty="0"/>
-              <a:t>NORMATIVE POWER</a:t>
-            </a:r>
-          </a:p>
-        </p:txBody>
-      </p:sp>
-      <p:sp>
-        <p:nvSpPr>
-          <p:cNvPr id="3" name="Content Placeholder 2">
-            <a:extLst>
-              <a:ext uri="{FF2B5EF4-FFF2-40B4-BE49-F238E27FC236}">
-                <a16:creationId xmlns:a16="http://schemas.microsoft.com/office/drawing/2014/main" id="{DF8A595B-523E-5EDE-C939-F745441D2A9E}"/>
-              </a:ext>
-            </a:extLst>
-          </p:cNvPr>
-          <p:cNvSpPr>
-            <a:spLocks noGrp="1"/>
-          </p:cNvSpPr>
-          <p:nvPr>
-            <p:ph idx="1"/>
-          </p:nvPr>
-        </p:nvSpPr>
-        <p:spPr/>
-        <p:txBody>
-          <a:bodyPr/>
-          <a:lstStyle/>
-          <a:p>
-            <a:endParaRPr lang="en-IN" dirty="0"/>
-          </a:p>
-        </p:txBody>
-      </p:sp>
-      <p:sp>
-        <p:nvSpPr>
-          <p:cNvPr id="4" name="Date Placeholder 3">
-            <a:extLst>
-              <a:ext uri="{FF2B5EF4-FFF2-40B4-BE49-F238E27FC236}">
-                <a16:creationId xmlns:a16="http://schemas.microsoft.com/office/drawing/2014/main" id="{ED9BE520-3E90-F433-D172-54BAEC9EC2D8}"/>
-              </a:ext>
-            </a:extLst>
-          </p:cNvPr>
-          <p:cNvSpPr>
-            <a:spLocks noGrp="1"/>
-          </p:cNvSpPr>
-          <p:nvPr>
-            <p:ph type="dt" sz="half" idx="10"/>
-          </p:nvPr>
-        </p:nvSpPr>
-        <p:spPr/>
-        <p:txBody>
-          <a:bodyPr/>
-          <a:lstStyle/>
-          <a:p>
-            <a:fld id="{4DD0CBD0-F225-48F0-AD48-2AC179EF640E}" type="datetime1">
-              <a:rPr lang="en-US" smtClean="0"/>
-              <a:t>1/23/24</a:t>
-            </a:fld>
-            <a:endParaRPr lang="en-US"/>
-          </a:p>
-        </p:txBody>
-      </p:sp>
-      <p:sp>
-        <p:nvSpPr>
-          <p:cNvPr id="5" name="Footer Placeholder 4">
-            <a:extLst>
-              <a:ext uri="{FF2B5EF4-FFF2-40B4-BE49-F238E27FC236}">
-                <a16:creationId xmlns:a16="http://schemas.microsoft.com/office/drawing/2014/main" id="{14C24175-D68B-0F72-F814-AD77467810B7}"/>
-              </a:ext>
-            </a:extLst>
-          </p:cNvPr>
-          <p:cNvSpPr>
-            <a:spLocks noGrp="1"/>
-          </p:cNvSpPr>
-          <p:nvPr>
-            <p:ph type="ftr" sz="quarter" idx="11"/>
-          </p:nvPr>
-        </p:nvSpPr>
-        <p:spPr/>
-        <p:txBody>
-          <a:bodyPr/>
-          <a:lstStyle/>
-          <a:p>
-            <a:r>
-              <a:rPr lang="en-US"/>
-              <a:t>BROWN BAG|IIMS</a:t>
-            </a:r>
-          </a:p>
-        </p:txBody>
-      </p:sp>
-      <p:sp>
-        <p:nvSpPr>
-          <p:cNvPr id="6" name="Slide Number Placeholder 5">
-            <a:extLst>
-              <a:ext uri="{FF2B5EF4-FFF2-40B4-BE49-F238E27FC236}">
-                <a16:creationId xmlns:a16="http://schemas.microsoft.com/office/drawing/2014/main" id="{211BFDC6-4D9B-D0F1-4B33-F1634E2C2FD3}"/>
-              </a:ext>
-            </a:extLst>
-          </p:cNvPr>
-          <p:cNvSpPr>
-            <a:spLocks noGrp="1"/>
-          </p:cNvSpPr>
-          <p:nvPr>
-            <p:ph type="sldNum" sz="quarter" idx="12"/>
-          </p:nvPr>
-        </p:nvSpPr>
-        <p:spPr/>
-        <p:txBody>
-          <a:bodyPr/>
-          <a:lstStyle/>
-          <a:p>
-            <a:fld id="{62FDF4A2-3B16-5247-BC69-FC3C09D83126}" type="slidenum">
-              <a:rPr lang="en-US" smtClean="0"/>
-              <a:t>20</a:t>
-            </a:fld>
-            <a:endParaRPr lang="en-US"/>
-          </a:p>
-        </p:txBody>
-      </p:sp>
-    </p:spTree>
-    <p:extLst>
-      <p:ext uri="{BB962C8B-B14F-4D97-AF65-F5344CB8AC3E}">
-        <p14:creationId xmlns:p14="http://schemas.microsoft.com/office/powerpoint/2010/main" val="3863225025"/>
-      </p:ext>
-    </p:extLst>
-  </p:cSld>
-  <p:clrMapOvr>
-    <a:masterClrMapping/>
-  </p:clrMapOvr>
-</p:sld>
-</file>
-
-<file path=ppt/slides/slide21.xml><?xml version="1.0" encoding="utf-8"?>
 <p:sld xmlns:a="http://schemas.openxmlformats.org/drawingml/2006/main" xmlns:r="http://schemas.openxmlformats.org/officeDocument/2006/relationships" xmlns:p="http://schemas.openxmlformats.org/presentationml/2006/main">
   <p:cSld>
     <p:spTree>
@@ -11415,7 +11231,12 @@
             <p:ph type="title"/>
           </p:nvPr>
         </p:nvSpPr>
-        <p:spPr/>
+        <p:spPr>
+          <a:xfrm>
+            <a:off x="838200" y="136525"/>
+            <a:ext cx="10515600" cy="951611"/>
+          </a:xfrm>
+        </p:spPr>
         <p:txBody>
           <a:bodyPr/>
           <a:lstStyle/>
@@ -11451,7 +11272,7 @@
           <a:p>
             <a:fld id="{4DD0CBD0-F225-48F0-AD48-2AC179EF640E}" type="datetime1">
               <a:rPr lang="en-US" smtClean="0"/>
-              <a:t>1/23/24</a:t>
+              <a:t>1/23/2024</a:t>
             </a:fld>
             <a:endParaRPr lang="en-US"/>
           </a:p>
@@ -11508,7 +11329,7 @@
           <a:p>
             <a:fld id="{62FDF4A2-3B16-5247-BC69-FC3C09D83126}" type="slidenum">
               <a:rPr lang="en-US" smtClean="0"/>
-              <a:t>21</a:t>
+              <a:t>20</a:t>
             </a:fld>
             <a:endParaRPr lang="en-US"/>
           </a:p>
@@ -11530,10 +11351,15 @@
             <p:ph idx="1"/>
           </p:nvPr>
         </p:nvSpPr>
-        <p:spPr/>
+        <p:spPr>
+          <a:xfrm>
+            <a:off x="838200" y="1185227"/>
+            <a:ext cx="10515600" cy="5171123"/>
+          </a:xfrm>
+        </p:spPr>
         <p:txBody>
           <a:bodyPr numCol="1">
-            <a:normAutofit fontScale="77500" lnSpcReduction="20000"/>
+            <a:normAutofit fontScale="92500" lnSpcReduction="10000"/>
           </a:bodyPr>
           <a:lstStyle/>
           <a:p>
@@ -11543,7 +11369,7 @@
                 <a:latin typeface="Calibri" panose="020F0502020204030204" pitchFamily="34" charset="0"/>
                 <a:cs typeface="Calibri" panose="020F0502020204030204" pitchFamily="34" charset="0"/>
               </a:rPr>
-              <a:t>A concept that emphasizes not just what is said, but what is done through speaking.</a:t>
+              <a:t>A concept that emphasizes not just what is said, but what is done through speaking</a:t>
             </a:r>
           </a:p>
           <a:p>
@@ -11553,7 +11379,7 @@
                 <a:latin typeface="Calibri" panose="020F0502020204030204" pitchFamily="34" charset="0"/>
                 <a:cs typeface="Calibri" panose="020F0502020204030204" pitchFamily="34" charset="0"/>
               </a:rPr>
-              <a:t>Developed by J.L. Austin and furthered by John Searle.</a:t>
+              <a:t>Developed by J.L. Austin and furthered by John Searle</a:t>
             </a:r>
           </a:p>
           <a:p>
@@ -11632,13 +11458,13 @@
           <a:p>
             <a:pPr lvl="1"/>
             <a:r>
-              <a:rPr lang="en-IN" dirty="0">
+              <a:rPr lang="en-IN" b="1" dirty="0">
                 <a:latin typeface="Calibri" panose="020F0502020204030204" pitchFamily="34" charset="0"/>
                 <a:cs typeface="Calibri" panose="020F0502020204030204" pitchFamily="34" charset="0"/>
               </a:rPr>
               <a:t>Context</a:t>
             </a:r>
-            <a:endParaRPr lang="en-IN" b="0" i="0" dirty="0">
+            <a:endParaRPr lang="en-IN" b="1" i="0" dirty="0">
               <a:effectLst/>
               <a:latin typeface="Calibri" panose="020F0502020204030204" pitchFamily="34" charset="0"/>
               <a:cs typeface="Calibri" panose="020F0502020204030204" pitchFamily="34" charset="0"/>
@@ -11668,7 +11494,7 @@
                 <a:latin typeface="Calibri" panose="020F0502020204030204" pitchFamily="34" charset="0"/>
                 <a:cs typeface="Calibri" panose="020F0502020204030204" pitchFamily="34" charset="0"/>
               </a:rPr>
-              <a:t>Reveals the complex ways in which language functions in communication.</a:t>
+              <a:t>Reveals the complex ways in which language functions in communication</a:t>
             </a:r>
           </a:p>
           <a:p>
@@ -11679,7 +11505,7 @@
                 <a:latin typeface="Calibri" panose="020F0502020204030204" pitchFamily="34" charset="0"/>
                 <a:cs typeface="Calibri" panose="020F0502020204030204" pitchFamily="34" charset="0"/>
               </a:rPr>
-              <a:t>Shows how utterances perform actions and carry intentions beyond mere words.</a:t>
+              <a:t>Shows how utterances perform actions and carry intentions beyond mere words</a:t>
             </a:r>
           </a:p>
           <a:p>
@@ -11699,20 +11525,20 @@
             </a:endParaRPr>
           </a:p>
           <a:p>
-            <a:pPr algn="l">
-              <a:buFont typeface="Arial" panose="020B0604020202020204" pitchFamily="34" charset="0"/>
-              <a:buChar char="•"/>
-            </a:pPr>
+            <a:pPr lvl="1"/>
             <a:r>
               <a:rPr lang="en-IN" b="0" i="0" dirty="0">
                 <a:effectLst/>
                 <a:latin typeface="Calibri" panose="020F0502020204030204" pitchFamily="34" charset="0"/>
                 <a:cs typeface="Calibri" panose="020F0502020204030204" pitchFamily="34" charset="0"/>
               </a:rPr>
-              <a:t>From promising and apologizing to ordering and requesting, our words have the power to act.</a:t>
-            </a:r>
-          </a:p>
-          <a:p>
+              <a:t>From promising and apologizing to ordering and requesting, our words have the power to act</a:t>
+            </a:r>
+          </a:p>
+          <a:p>
+            <a:pPr marL="0" indent="0">
+              <a:buNone/>
+            </a:pPr>
             <a:endParaRPr lang="en-IN" b="0" i="0" dirty="0">
               <a:effectLst/>
               <a:latin typeface="Calibri" panose="020F0502020204030204" pitchFamily="34" charset="0"/>
@@ -11725,6 +11551,349 @@
     <p:extLst>
       <p:ext uri="{BB962C8B-B14F-4D97-AF65-F5344CB8AC3E}">
         <p14:creationId xmlns:p14="http://schemas.microsoft.com/office/powerpoint/2010/main" val="3542911873"/>
+      </p:ext>
+    </p:extLst>
+  </p:cSld>
+  <p:clrMapOvr>
+    <a:masterClrMapping/>
+  </p:clrMapOvr>
+</p:sld>
+</file>
+
+<file path=ppt/slides/slide21.xml><?xml version="1.0" encoding="utf-8"?>
+<p:sld xmlns:a="http://schemas.openxmlformats.org/drawingml/2006/main" xmlns:r="http://schemas.openxmlformats.org/officeDocument/2006/relationships" xmlns:p="http://schemas.openxmlformats.org/presentationml/2006/main">
+  <p:cSld>
+    <p:spTree>
+      <p:nvGrpSpPr>
+        <p:cNvPr id="1" name=""/>
+        <p:cNvGrpSpPr/>
+        <p:nvPr/>
+      </p:nvGrpSpPr>
+      <p:grpSpPr>
+        <a:xfrm>
+          <a:off x="0" y="0"/>
+          <a:ext cx="0" cy="0"/>
+          <a:chOff x="0" y="0"/>
+          <a:chExt cx="0" cy="0"/>
+        </a:xfrm>
+      </p:grpSpPr>
+      <p:sp>
+        <p:nvSpPr>
+          <p:cNvPr id="2" name="Title 1">
+            <a:extLst>
+              <a:ext uri="{FF2B5EF4-FFF2-40B4-BE49-F238E27FC236}">
+                <a16:creationId xmlns:a16="http://schemas.microsoft.com/office/drawing/2014/main" id="{211B7C2C-EE81-AB44-2F7A-5AF5418224AD}"/>
+              </a:ext>
+            </a:extLst>
+          </p:cNvPr>
+          <p:cNvSpPr>
+            <a:spLocks noGrp="1"/>
+          </p:cNvSpPr>
+          <p:nvPr>
+            <p:ph type="title"/>
+          </p:nvPr>
+        </p:nvSpPr>
+        <p:spPr>
+          <a:xfrm>
+            <a:off x="838200" y="176720"/>
+            <a:ext cx="10515600" cy="905891"/>
+          </a:xfrm>
+        </p:spPr>
+        <p:txBody>
+          <a:bodyPr/>
+          <a:lstStyle/>
+          <a:p>
+            <a:pPr algn="ctr"/>
+            <a:r>
+              <a:rPr lang="en-IN" dirty="0"/>
+              <a:t>RETRACTIONS THROUGH SAT</a:t>
+            </a:r>
+          </a:p>
+        </p:txBody>
+      </p:sp>
+      <p:sp>
+        <p:nvSpPr>
+          <p:cNvPr id="4" name="Date Placeholder 3">
+            <a:extLst>
+              <a:ext uri="{FF2B5EF4-FFF2-40B4-BE49-F238E27FC236}">
+                <a16:creationId xmlns:a16="http://schemas.microsoft.com/office/drawing/2014/main" id="{9724878C-FB9A-5758-0271-D29925F65B31}"/>
+              </a:ext>
+            </a:extLst>
+          </p:cNvPr>
+          <p:cNvSpPr>
+            <a:spLocks noGrp="1"/>
+          </p:cNvSpPr>
+          <p:nvPr>
+            <p:ph type="dt" sz="half" idx="10"/>
+          </p:nvPr>
+        </p:nvSpPr>
+        <p:spPr/>
+        <p:txBody>
+          <a:bodyPr/>
+          <a:lstStyle/>
+          <a:p>
+            <a:fld id="{4DD0CBD0-F225-48F0-AD48-2AC179EF640E}" type="datetime1">
+              <a:rPr lang="en-US" smtClean="0"/>
+              <a:t>1/23/2024</a:t>
+            </a:fld>
+            <a:endParaRPr lang="en-US"/>
+          </a:p>
+        </p:txBody>
+      </p:sp>
+      <p:sp>
+        <p:nvSpPr>
+          <p:cNvPr id="5" name="Footer Placeholder 4">
+            <a:extLst>
+              <a:ext uri="{FF2B5EF4-FFF2-40B4-BE49-F238E27FC236}">
+                <a16:creationId xmlns:a16="http://schemas.microsoft.com/office/drawing/2014/main" id="{0F1CED05-EF98-A119-209E-CE46431F189D}"/>
+              </a:ext>
+            </a:extLst>
+          </p:cNvPr>
+          <p:cNvSpPr>
+            <a:spLocks noGrp="1"/>
+          </p:cNvSpPr>
+          <p:nvPr>
+            <p:ph type="ftr" sz="quarter" idx="11"/>
+          </p:nvPr>
+        </p:nvSpPr>
+        <p:spPr/>
+        <p:txBody>
+          <a:bodyPr/>
+          <a:lstStyle/>
+          <a:p>
+            <a:r>
+              <a:rPr lang="en-US"/>
+              <a:t>BROWN BAG|IIMS</a:t>
+            </a:r>
+          </a:p>
+        </p:txBody>
+      </p:sp>
+      <p:sp>
+        <p:nvSpPr>
+          <p:cNvPr id="6" name="Slide Number Placeholder 5">
+            <a:extLst>
+              <a:ext uri="{FF2B5EF4-FFF2-40B4-BE49-F238E27FC236}">
+                <a16:creationId xmlns:a16="http://schemas.microsoft.com/office/drawing/2014/main" id="{B114B447-8A4C-DE8A-0513-A6DBD3B52A95}"/>
+              </a:ext>
+            </a:extLst>
+          </p:cNvPr>
+          <p:cNvSpPr>
+            <a:spLocks noGrp="1"/>
+          </p:cNvSpPr>
+          <p:nvPr>
+            <p:ph type="sldNum" sz="quarter" idx="12"/>
+          </p:nvPr>
+        </p:nvSpPr>
+        <p:spPr/>
+        <p:txBody>
+          <a:bodyPr/>
+          <a:lstStyle/>
+          <a:p>
+            <a:fld id="{62FDF4A2-3B16-5247-BC69-FC3C09D83126}" type="slidenum">
+              <a:rPr lang="en-US" smtClean="0"/>
+              <a:t>21</a:t>
+            </a:fld>
+            <a:endParaRPr lang="en-US"/>
+          </a:p>
+        </p:txBody>
+      </p:sp>
+      <p:sp>
+        <p:nvSpPr>
+          <p:cNvPr id="8" name="Content Placeholder 7">
+            <a:extLst>
+              <a:ext uri="{FF2B5EF4-FFF2-40B4-BE49-F238E27FC236}">
+                <a16:creationId xmlns:a16="http://schemas.microsoft.com/office/drawing/2014/main" id="{DCE8C17B-D5D0-9D0E-F914-A0B04DFD407B}"/>
+              </a:ext>
+            </a:extLst>
+          </p:cNvPr>
+          <p:cNvSpPr>
+            <a:spLocks noGrp="1"/>
+          </p:cNvSpPr>
+          <p:nvPr>
+            <p:ph idx="1"/>
+          </p:nvPr>
+        </p:nvSpPr>
+        <p:spPr>
+          <a:xfrm>
+            <a:off x="688848" y="2064639"/>
+            <a:ext cx="10515600" cy="4163695"/>
+          </a:xfrm>
+        </p:spPr>
+        <p:style>
+          <a:lnRef idx="2">
+            <a:schemeClr val="accent1"/>
+          </a:lnRef>
+          <a:fillRef idx="1">
+            <a:schemeClr val="lt1"/>
+          </a:fillRef>
+          <a:effectRef idx="0">
+            <a:schemeClr val="accent1"/>
+          </a:effectRef>
+          <a:fontRef idx="minor">
+            <a:schemeClr val="dk1"/>
+          </a:fontRef>
+        </p:style>
+        <p:txBody>
+          <a:bodyPr numCol="2">
+            <a:normAutofit fontScale="92500" lnSpcReduction="20000"/>
+          </a:bodyPr>
+          <a:lstStyle/>
+          <a:p>
+            <a:r>
+              <a:rPr lang="en-IN" dirty="0"/>
+              <a:t>Locutionary Act</a:t>
+            </a:r>
+          </a:p>
+          <a:p>
+            <a:pPr lvl="1"/>
+            <a:r>
+              <a:rPr lang="en-IN" dirty="0"/>
+              <a:t>Announcing the retraction of a scientific paper</a:t>
+            </a:r>
+          </a:p>
+          <a:p>
+            <a:pPr lvl="1"/>
+            <a:r>
+              <a:rPr lang="en-IN" dirty="0"/>
+              <a:t>The notice includes reasons for retraction, such as research errors or issues with data integrity</a:t>
+            </a:r>
+          </a:p>
+          <a:p>
+            <a:pPr lvl="1"/>
+            <a:endParaRPr lang="en-IN" dirty="0"/>
+          </a:p>
+          <a:p>
+            <a:r>
+              <a:rPr lang="en-IN" dirty="0"/>
+              <a:t>Illocutionary Act</a:t>
+            </a:r>
+          </a:p>
+          <a:p>
+            <a:pPr lvl="1"/>
+            <a:r>
+              <a:rPr lang="en-IN" dirty="0"/>
+              <a:t>Intentionally informs the community that results are unreliable</a:t>
+            </a:r>
+          </a:p>
+          <a:p>
+            <a:pPr lvl="1"/>
+            <a:r>
+              <a:rPr lang="en-IN" dirty="0"/>
+              <a:t>Maintains the integrity of the scientific record</a:t>
+            </a:r>
+          </a:p>
+          <a:p>
+            <a:pPr lvl="1"/>
+            <a:r>
+              <a:rPr lang="en-IN" dirty="0"/>
+              <a:t>Corrects the literature and may acknowledge mistakes or misconduct</a:t>
+            </a:r>
+          </a:p>
+          <a:p>
+            <a:r>
+              <a:rPr lang="en-IN" dirty="0"/>
+              <a:t>Perlocutionary Act</a:t>
+            </a:r>
+          </a:p>
+          <a:p>
+            <a:pPr lvl="1"/>
+            <a:r>
+              <a:rPr lang="en-IN" dirty="0"/>
+              <a:t>Impacts the reputation of authors, journals, and the field</a:t>
+            </a:r>
+          </a:p>
+          <a:p>
+            <a:pPr lvl="1"/>
+            <a:r>
+              <a:rPr lang="en-IN" dirty="0"/>
+              <a:t>Influences how other researchers view and cite the work</a:t>
+            </a:r>
+          </a:p>
+          <a:p>
+            <a:pPr lvl="1"/>
+            <a:r>
+              <a:rPr lang="en-IN" dirty="0"/>
+              <a:t>May prompt further investigation or scepticism</a:t>
+            </a:r>
+          </a:p>
+          <a:p>
+            <a:endParaRPr lang="en-IN" dirty="0"/>
+          </a:p>
+          <a:p>
+            <a:r>
+              <a:rPr lang="en-IN" dirty="0"/>
+              <a:t>Context and Interpretation</a:t>
+            </a:r>
+          </a:p>
+          <a:p>
+            <a:pPr lvl="1"/>
+            <a:r>
+              <a:rPr lang="en-IN" dirty="0"/>
+              <a:t>Context determines the significance of a retraction</a:t>
+            </a:r>
+          </a:p>
+          <a:p>
+            <a:pPr lvl="1"/>
+            <a:r>
+              <a:rPr lang="en-IN" dirty="0"/>
+              <a:t>Differentiates between honest errors and intentional misconduct</a:t>
+            </a:r>
+          </a:p>
+        </p:txBody>
+      </p:sp>
+      <p:sp>
+        <p:nvSpPr>
+          <p:cNvPr id="3" name="TextBox 2">
+            <a:extLst>
+              <a:ext uri="{FF2B5EF4-FFF2-40B4-BE49-F238E27FC236}">
+                <a16:creationId xmlns:a16="http://schemas.microsoft.com/office/drawing/2014/main" id="{BBDC5785-8015-28CD-6F7B-27757F654718}"/>
+              </a:ext>
+            </a:extLst>
+          </p:cNvPr>
+          <p:cNvSpPr txBox="1"/>
+          <p:nvPr/>
+        </p:nvSpPr>
+        <p:spPr>
+          <a:xfrm>
+            <a:off x="899160" y="1298495"/>
+            <a:ext cx="10216896" cy="523220"/>
+          </a:xfrm>
+          <a:prstGeom prst="rect">
+            <a:avLst/>
+          </a:prstGeom>
+        </p:spPr>
+        <p:style>
+          <a:lnRef idx="2">
+            <a:schemeClr val="accent2"/>
+          </a:lnRef>
+          <a:fillRef idx="1">
+            <a:schemeClr val="lt1"/>
+          </a:fillRef>
+          <a:effectRef idx="0">
+            <a:schemeClr val="accent2"/>
+          </a:effectRef>
+          <a:fontRef idx="minor">
+            <a:schemeClr val="dk1"/>
+          </a:fontRef>
+        </p:style>
+        <p:txBody>
+          <a:bodyPr wrap="square" rtlCol="0">
+            <a:spAutoFit/>
+          </a:bodyPr>
+          <a:lstStyle/>
+          <a:p>
+            <a:pPr algn="ctr"/>
+            <a:r>
+              <a:rPr lang="en-IN" sz="2800" dirty="0"/>
+              <a:t>The Act of Writing, What is Written, and the Intentions Behind</a:t>
+            </a:r>
+          </a:p>
+        </p:txBody>
+      </p:sp>
+    </p:spTree>
+    <p:extLst>
+      <p:ext uri="{BB962C8B-B14F-4D97-AF65-F5344CB8AC3E}">
+        <p14:creationId xmlns:p14="http://schemas.microsoft.com/office/powerpoint/2010/main" val="4226975248"/>
       </p:ext>
     </p:extLst>
   </p:cSld>
@@ -11756,7 +11925,7 @@
           <p:cNvPr id="2" name="Title 1">
             <a:extLst>
               <a:ext uri="{FF2B5EF4-FFF2-40B4-BE49-F238E27FC236}">
-                <a16:creationId xmlns:a16="http://schemas.microsoft.com/office/drawing/2014/main" id="{211B7C2C-EE81-AB44-2F7A-5AF5418224AD}"/>
+                <a16:creationId xmlns:a16="http://schemas.microsoft.com/office/drawing/2014/main" id="{B12C9296-A8EE-2A92-935D-A3C8445F1E4C}"/>
               </a:ext>
             </a:extLst>
           </p:cNvPr>
@@ -11767,16 +11936,96 @@
             <p:ph type="title"/>
           </p:nvPr>
         </p:nvSpPr>
-        <p:spPr/>
+        <p:spPr>
+          <a:xfrm>
+            <a:off x="838200" y="209678"/>
+            <a:ext cx="10515600" cy="585850"/>
+          </a:xfrm>
+        </p:spPr>
+        <p:txBody>
+          <a:bodyPr>
+            <a:normAutofit fontScale="90000"/>
+          </a:bodyPr>
+          <a:lstStyle/>
+          <a:p>
+            <a:pPr algn="ctr"/>
+            <a:r>
+              <a:rPr lang="en-IN" dirty="0"/>
+              <a:t>NORMATIVE POWER</a:t>
+            </a:r>
+          </a:p>
+        </p:txBody>
+      </p:sp>
+      <p:sp>
+        <p:nvSpPr>
+          <p:cNvPr id="3" name="Content Placeholder 2">
+            <a:extLst>
+              <a:ext uri="{FF2B5EF4-FFF2-40B4-BE49-F238E27FC236}">
+                <a16:creationId xmlns:a16="http://schemas.microsoft.com/office/drawing/2014/main" id="{DF8A595B-523E-5EDE-C939-F745441D2A9E}"/>
+              </a:ext>
+            </a:extLst>
+          </p:cNvPr>
+          <p:cNvSpPr>
+            <a:spLocks noGrp="1"/>
+          </p:cNvSpPr>
+          <p:nvPr>
+            <p:ph idx="1"/>
+          </p:nvPr>
+        </p:nvSpPr>
+        <p:spPr>
+          <a:xfrm>
+            <a:off x="179832" y="920368"/>
+            <a:ext cx="11707368" cy="5435981"/>
+          </a:xfrm>
+        </p:spPr>
         <p:txBody>
           <a:bodyPr/>
           <a:lstStyle/>
           <a:p>
-            <a:pPr algn="ctr"/>
             <a:r>
               <a:rPr lang="en-IN" dirty="0"/>
-              <a:t>RETRACTIONS THROUGH SAT</a:t>
-            </a:r>
+              <a:t>“A person's act is an exercise of a normative power if it brings about or prevents a normative change because it is, all things considered, desirable that that person should be able to bring the change about or prevent it by performing that act” (Raz, 2019)</a:t>
+            </a:r>
+          </a:p>
+          <a:p>
+            <a:r>
+              <a:rPr lang="en-IN" dirty="0"/>
+              <a:t>In World Politics – EU - exemplar of “normative power”</a:t>
+            </a:r>
+          </a:p>
+          <a:p>
+            <a:pPr lvl="1"/>
+            <a:r>
+              <a:rPr lang="en-IN" dirty="0"/>
+              <a:t>‘sustainability’ although coined by UN, became a norm after EU push via treaties such “Lisbon Treaty”</a:t>
+            </a:r>
+          </a:p>
+          <a:p>
+            <a:r>
+              <a:rPr lang="en-IN" dirty="0"/>
+              <a:t>Normative Power in Academia </a:t>
+            </a:r>
+          </a:p>
+          <a:p>
+            <a:endParaRPr lang="en-IN" dirty="0"/>
+          </a:p>
+          <a:p>
+            <a:pPr marL="457200" lvl="1" indent="0">
+              <a:buNone/>
+            </a:pPr>
+            <a:endParaRPr lang="en-IN" dirty="0"/>
+          </a:p>
+          <a:p>
+            <a:pPr marL="457200" lvl="1" indent="0">
+              <a:buNone/>
+            </a:pPr>
+            <a:endParaRPr lang="en-IN" dirty="0"/>
+          </a:p>
+          <a:p>
+            <a:pPr marL="457200" lvl="1" indent="0">
+              <a:buNone/>
+            </a:pPr>
+            <a:endParaRPr lang="en-IN" dirty="0"/>
           </a:p>
         </p:txBody>
       </p:sp>
@@ -11785,7 +12034,7 @@
           <p:cNvPr id="4" name="Date Placeholder 3">
             <a:extLst>
               <a:ext uri="{FF2B5EF4-FFF2-40B4-BE49-F238E27FC236}">
-                <a16:creationId xmlns:a16="http://schemas.microsoft.com/office/drawing/2014/main" id="{9724878C-FB9A-5758-0271-D29925F65B31}"/>
+                <a16:creationId xmlns:a16="http://schemas.microsoft.com/office/drawing/2014/main" id="{ED9BE520-3E90-F433-D172-54BAEC9EC2D8}"/>
               </a:ext>
             </a:extLst>
           </p:cNvPr>
@@ -11803,7 +12052,7 @@
           <a:p>
             <a:fld id="{4DD0CBD0-F225-48F0-AD48-2AC179EF640E}" type="datetime1">
               <a:rPr lang="en-US" smtClean="0"/>
-              <a:t>1/23/24</a:t>
+              <a:t>1/23/2024</a:t>
             </a:fld>
             <a:endParaRPr lang="en-US"/>
           </a:p>
@@ -11814,7 +12063,7 @@
           <p:cNvPr id="5" name="Footer Placeholder 4">
             <a:extLst>
               <a:ext uri="{FF2B5EF4-FFF2-40B4-BE49-F238E27FC236}">
-                <a16:creationId xmlns:a16="http://schemas.microsoft.com/office/drawing/2014/main" id="{0F1CED05-EF98-A119-209E-CE46431F189D}"/>
+                <a16:creationId xmlns:a16="http://schemas.microsoft.com/office/drawing/2014/main" id="{14C24175-D68B-0F72-F814-AD77467810B7}"/>
               </a:ext>
             </a:extLst>
           </p:cNvPr>
@@ -11842,7 +12091,7 @@
           <p:cNvPr id="6" name="Slide Number Placeholder 5">
             <a:extLst>
               <a:ext uri="{FF2B5EF4-FFF2-40B4-BE49-F238E27FC236}">
-                <a16:creationId xmlns:a16="http://schemas.microsoft.com/office/drawing/2014/main" id="{B114B447-8A4C-DE8A-0513-A6DBD3B52A95}"/>
+                <a16:creationId xmlns:a16="http://schemas.microsoft.com/office/drawing/2014/main" id="{211BFDC6-4D9B-D0F1-4B33-F1634E2C2FD3}"/>
               </a:ext>
             </a:extLst>
           </p:cNvPr>
@@ -11868,136 +12117,160 @@
       </p:sp>
       <p:sp>
         <p:nvSpPr>
-          <p:cNvPr id="8" name="Content Placeholder 7">
-            <a:extLst>
-              <a:ext uri="{FF2B5EF4-FFF2-40B4-BE49-F238E27FC236}">
-                <a16:creationId xmlns:a16="http://schemas.microsoft.com/office/drawing/2014/main" id="{DCE8C17B-D5D0-9D0E-F914-A0B04DFD407B}"/>
-              </a:ext>
-            </a:extLst>
-          </p:cNvPr>
-          <p:cNvSpPr>
-            <a:spLocks noGrp="1"/>
-          </p:cNvSpPr>
-          <p:nvPr>
-            <p:ph idx="1"/>
-          </p:nvPr>
-        </p:nvSpPr>
-        <p:spPr/>
-        <p:txBody>
-          <a:bodyPr numCol="2">
-            <a:normAutofit fontScale="85000" lnSpcReduction="20000"/>
+          <p:cNvPr id="16" name="TextBox 15">
+            <a:extLst>
+              <a:ext uri="{FF2B5EF4-FFF2-40B4-BE49-F238E27FC236}">
+                <a16:creationId xmlns:a16="http://schemas.microsoft.com/office/drawing/2014/main" id="{359BA048-0C43-3544-5DA8-871F85140B8E}"/>
+              </a:ext>
+            </a:extLst>
+          </p:cNvPr>
+          <p:cNvSpPr txBox="1"/>
+          <p:nvPr/>
+        </p:nvSpPr>
+        <p:spPr>
+          <a:xfrm>
+            <a:off x="6832850" y="5174727"/>
+            <a:ext cx="3813048" cy="923330"/>
+          </a:xfrm>
+          <a:prstGeom prst="rect">
+            <a:avLst/>
+          </a:prstGeom>
+        </p:spPr>
+        <p:style>
+          <a:lnRef idx="2">
+            <a:schemeClr val="dk1"/>
+          </a:lnRef>
+          <a:fillRef idx="1">
+            <a:schemeClr val="lt1"/>
+          </a:fillRef>
+          <a:effectRef idx="0">
+            <a:schemeClr val="dk1"/>
+          </a:effectRef>
+          <a:fontRef idx="minor">
+            <a:schemeClr val="dk1"/>
+          </a:fontRef>
+        </p:style>
+        <p:txBody>
+          <a:bodyPr wrap="square" rtlCol="0">
+            <a:spAutoFit/>
           </a:bodyPr>
           <a:lstStyle/>
           <a:p>
+            <a:pPr marL="285750" indent="-285750">
+              <a:buFont typeface="Arial" panose="020B0604020202020204" pitchFamily="34" charset="0"/>
+              <a:buChar char="•"/>
+            </a:pPr>
             <a:r>
               <a:rPr lang="en-IN" dirty="0"/>
-              <a:t>Locutionary Act</a:t>
-            </a:r>
-          </a:p>
-          <a:p>
-            <a:pPr lvl="1"/>
+              <a:t>Countries, Journals, Institutions Dominating Retraction Charts</a:t>
+            </a:r>
+          </a:p>
+          <a:p>
+            <a:pPr marL="285750" indent="-285750">
+              <a:buFont typeface="Arial" panose="020B0604020202020204" pitchFamily="34" charset="0"/>
+              <a:buChar char="•"/>
+            </a:pPr>
             <a:r>
               <a:rPr lang="en-IN" dirty="0"/>
-              <a:t>Announcing the retraction of a scientific paper</a:t>
-            </a:r>
-          </a:p>
-          <a:p>
-            <a:pPr lvl="1"/>
+              <a:t>Conferences</a:t>
+            </a:r>
+          </a:p>
+        </p:txBody>
+      </p:sp>
+      <p:sp>
+        <p:nvSpPr>
+          <p:cNvPr id="17" name="TextBox 16">
+            <a:extLst>
+              <a:ext uri="{FF2B5EF4-FFF2-40B4-BE49-F238E27FC236}">
+                <a16:creationId xmlns:a16="http://schemas.microsoft.com/office/drawing/2014/main" id="{CDABC571-46DF-81FD-F2AF-4097AE9731BB}"/>
+              </a:ext>
+            </a:extLst>
+          </p:cNvPr>
+          <p:cNvSpPr txBox="1"/>
+          <p:nvPr/>
+        </p:nvSpPr>
+        <p:spPr>
+          <a:xfrm>
+            <a:off x="2572511" y="4462535"/>
+            <a:ext cx="3813048" cy="646331"/>
+          </a:xfrm>
+          <a:prstGeom prst="rect">
+            <a:avLst/>
+          </a:prstGeom>
+        </p:spPr>
+        <p:style>
+          <a:lnRef idx="2">
+            <a:schemeClr val="dk1"/>
+          </a:lnRef>
+          <a:fillRef idx="1">
+            <a:schemeClr val="lt1"/>
+          </a:fillRef>
+          <a:effectRef idx="0">
+            <a:schemeClr val="dk1"/>
+          </a:effectRef>
+          <a:fontRef idx="minor">
+            <a:schemeClr val="dk1"/>
+          </a:fontRef>
+        </p:style>
+        <p:txBody>
+          <a:bodyPr wrap="square" rtlCol="0">
+            <a:spAutoFit/>
+          </a:bodyPr>
+          <a:lstStyle/>
+          <a:p>
+            <a:pPr algn="ctr"/>
             <a:r>
               <a:rPr lang="en-IN" dirty="0"/>
-              <a:t>The notice includes reasons for retraction, such as research errors or issues with data integrity</a:t>
-            </a:r>
-          </a:p>
-          <a:p>
-            <a:pPr lvl="1"/>
-            <a:endParaRPr lang="en-IN" dirty="0"/>
-          </a:p>
-          <a:p>
-            <a:r>
-              <a:rPr lang="en-IN" dirty="0"/>
-              <a:t>Illocutionary Act</a:t>
-            </a:r>
-          </a:p>
-          <a:p>
-            <a:pPr lvl="1"/>
-            <a:r>
-              <a:rPr lang="en-IN" dirty="0"/>
-              <a:t>Intentionally informs the community that results are unreliable</a:t>
-            </a:r>
-          </a:p>
-          <a:p>
-            <a:pPr lvl="1"/>
-            <a:r>
-              <a:rPr lang="en-IN" dirty="0"/>
-              <a:t>Maintains the integrity of the scientific record</a:t>
-            </a:r>
-          </a:p>
-          <a:p>
-            <a:pPr lvl="1"/>
-            <a:r>
-              <a:rPr lang="en-IN" dirty="0"/>
-              <a:t>Corrects the literature and may acknowledge mistakes or misconduct</a:t>
-            </a:r>
-          </a:p>
-          <a:p>
-            <a:endParaRPr lang="en-IN" dirty="0"/>
-          </a:p>
-          <a:p>
-            <a:r>
-              <a:rPr lang="en-IN" dirty="0"/>
-              <a:t>Perlocutionary Act</a:t>
-            </a:r>
-          </a:p>
-          <a:p>
-            <a:pPr lvl="1"/>
-            <a:r>
-              <a:rPr lang="en-IN" dirty="0"/>
-              <a:t>Impacts the reputation of authors, journals, and the field</a:t>
-            </a:r>
-          </a:p>
-          <a:p>
-            <a:pPr lvl="1"/>
-            <a:r>
-              <a:rPr lang="en-IN" dirty="0"/>
-              <a:t>Influences how other researchers view and cite the work</a:t>
-            </a:r>
-          </a:p>
-          <a:p>
-            <a:pPr lvl="1"/>
-            <a:r>
-              <a:rPr lang="en-IN" dirty="0"/>
-              <a:t>May prompt further investigation or scepticism</a:t>
-            </a:r>
-          </a:p>
-          <a:p>
-            <a:endParaRPr lang="en-IN" dirty="0"/>
-          </a:p>
-          <a:p>
-            <a:r>
-              <a:rPr lang="en-IN" dirty="0"/>
-              <a:t>Context and Interpretation</a:t>
-            </a:r>
-          </a:p>
-          <a:p>
-            <a:pPr lvl="1"/>
-            <a:r>
-              <a:rPr lang="en-IN" dirty="0"/>
-              <a:t>Context determines the significance of a retraction</a:t>
-            </a:r>
-          </a:p>
-          <a:p>
-            <a:pPr lvl="1"/>
-            <a:r>
-              <a:rPr lang="en-IN" dirty="0"/>
-              <a:t>Differentiates between honest errors and intentional misconduct</a:t>
-            </a:r>
-          </a:p>
-        </p:txBody>
-      </p:sp>
+              <a:t>Journal Rankings such as FT50; ABDC;ABS </a:t>
+            </a:r>
+          </a:p>
+        </p:txBody>
+      </p:sp>
+      <p:cxnSp>
+        <p:nvCxnSpPr>
+          <p:cNvPr id="22" name="Connector: Elbow 21">
+            <a:extLst>
+              <a:ext uri="{FF2B5EF4-FFF2-40B4-BE49-F238E27FC236}">
+                <a16:creationId xmlns:a16="http://schemas.microsoft.com/office/drawing/2014/main" id="{74BB83C3-9A12-B191-B900-0BCC9686B545}"/>
+              </a:ext>
+            </a:extLst>
+          </p:cNvPr>
+          <p:cNvCxnSpPr/>
+          <p:nvPr/>
+        </p:nvCxnSpPr>
+        <p:spPr>
+          <a:xfrm>
+            <a:off x="6409179" y="4717527"/>
+            <a:ext cx="2330195" cy="457200"/>
+          </a:xfrm>
+          <a:prstGeom prst="bentConnector3">
+            <a:avLst>
+              <a:gd name="adj1" fmla="val 100229"/>
+            </a:avLst>
+          </a:prstGeom>
+          <a:ln>
+            <a:tailEnd type="triangle"/>
+          </a:ln>
+        </p:spPr>
+        <p:style>
+          <a:lnRef idx="1">
+            <a:schemeClr val="accent1"/>
+          </a:lnRef>
+          <a:fillRef idx="0">
+            <a:schemeClr val="accent1"/>
+          </a:fillRef>
+          <a:effectRef idx="0">
+            <a:schemeClr val="accent1"/>
+          </a:effectRef>
+          <a:fontRef idx="minor">
+            <a:schemeClr val="tx1"/>
+          </a:fontRef>
+        </p:style>
+      </p:cxnSp>
     </p:spTree>
     <p:extLst>
       <p:ext uri="{BB962C8B-B14F-4D97-AF65-F5344CB8AC3E}">
-        <p14:creationId xmlns:p14="http://schemas.microsoft.com/office/powerpoint/2010/main" val="4226975248"/>
+        <p14:creationId xmlns:p14="http://schemas.microsoft.com/office/powerpoint/2010/main" val="3863225025"/>
       </p:ext>
     </p:extLst>
   </p:cSld>
@@ -12054,31 +12327,6 @@
       </p:sp>
       <p:sp>
         <p:nvSpPr>
-          <p:cNvPr id="8" name="Subtitle 7">
-            <a:extLst>
-              <a:ext uri="{FF2B5EF4-FFF2-40B4-BE49-F238E27FC236}">
-                <a16:creationId xmlns:a16="http://schemas.microsoft.com/office/drawing/2014/main" id="{8422DB3C-1072-B728-240A-AEC7242A12BF}"/>
-              </a:ext>
-            </a:extLst>
-          </p:cNvPr>
-          <p:cNvSpPr>
-            <a:spLocks noGrp="1"/>
-          </p:cNvSpPr>
-          <p:nvPr>
-            <p:ph type="subTitle" idx="1"/>
-          </p:nvPr>
-        </p:nvSpPr>
-        <p:spPr/>
-        <p:txBody>
-          <a:bodyPr/>
-          <a:lstStyle/>
-          <a:p>
-            <a:endParaRPr lang="en-US"/>
-          </a:p>
-        </p:txBody>
-      </p:sp>
-      <p:sp>
-        <p:nvSpPr>
           <p:cNvPr id="4" name="Date Placeholder 3">
             <a:extLst>
               <a:ext uri="{FF2B5EF4-FFF2-40B4-BE49-F238E27FC236}">
@@ -12100,7 +12348,7 @@
           <a:p>
             <a:fld id="{4DD0CBD0-F225-48F0-AD48-2AC179EF640E}" type="datetime1">
               <a:rPr lang="en-US" smtClean="0"/>
-              <a:t>1/23/24</a:t>
+              <a:t>1/23/2024</a:t>
             </a:fld>
             <a:endParaRPr lang="en-US"/>
           </a:p>
@@ -12195,54 +12443,35 @@
       </p:grpSpPr>
       <p:sp>
         <p:nvSpPr>
-          <p:cNvPr id="7" name="Title 6">
-            <a:extLst>
-              <a:ext uri="{FF2B5EF4-FFF2-40B4-BE49-F238E27FC236}">
-                <a16:creationId xmlns:a16="http://schemas.microsoft.com/office/drawing/2014/main" id="{19B47492-6C45-B899-640C-BF33B0852435}"/>
-              </a:ext>
-            </a:extLst>
-          </p:cNvPr>
-          <p:cNvSpPr>
-            <a:spLocks noGrp="1"/>
-          </p:cNvSpPr>
-          <p:nvPr>
-            <p:ph type="ctrTitle"/>
-          </p:nvPr>
-        </p:nvSpPr>
-        <p:spPr/>
+          <p:cNvPr id="2" name="Title 1">
+            <a:extLst>
+              <a:ext uri="{FF2B5EF4-FFF2-40B4-BE49-F238E27FC236}">
+                <a16:creationId xmlns:a16="http://schemas.microsoft.com/office/drawing/2014/main" id="{E8F4D232-78CE-520F-5FDB-2B6319547A67}"/>
+              </a:ext>
+            </a:extLst>
+          </p:cNvPr>
+          <p:cNvSpPr>
+            <a:spLocks noGrp="1"/>
+          </p:cNvSpPr>
+          <p:nvPr>
+            <p:ph type="title"/>
+          </p:nvPr>
+        </p:nvSpPr>
+        <p:spPr>
+          <a:xfrm>
+            <a:off x="838200" y="2614549"/>
+            <a:ext cx="10515600" cy="1325563"/>
+          </a:xfrm>
+        </p:spPr>
         <p:txBody>
           <a:bodyPr/>
           <a:lstStyle/>
           <a:p>
-            <a:r>
-              <a:rPr lang="en-US" dirty="0"/>
-              <a:t>Out Takes</a:t>
-            </a:r>
-          </a:p>
-        </p:txBody>
-      </p:sp>
-      <p:sp>
-        <p:nvSpPr>
-          <p:cNvPr id="8" name="Subtitle 7">
-            <a:extLst>
-              <a:ext uri="{FF2B5EF4-FFF2-40B4-BE49-F238E27FC236}">
-                <a16:creationId xmlns:a16="http://schemas.microsoft.com/office/drawing/2014/main" id="{BB57F8BD-0BEA-60E9-DAA7-DE6B0AB372F8}"/>
-              </a:ext>
-            </a:extLst>
-          </p:cNvPr>
-          <p:cNvSpPr>
-            <a:spLocks noGrp="1"/>
-          </p:cNvSpPr>
-          <p:nvPr>
-            <p:ph type="subTitle" idx="1"/>
-          </p:nvPr>
-        </p:nvSpPr>
-        <p:spPr/>
-        <p:txBody>
-          <a:bodyPr/>
-          <a:lstStyle/>
-          <a:p>
-            <a:endParaRPr lang="en-US"/>
+            <a:pPr algn="ctr"/>
+            <a:r>
+              <a:rPr lang="en-IN" dirty="0"/>
+              <a:t>THANK YOU</a:t>
+            </a:r>
           </a:p>
         </p:txBody>
       </p:sp>
@@ -12251,7 +12480,7 @@
           <p:cNvPr id="4" name="Date Placeholder 3">
             <a:extLst>
               <a:ext uri="{FF2B5EF4-FFF2-40B4-BE49-F238E27FC236}">
-                <a16:creationId xmlns:a16="http://schemas.microsoft.com/office/drawing/2014/main" id="{1E9E57A4-CB4A-1173-DD59-2692359141B5}"/>
+                <a16:creationId xmlns:a16="http://schemas.microsoft.com/office/drawing/2014/main" id="{92C0DA84-4374-37F1-4736-5C332AB4AFA7}"/>
               </a:ext>
             </a:extLst>
           </p:cNvPr>
@@ -12269,7 +12498,7 @@
           <a:p>
             <a:fld id="{4DD0CBD0-F225-48F0-AD48-2AC179EF640E}" type="datetime1">
               <a:rPr lang="en-US" smtClean="0"/>
-              <a:t>1/23/24</a:t>
+              <a:t>1/23/2024</a:t>
             </a:fld>
             <a:endParaRPr lang="en-US"/>
           </a:p>
@@ -12280,7 +12509,7 @@
           <p:cNvPr id="5" name="Footer Placeholder 4">
             <a:extLst>
               <a:ext uri="{FF2B5EF4-FFF2-40B4-BE49-F238E27FC236}">
-                <a16:creationId xmlns:a16="http://schemas.microsoft.com/office/drawing/2014/main" id="{5939314D-7703-5351-7397-5400B0ECEECD}"/>
+                <a16:creationId xmlns:a16="http://schemas.microsoft.com/office/drawing/2014/main" id="{6A2A4B0A-7E88-6341-C921-8669EEC776CA}"/>
               </a:ext>
             </a:extLst>
           </p:cNvPr>
@@ -12308,7 +12537,7 @@
           <p:cNvPr id="6" name="Slide Number Placeholder 5">
             <a:extLst>
               <a:ext uri="{FF2B5EF4-FFF2-40B4-BE49-F238E27FC236}">
-                <a16:creationId xmlns:a16="http://schemas.microsoft.com/office/drawing/2014/main" id="{AB60370C-D3BF-01BF-48E3-558806A9C397}"/>
+                <a16:creationId xmlns:a16="http://schemas.microsoft.com/office/drawing/2014/main" id="{6AFFE0A0-5E2C-AD71-2A66-EC600F71F5F5}"/>
               </a:ext>
             </a:extLst>
           </p:cNvPr>
@@ -12335,7 +12564,7 @@
     </p:spTree>
     <p:extLst>
       <p:ext uri="{BB962C8B-B14F-4D97-AF65-F5344CB8AC3E}">
-        <p14:creationId xmlns:p14="http://schemas.microsoft.com/office/powerpoint/2010/main" val="1921127298"/>
+        <p14:creationId xmlns:p14="http://schemas.microsoft.com/office/powerpoint/2010/main" val="1902230153"/>
       </p:ext>
     </p:extLst>
   </p:cSld>
@@ -12364,6 +12593,150 @@
       </p:grpSpPr>
       <p:sp>
         <p:nvSpPr>
+          <p:cNvPr id="7" name="Title 6">
+            <a:extLst>
+              <a:ext uri="{FF2B5EF4-FFF2-40B4-BE49-F238E27FC236}">
+                <a16:creationId xmlns:a16="http://schemas.microsoft.com/office/drawing/2014/main" id="{19B47492-6C45-B899-640C-BF33B0852435}"/>
+              </a:ext>
+            </a:extLst>
+          </p:cNvPr>
+          <p:cNvSpPr>
+            <a:spLocks noGrp="1"/>
+          </p:cNvSpPr>
+          <p:nvPr>
+            <p:ph type="ctrTitle"/>
+          </p:nvPr>
+        </p:nvSpPr>
+        <p:spPr/>
+        <p:txBody>
+          <a:bodyPr/>
+          <a:lstStyle/>
+          <a:p>
+            <a:r>
+              <a:rPr lang="en-US" dirty="0"/>
+              <a:t>OUT TAKES</a:t>
+            </a:r>
+          </a:p>
+        </p:txBody>
+      </p:sp>
+      <p:sp>
+        <p:nvSpPr>
+          <p:cNvPr id="4" name="Date Placeholder 3">
+            <a:extLst>
+              <a:ext uri="{FF2B5EF4-FFF2-40B4-BE49-F238E27FC236}">
+                <a16:creationId xmlns:a16="http://schemas.microsoft.com/office/drawing/2014/main" id="{1E9E57A4-CB4A-1173-DD59-2692359141B5}"/>
+              </a:ext>
+            </a:extLst>
+          </p:cNvPr>
+          <p:cNvSpPr>
+            <a:spLocks noGrp="1"/>
+          </p:cNvSpPr>
+          <p:nvPr>
+            <p:ph type="dt" sz="half" idx="10"/>
+          </p:nvPr>
+        </p:nvSpPr>
+        <p:spPr/>
+        <p:txBody>
+          <a:bodyPr/>
+          <a:lstStyle/>
+          <a:p>
+            <a:fld id="{4DD0CBD0-F225-48F0-AD48-2AC179EF640E}" type="datetime1">
+              <a:rPr lang="en-US" smtClean="0"/>
+              <a:t>1/23/2024</a:t>
+            </a:fld>
+            <a:endParaRPr lang="en-US"/>
+          </a:p>
+        </p:txBody>
+      </p:sp>
+      <p:sp>
+        <p:nvSpPr>
+          <p:cNvPr id="5" name="Footer Placeholder 4">
+            <a:extLst>
+              <a:ext uri="{FF2B5EF4-FFF2-40B4-BE49-F238E27FC236}">
+                <a16:creationId xmlns:a16="http://schemas.microsoft.com/office/drawing/2014/main" id="{5939314D-7703-5351-7397-5400B0ECEECD}"/>
+              </a:ext>
+            </a:extLst>
+          </p:cNvPr>
+          <p:cNvSpPr>
+            <a:spLocks noGrp="1"/>
+          </p:cNvSpPr>
+          <p:nvPr>
+            <p:ph type="ftr" sz="quarter" idx="11"/>
+          </p:nvPr>
+        </p:nvSpPr>
+        <p:spPr/>
+        <p:txBody>
+          <a:bodyPr/>
+          <a:lstStyle/>
+          <a:p>
+            <a:r>
+              <a:rPr lang="en-US"/>
+              <a:t>BROWN BAG|IIMS</a:t>
+            </a:r>
+          </a:p>
+        </p:txBody>
+      </p:sp>
+      <p:sp>
+        <p:nvSpPr>
+          <p:cNvPr id="6" name="Slide Number Placeholder 5">
+            <a:extLst>
+              <a:ext uri="{FF2B5EF4-FFF2-40B4-BE49-F238E27FC236}">
+                <a16:creationId xmlns:a16="http://schemas.microsoft.com/office/drawing/2014/main" id="{AB60370C-D3BF-01BF-48E3-558806A9C397}"/>
+              </a:ext>
+            </a:extLst>
+          </p:cNvPr>
+          <p:cNvSpPr>
+            <a:spLocks noGrp="1"/>
+          </p:cNvSpPr>
+          <p:nvPr>
+            <p:ph type="sldNum" sz="quarter" idx="12"/>
+          </p:nvPr>
+        </p:nvSpPr>
+        <p:spPr/>
+        <p:txBody>
+          <a:bodyPr/>
+          <a:lstStyle/>
+          <a:p>
+            <a:fld id="{62FDF4A2-3B16-5247-BC69-FC3C09D83126}" type="slidenum">
+              <a:rPr lang="en-US" smtClean="0"/>
+              <a:t>25</a:t>
+            </a:fld>
+            <a:endParaRPr lang="en-US"/>
+          </a:p>
+        </p:txBody>
+      </p:sp>
+    </p:spTree>
+    <p:extLst>
+      <p:ext uri="{BB962C8B-B14F-4D97-AF65-F5344CB8AC3E}">
+        <p14:creationId xmlns:p14="http://schemas.microsoft.com/office/powerpoint/2010/main" val="1921127298"/>
+      </p:ext>
+    </p:extLst>
+  </p:cSld>
+  <p:clrMapOvr>
+    <a:masterClrMapping/>
+  </p:clrMapOvr>
+</p:sld>
+</file>
+
+<file path=ppt/slides/slide26.xml><?xml version="1.0" encoding="utf-8"?>
+<p:sld xmlns:a="http://schemas.openxmlformats.org/drawingml/2006/main" xmlns:r="http://schemas.openxmlformats.org/officeDocument/2006/relationships" xmlns:p="http://schemas.openxmlformats.org/presentationml/2006/main">
+  <p:cSld>
+    <p:spTree>
+      <p:nvGrpSpPr>
+        <p:cNvPr id="1" name=""/>
+        <p:cNvGrpSpPr/>
+        <p:nvPr/>
+      </p:nvGrpSpPr>
+      <p:grpSpPr>
+        <a:xfrm>
+          <a:off x="0" y="0"/>
+          <a:ext cx="0" cy="0"/>
+          <a:chOff x="0" y="0"/>
+          <a:chExt cx="0" cy="0"/>
+        </a:xfrm>
+      </p:grpSpPr>
+      <p:sp>
+        <p:nvSpPr>
           <p:cNvPr id="2" name="Title 1">
             <a:extLst>
               <a:ext uri="{FF2B5EF4-FFF2-40B4-BE49-F238E27FC236}">
@@ -12386,7 +12759,7 @@
             <a:pPr algn="ctr"/>
             <a:r>
               <a:rPr lang="en-US" dirty="0"/>
-              <a:t>Categories List</a:t>
+              <a:t>CATEGORICAL LIST</a:t>
             </a:r>
           </a:p>
         </p:txBody>
@@ -13796,7 +14169,7 @@
           <a:p>
             <a:fld id="{4DD0CBD0-F225-48F0-AD48-2AC179EF640E}" type="datetime1">
               <a:rPr lang="en-US" smtClean="0"/>
-              <a:t>1/23/24</a:t>
+              <a:t>1/23/2024</a:t>
             </a:fld>
             <a:endParaRPr lang="en-US"/>
           </a:p>
@@ -13853,7 +14226,7 @@
           <a:p>
             <a:fld id="{62FDF4A2-3B16-5247-BC69-FC3C09D83126}" type="slidenum">
               <a:rPr lang="en-US" smtClean="0"/>
-              <a:t>25</a:t>
+              <a:t>26</a:t>
             </a:fld>
             <a:endParaRPr lang="en-US"/>
           </a:p>
@@ -13978,7 +14351,7 @@
 </p:sld>
 </file>
 
-<file path=ppt/slides/slide26.xml><?xml version="1.0" encoding="utf-8"?>
+<file path=ppt/slides/slide27.xml><?xml version="1.0" encoding="utf-8"?>
 <p:sld xmlns:a="http://schemas.openxmlformats.org/drawingml/2006/main" xmlns:r="http://schemas.openxmlformats.org/officeDocument/2006/relationships" xmlns:p="http://schemas.openxmlformats.org/presentationml/2006/main">
   <p:cSld>
     <p:spTree>
@@ -14047,7 +14420,7 @@
           <a:p>
             <a:fld id="{4DD0CBD0-F225-48F0-AD48-2AC179EF640E}" type="datetime1">
               <a:rPr lang="en-US" smtClean="0"/>
-              <a:t>1/23/24</a:t>
+              <a:t>1/23/2024</a:t>
             </a:fld>
             <a:endParaRPr lang="en-US"/>
           </a:p>
@@ -14104,7 +14477,7 @@
           <a:p>
             <a:fld id="{62FDF4A2-3B16-5247-BC69-FC3C09D83126}" type="slidenum">
               <a:rPr lang="en-US" smtClean="0"/>
-              <a:t>26</a:t>
+              <a:t>27</a:t>
             </a:fld>
             <a:endParaRPr lang="en-US"/>
           </a:p>
@@ -14332,7 +14705,7 @@
                 <a:latin typeface="Times New Roman" panose="02020603050405020304" pitchFamily="18" charset="0"/>
                 <a:cs typeface="Times New Roman" panose="02020603050405020304" pitchFamily="18" charset="0"/>
               </a:rPr>
-              <a:t>Paid publications</a:t>
+              <a:t>Paid Publications</a:t>
             </a:r>
           </a:p>
           <a:p>
@@ -14394,7 +14767,7 @@
         </p:blipFill>
         <p:spPr>
           <a:xfrm>
-            <a:off x="6613418" y="1209675"/>
+            <a:off x="6613418" y="1051007"/>
             <a:ext cx="5045182" cy="4967288"/>
           </a:xfrm>
           <a:prstGeom prst="rect">
@@ -14416,8 +14789,8 @@
         </p:nvSpPr>
         <p:spPr>
           <a:xfrm>
-            <a:off x="7844589" y="6135852"/>
-            <a:ext cx="2905627" cy="261610"/>
+            <a:off x="7525513" y="6033434"/>
+            <a:ext cx="3389296" cy="307777"/>
           </a:xfrm>
           <a:prstGeom prst="rect">
             <a:avLst/>
@@ -14432,7 +14805,10 @@
           <a:p>
             <a:pPr algn="ctr"/>
             <a:r>
-              <a:rPr lang="en-US" sz="1100" dirty="0"/>
+              <a:rPr lang="en-US" sz="1400" dirty="0">
+                <a:latin typeface="Times New Roman" panose="02020603050405020304" pitchFamily="18" charset="0"/>
+                <a:cs typeface="Times New Roman" panose="02020603050405020304" pitchFamily="18" charset="0"/>
+              </a:rPr>
               <a:t>Breaking records that should not be broken?</a:t>
             </a:r>
           </a:p>
@@ -14461,7 +14837,7 @@
           <a:p>
             <a:fld id="{C2BC8D68-7F6A-43AF-A79D-965AF594D6DF}" type="datetime1">
               <a:rPr lang="en-US" smtClean="0"/>
-              <a:t>1/23/24</a:t>
+              <a:t>1/23/2024</a:t>
             </a:fld>
             <a:endParaRPr lang="en-US"/>
           </a:p>
@@ -14699,7 +15075,7 @@
           <a:p>
             <a:fld id="{4B22735C-4377-456E-BD84-7CADBB1266AA}" type="datetime1">
               <a:rPr lang="en-US" smtClean="0"/>
-              <a:t>1/23/24</a:t>
+              <a:t>1/23/2024</a:t>
             </a:fld>
             <a:endParaRPr lang="en-US"/>
           </a:p>
@@ -14850,7 +15226,7 @@
         </p:spPr>
         <p:txBody>
           <a:bodyPr>
-            <a:normAutofit fontScale="92500" lnSpcReduction="10000"/>
+            <a:normAutofit fontScale="92500" lnSpcReduction="20000"/>
           </a:bodyPr>
           <a:lstStyle/>
           <a:p>
@@ -14881,6 +15257,13 @@
             <a:r>
               <a:rPr lang="en-US" dirty="0"/>
               <a:t> December, 2023)</a:t>
+            </a:r>
+          </a:p>
+          <a:p>
+            <a:pPr lvl="1"/>
+            <a:r>
+              <a:rPr lang="en-US" dirty="0"/>
+              <a:t>4000+ categorized as Management </a:t>
             </a:r>
           </a:p>
           <a:p>
@@ -14929,7 +15312,7 @@
         </p:spPr>
         <p:txBody>
           <a:bodyPr>
-            <a:normAutofit fontScale="92500" lnSpcReduction="10000"/>
+            <a:normAutofit fontScale="92500" lnSpcReduction="20000"/>
           </a:bodyPr>
           <a:lstStyle/>
           <a:p>
@@ -14972,9 +15355,10 @@
           <a:p>
             <a:pPr lvl="1"/>
             <a:r>
-              <a:rPr lang="en-US" dirty="0"/>
-              <a:t>Bibliometrics</a:t>
-            </a:r>
+              <a:rPr lang="en-US" dirty="0" err="1"/>
+              <a:t>Bibliometrix</a:t>
+            </a:r>
+            <a:endParaRPr lang="en-US" dirty="0"/>
           </a:p>
           <a:p>
             <a:pPr lvl="1"/>
@@ -15450,7 +15834,7 @@
           <a:p>
             <a:fld id="{71290D87-E3F9-4FE6-9A4D-257FAC498B26}" type="datetime1">
               <a:rPr lang="en-US" smtClean="0"/>
-              <a:t>1/23/24</a:t>
+              <a:t>1/23/2024</a:t>
             </a:fld>
             <a:endParaRPr lang="en-US"/>
           </a:p>
@@ -15600,7 +15984,7 @@
           <a:p>
             <a:fld id="{4DD0CBD0-F225-48F0-AD48-2AC179EF640E}" type="datetime1">
               <a:rPr lang="en-US" smtClean="0"/>
-              <a:t>1/23/24</a:t>
+              <a:t>1/23/2024</a:t>
             </a:fld>
             <a:endParaRPr lang="en-US"/>
           </a:p>
@@ -15752,7 +16136,7 @@
           <a:p>
             <a:fld id="{6160AB1A-BB36-4664-ACC9-A1B0EED36998}" type="datetime1">
               <a:rPr lang="en-US" smtClean="0"/>
-              <a:t>1/23/24</a:t>
+              <a:t>1/23/2024</a:t>
             </a:fld>
             <a:endParaRPr lang="en-US"/>
           </a:p>
@@ -15978,7 +16362,7 @@
           <a:p>
             <a:fld id="{A6802DC4-F73D-4B1C-80B1-94CB0E917777}" type="datetime1">
               <a:rPr lang="en-US" smtClean="0"/>
-              <a:t>1/23/24</a:t>
+              <a:t>1/23/2024</a:t>
             </a:fld>
             <a:endParaRPr lang="en-US"/>
           </a:p>
@@ -16076,7 +16460,7 @@
           <p:cNvPr id="2" name="Title 1">
             <a:extLst>
               <a:ext uri="{FF2B5EF4-FFF2-40B4-BE49-F238E27FC236}">
-                <a16:creationId xmlns:a16="http://schemas.microsoft.com/office/drawing/2014/main" id="{82488662-A4A6-36D4-E977-C054B4520318}"/>
+                <a16:creationId xmlns:a16="http://schemas.microsoft.com/office/drawing/2014/main" id="{7575EAB6-9741-25C7-4F0C-5468829A7665}"/>
               </a:ext>
             </a:extLst>
           </p:cNvPr>
@@ -16089,20 +16473,21 @@
         </p:nvSpPr>
         <p:spPr>
           <a:xfrm>
-            <a:off x="838200" y="365125"/>
-            <a:ext cx="10515600" cy="835025"/>
+            <a:off x="633412" y="136525"/>
+            <a:ext cx="10925175" cy="1325563"/>
           </a:xfrm>
         </p:spPr>
         <p:txBody>
-          <a:bodyPr/>
+          <a:bodyPr>
+            <a:normAutofit/>
+          </a:bodyPr>
           <a:lstStyle/>
           <a:p>
             <a:pPr algn="ctr"/>
             <a:r>
-              <a:rPr lang="en-US" sz="4400" dirty="0"/>
-              <a:t>SUBJECT SPREAD</a:t>
-            </a:r>
-            <a:endParaRPr lang="en-US" dirty="0"/>
+              <a:rPr lang="en-US" dirty="0"/>
+              <a:t>RISE IN INTER SUBJECT/DISCIPLINE WORK</a:t>
+            </a:r>
           </a:p>
         </p:txBody>
       </p:sp>
@@ -16111,7 +16496,7 @@
           <p:cNvPr id="4" name="Content Placeholder 3">
             <a:extLst>
               <a:ext uri="{FF2B5EF4-FFF2-40B4-BE49-F238E27FC236}">
-                <a16:creationId xmlns:a16="http://schemas.microsoft.com/office/drawing/2014/main" id="{37A03510-629E-2880-C7C7-5C5239905467}"/>
+                <a16:creationId xmlns:a16="http://schemas.microsoft.com/office/drawing/2014/main" id="{71F38DD0-7705-26C2-A9D7-BCCB5A98250A}"/>
               </a:ext>
             </a:extLst>
           </p:cNvPr>
@@ -16124,17 +16509,23 @@
         </p:nvPicPr>
         <p:blipFill rotWithShape="1">
           <a:blip r:embed="rId2"/>
-          <a:srcRect t="8854"/>
+          <a:srcRect t="10923"/>
           <a:stretch/>
         </p:blipFill>
         <p:spPr>
           <a:xfrm>
-            <a:off x="771525" y="1200150"/>
-            <a:ext cx="10515600" cy="5075144"/>
+            <a:off x="985837" y="1506539"/>
+            <a:ext cx="10220325" cy="4608185"/>
           </a:xfrm>
           <a:prstGeom prst="rect">
             <a:avLst/>
           </a:prstGeom>
+          <a:ln>
+            <a:noFill/>
+          </a:ln>
+          <a:effectLst>
+            <a:softEdge rad="112500"/>
+          </a:effectLst>
         </p:spPr>
       </p:pic>
       <p:sp>
@@ -16142,7 +16533,7 @@
           <p:cNvPr id="3" name="Date Placeholder 2">
             <a:extLst>
               <a:ext uri="{FF2B5EF4-FFF2-40B4-BE49-F238E27FC236}">
-                <a16:creationId xmlns:a16="http://schemas.microsoft.com/office/drawing/2014/main" id="{B9316DBB-F25D-C3C7-8BD8-E93BEDC2C628}"/>
+                <a16:creationId xmlns:a16="http://schemas.microsoft.com/office/drawing/2014/main" id="{406AEFC8-7CDE-1926-5F4A-4ACF7FCA8E07}"/>
               </a:ext>
             </a:extLst>
           </p:cNvPr>
@@ -16158,9 +16549,9 @@
           <a:bodyPr/>
           <a:lstStyle/>
           <a:p>
-            <a:fld id="{B162DBCC-21AD-42FB-8870-6DD72F673DB8}" type="datetime1">
+            <a:fld id="{4E86FD42-CFE6-44BB-AE27-ABF98F8EFF32}" type="datetime1">
               <a:rPr lang="en-US" smtClean="0"/>
-              <a:t>1/23/24</a:t>
+              <a:t>1/23/2024</a:t>
             </a:fld>
             <a:endParaRPr lang="en-US"/>
           </a:p>
@@ -16171,7 +16562,7 @@
           <p:cNvPr id="5" name="Footer Placeholder 4">
             <a:extLst>
               <a:ext uri="{FF2B5EF4-FFF2-40B4-BE49-F238E27FC236}">
-                <a16:creationId xmlns:a16="http://schemas.microsoft.com/office/drawing/2014/main" id="{B261BADA-B958-0159-5B2F-5E1590E48F87}"/>
+                <a16:creationId xmlns:a16="http://schemas.microsoft.com/office/drawing/2014/main" id="{91E6CFC1-C8AF-E1B4-0021-07F8FBB48E9B}"/>
               </a:ext>
             </a:extLst>
           </p:cNvPr>
@@ -16199,7 +16590,7 @@
           <p:cNvPr id="6" name="Slide Number Placeholder 5">
             <a:extLst>
               <a:ext uri="{FF2B5EF4-FFF2-40B4-BE49-F238E27FC236}">
-                <a16:creationId xmlns:a16="http://schemas.microsoft.com/office/drawing/2014/main" id="{A1B13D4E-1517-02EF-A305-C73BAF2CB949}"/>
+                <a16:creationId xmlns:a16="http://schemas.microsoft.com/office/drawing/2014/main" id="{7CA463DE-BB09-CC59-E799-5934BD1027AA}"/>
               </a:ext>
             </a:extLst>
           </p:cNvPr>
@@ -16226,7 +16617,7 @@
     </p:spTree>
     <p:extLst>
       <p:ext uri="{BB962C8B-B14F-4D97-AF65-F5344CB8AC3E}">
-        <p14:creationId xmlns:p14="http://schemas.microsoft.com/office/powerpoint/2010/main" val="3204707643"/>
+        <p14:creationId xmlns:p14="http://schemas.microsoft.com/office/powerpoint/2010/main" val="878178613"/>
       </p:ext>
     </p:extLst>
   </p:cSld>
